--- a/UpdateDecember17.pptx
+++ b/UpdateDecember17.pptx
@@ -2383,7 +2383,7 @@
             <a:fld id="{C7B933D3-084C-4BF9-A85D-50E4146B1311}" type="datetimeFigureOut">
               <a:rPr lang="en-US" smtClean="0"/>
               <a:pPr/>
-              <a:t>1/3/2018</a:t>
+              <a:t>1/4/2018</a:t>
             </a:fld>
             <a:endParaRPr lang="en-US" dirty="0"/>
           </a:p>
@@ -3099,7 +3099,7 @@
           <a:p>
             <a:fld id="{C7B933D3-084C-4BF9-A85D-50E4146B1311}" type="datetimeFigureOut">
               <a:rPr lang="en-US" smtClean="0"/>
-              <a:t>1/3/2018</a:t>
+              <a:t>1/4/2018</a:t>
             </a:fld>
             <a:endParaRPr lang="en-US"/>
           </a:p>
@@ -5303,7 +5303,7 @@
           <a:p>
             <a:fld id="{C7B933D3-084C-4BF9-A85D-50E4146B1311}" type="datetimeFigureOut">
               <a:rPr lang="en-US" smtClean="0"/>
-              <a:t>1/3/2018</a:t>
+              <a:t>1/4/2018</a:t>
             </a:fld>
             <a:endParaRPr lang="en-US"/>
           </a:p>
@@ -21749,7 +21749,12 @@
             <p:ph type="title"/>
           </p:nvPr>
         </p:nvSpPr>
-        <p:spPr/>
+        <p:spPr>
+          <a:xfrm>
+            <a:off x="97855" y="62587"/>
+            <a:ext cx="10972800" cy="639762"/>
+          </a:xfrm>
+        </p:spPr>
         <p:txBody>
           <a:bodyPr/>
           <a:lstStyle/>
@@ -21837,46 +21842,6 @@
       </p:cxnSp>
       <p:sp>
         <p:nvSpPr>
-          <p:cNvPr id="7" name="TextBox 6">
-            <a:extLst>
-              <a:ext uri="{FF2B5EF4-FFF2-40B4-BE49-F238E27FC236}">
-                <a16:creationId xmlns:a16="http://schemas.microsoft.com/office/drawing/2014/main" id="{50A1F252-05CB-4D14-BE49-E42C9BF898E7}"/>
-              </a:ext>
-            </a:extLst>
-          </p:cNvPr>
-          <p:cNvSpPr txBox="1"/>
-          <p:nvPr/>
-        </p:nvSpPr>
-        <p:spPr>
-          <a:xfrm>
-            <a:off x="4329029" y="1128050"/>
-            <a:ext cx="3104569" cy="369332"/>
-          </a:xfrm>
-          <a:prstGeom prst="rect">
-            <a:avLst/>
-          </a:prstGeom>
-          <a:noFill/>
-        </p:spPr>
-        <p:txBody>
-          <a:bodyPr wrap="none" rtlCol="0">
-            <a:spAutoFit/>
-          </a:bodyPr>
-          <a:lstStyle/>
-          <a:p>
-            <a:pPr algn="ctr"/>
-            <a:r>
-              <a:rPr lang="en-US" dirty="0">
-                <a:solidFill>
-                  <a:schemeClr val="bg2"/>
-                </a:solidFill>
-              </a:rPr>
-              <a:t>Electrons to voltage conversion</a:t>
-            </a:r>
-          </a:p>
-        </p:txBody>
-      </p:sp>
-      <p:sp>
-        <p:nvSpPr>
           <p:cNvPr id="8" name="TextBox 7">
             <a:extLst>
               <a:ext uri="{FF2B5EF4-FFF2-40B4-BE49-F238E27FC236}">
@@ -21889,7 +21854,7 @@
         </p:nvSpPr>
         <p:spPr>
           <a:xfrm>
-            <a:off x="946108" y="1130840"/>
+            <a:off x="970262" y="1370602"/>
             <a:ext cx="2125710" cy="369332"/>
           </a:xfrm>
           <a:prstGeom prst="rect">
@@ -21915,81 +21880,6 @@
           </a:p>
         </p:txBody>
       </p:sp>
-      <p:sp>
-        <p:nvSpPr>
-          <p:cNvPr id="9" name="TextBox 8">
-            <a:extLst>
-              <a:ext uri="{FF2B5EF4-FFF2-40B4-BE49-F238E27FC236}">
-                <a16:creationId xmlns:a16="http://schemas.microsoft.com/office/drawing/2014/main" id="{92A4289B-61C6-450A-B25B-44341D252376}"/>
-              </a:ext>
-            </a:extLst>
-          </p:cNvPr>
-          <p:cNvSpPr txBox="1"/>
-          <p:nvPr/>
-        </p:nvSpPr>
-        <p:spPr>
-          <a:xfrm>
-            <a:off x="9080313" y="1128050"/>
-            <a:ext cx="2255489" cy="369332"/>
-          </a:xfrm>
-          <a:prstGeom prst="rect">
-            <a:avLst/>
-          </a:prstGeom>
-          <a:noFill/>
-        </p:spPr>
-        <p:txBody>
-          <a:bodyPr wrap="none" rtlCol="0">
-            <a:spAutoFit/>
-          </a:bodyPr>
-          <a:lstStyle/>
-          <a:p>
-            <a:pPr algn="ctr"/>
-            <a:r>
-              <a:rPr lang="en-US" dirty="0">
-                <a:solidFill>
-                  <a:schemeClr val="bg2"/>
-                </a:solidFill>
-              </a:rPr>
-              <a:t>Voltages to gray levels</a:t>
-            </a:r>
-          </a:p>
-        </p:txBody>
-      </p:sp>
-      <p:sp>
-        <p:nvSpPr>
-          <p:cNvPr id="11" name="TextBox 10">
-            <a:extLst>
-              <a:ext uri="{FF2B5EF4-FFF2-40B4-BE49-F238E27FC236}">
-                <a16:creationId xmlns:a16="http://schemas.microsoft.com/office/drawing/2014/main" id="{A5EEE021-FA12-48DA-B986-3215583BC657}"/>
-              </a:ext>
-            </a:extLst>
-          </p:cNvPr>
-          <p:cNvSpPr txBox="1"/>
-          <p:nvPr/>
-        </p:nvSpPr>
-        <p:spPr>
-          <a:xfrm>
-            <a:off x="4415608" y="1419307"/>
-            <a:ext cx="2476690" cy="369332"/>
-          </a:xfrm>
-          <a:prstGeom prst="rect">
-            <a:avLst/>
-          </a:prstGeom>
-          <a:noFill/>
-        </p:spPr>
-        <p:txBody>
-          <a:bodyPr wrap="square" rtlCol="0">
-            <a:spAutoFit/>
-          </a:bodyPr>
-          <a:lstStyle/>
-          <a:p>
-            <a:r>
-              <a:rPr lang="en-US" dirty="0"/>
-              <a:t>1. Dark current noise</a:t>
-            </a:r>
-          </a:p>
-        </p:txBody>
-      </p:sp>
       <p:grpSp>
         <p:nvGrpSpPr>
           <p:cNvPr id="14" name="Group 13">
@@ -22004,7 +21894,7 @@
         </p:nvGrpSpPr>
         <p:grpSpPr>
           <a:xfrm>
-            <a:off x="187256" y="4028682"/>
+            <a:off x="167157" y="4527449"/>
             <a:ext cx="3874932" cy="1714563"/>
             <a:chOff x="435456" y="1447789"/>
             <a:chExt cx="3874932" cy="1714563"/>
@@ -22246,457 +22136,656 @@
           </mc:Fallback>
         </mc:AlternateContent>
       </p:grpSp>
-      <p:pic>
-        <p:nvPicPr>
-          <p:cNvPr id="15" name="Picture 14">
+      <p:grpSp>
+        <p:nvGrpSpPr>
+          <p:cNvPr id="25" name="Group 24">
             <a:extLst>
               <a:ext uri="{FF2B5EF4-FFF2-40B4-BE49-F238E27FC236}">
-                <a16:creationId xmlns:a16="http://schemas.microsoft.com/office/drawing/2014/main" id="{F2FA359A-93C5-4667-A90F-F343566E3754}"/>
+                <a16:creationId xmlns:a16="http://schemas.microsoft.com/office/drawing/2014/main" id="{51EBE06D-C13B-4E4F-983D-23BFB40FE685}"/>
               </a:ext>
             </a:extLst>
           </p:cNvPr>
-          <p:cNvPicPr>
-            <a:picLocks noChangeAspect="1"/>
-          </p:cNvPicPr>
+          <p:cNvGrpSpPr/>
           <p:nvPr/>
-        </p:nvPicPr>
-        <p:blipFill>
-          <a:blip r:embed="rId4"/>
-          <a:stretch>
-            <a:fillRect/>
-          </a:stretch>
-        </p:blipFill>
-        <p:spPr>
+        </p:nvGrpSpPr>
+        <p:grpSpPr>
           <a:xfrm>
-            <a:off x="4392866" y="1896680"/>
-            <a:ext cx="1832305" cy="1320440"/>
+            <a:off x="4352662" y="1387221"/>
+            <a:ext cx="4352061" cy="2089070"/>
+            <a:chOff x="4329029" y="1128050"/>
+            <a:chExt cx="4352061" cy="2089070"/>
           </a:xfrm>
-          <a:prstGeom prst="rect">
-            <a:avLst/>
-          </a:prstGeom>
-        </p:spPr>
-      </p:pic>
-      <p:sp>
-        <p:nvSpPr>
-          <p:cNvPr id="16" name="TextBox 15">
+        </p:grpSpPr>
+        <p:sp>
+          <p:nvSpPr>
+            <p:cNvPr id="7" name="TextBox 6">
+              <a:extLst>
+                <a:ext uri="{FF2B5EF4-FFF2-40B4-BE49-F238E27FC236}">
+                  <a16:creationId xmlns:a16="http://schemas.microsoft.com/office/drawing/2014/main" id="{50A1F252-05CB-4D14-BE49-E42C9BF898E7}"/>
+                </a:ext>
+              </a:extLst>
+            </p:cNvPr>
+            <p:cNvSpPr txBox="1"/>
+            <p:nvPr/>
+          </p:nvSpPr>
+          <p:spPr>
+            <a:xfrm>
+              <a:off x="4329029" y="1128050"/>
+              <a:ext cx="3104569" cy="369332"/>
+            </a:xfrm>
+            <a:prstGeom prst="rect">
+              <a:avLst/>
+            </a:prstGeom>
+            <a:noFill/>
+          </p:spPr>
+          <p:txBody>
+            <a:bodyPr wrap="none" rtlCol="0">
+              <a:spAutoFit/>
+            </a:bodyPr>
+            <a:lstStyle/>
+            <a:p>
+              <a:pPr algn="ctr"/>
+              <a:r>
+                <a:rPr lang="en-US" dirty="0">
+                  <a:solidFill>
+                    <a:schemeClr val="bg2"/>
+                  </a:solidFill>
+                </a:rPr>
+                <a:t>Electrons to voltage conversion</a:t>
+              </a:r>
+            </a:p>
+          </p:txBody>
+        </p:sp>
+        <p:sp>
+          <p:nvSpPr>
+            <p:cNvPr id="11" name="TextBox 10">
+              <a:extLst>
+                <a:ext uri="{FF2B5EF4-FFF2-40B4-BE49-F238E27FC236}">
+                  <a16:creationId xmlns:a16="http://schemas.microsoft.com/office/drawing/2014/main" id="{A5EEE021-FA12-48DA-B986-3215583BC657}"/>
+                </a:ext>
+              </a:extLst>
+            </p:cNvPr>
+            <p:cNvSpPr txBox="1"/>
+            <p:nvPr/>
+          </p:nvSpPr>
+          <p:spPr>
+            <a:xfrm>
+              <a:off x="4415608" y="1419307"/>
+              <a:ext cx="2476690" cy="369332"/>
+            </a:xfrm>
+            <a:prstGeom prst="rect">
+              <a:avLst/>
+            </a:prstGeom>
+            <a:noFill/>
+          </p:spPr>
+          <p:txBody>
+            <a:bodyPr wrap="square" rtlCol="0">
+              <a:spAutoFit/>
+            </a:bodyPr>
+            <a:lstStyle/>
+            <a:p>
+              <a:r>
+                <a:rPr lang="en-US" dirty="0"/>
+                <a:t>1. Dark current noise</a:t>
+              </a:r>
+            </a:p>
+          </p:txBody>
+        </p:sp>
+        <p:pic>
+          <p:nvPicPr>
+            <p:cNvPr id="15" name="Picture 14">
+              <a:extLst>
+                <a:ext uri="{FF2B5EF4-FFF2-40B4-BE49-F238E27FC236}">
+                  <a16:creationId xmlns:a16="http://schemas.microsoft.com/office/drawing/2014/main" id="{F2FA359A-93C5-4667-A90F-F343566E3754}"/>
+                </a:ext>
+              </a:extLst>
+            </p:cNvPr>
+            <p:cNvPicPr>
+              <a:picLocks noChangeAspect="1"/>
+            </p:cNvPicPr>
+            <p:nvPr/>
+          </p:nvPicPr>
+          <p:blipFill>
+            <a:blip r:embed="rId4"/>
+            <a:stretch>
+              <a:fillRect/>
+            </a:stretch>
+          </p:blipFill>
+          <p:spPr>
+            <a:xfrm>
+              <a:off x="4392866" y="1896680"/>
+              <a:ext cx="1832305" cy="1320440"/>
+            </a:xfrm>
+            <a:prstGeom prst="rect">
+              <a:avLst/>
+            </a:prstGeom>
+          </p:spPr>
+        </p:pic>
+        <p:sp>
+          <p:nvSpPr>
+            <p:cNvPr id="16" name="TextBox 15">
+              <a:extLst>
+                <a:ext uri="{FF2B5EF4-FFF2-40B4-BE49-F238E27FC236}">
+                  <a16:creationId xmlns:a16="http://schemas.microsoft.com/office/drawing/2014/main" id="{C81066D2-F334-4821-BC62-F308F5BFA7F2}"/>
+                </a:ext>
+              </a:extLst>
+            </p:cNvPr>
+            <p:cNvSpPr txBox="1"/>
+            <p:nvPr/>
+          </p:nvSpPr>
+          <p:spPr>
+            <a:xfrm>
+              <a:off x="5730120" y="2239359"/>
+              <a:ext cx="2950970" cy="646331"/>
+            </a:xfrm>
+            <a:prstGeom prst="rect">
+              <a:avLst/>
+            </a:prstGeom>
+            <a:noFill/>
+          </p:spPr>
+          <p:txBody>
+            <a:bodyPr wrap="square" rtlCol="0">
+              <a:spAutoFit/>
+            </a:bodyPr>
+            <a:lstStyle/>
+            <a:p>
+              <a:pPr algn="ctr"/>
+              <a:r>
+                <a:rPr lang="en-US" dirty="0">
+                  <a:solidFill>
+                    <a:srgbClr val="FF0000"/>
+                  </a:solidFill>
+                </a:rPr>
+                <a:t>Thermally generated </a:t>
+              </a:r>
+            </a:p>
+            <a:p>
+              <a:pPr algn="ctr"/>
+              <a:r>
+                <a:rPr lang="en-US" dirty="0">
+                  <a:solidFill>
+                    <a:srgbClr val="FF0000"/>
+                  </a:solidFill>
+                </a:rPr>
+                <a:t>electrons</a:t>
+              </a:r>
+            </a:p>
+          </p:txBody>
+        </p:sp>
+      </p:grpSp>
+      <p:grpSp>
+        <p:nvGrpSpPr>
+          <p:cNvPr id="18" name="Group 17">
             <a:extLst>
               <a:ext uri="{FF2B5EF4-FFF2-40B4-BE49-F238E27FC236}">
-                <a16:creationId xmlns:a16="http://schemas.microsoft.com/office/drawing/2014/main" id="{C81066D2-F334-4821-BC62-F308F5BFA7F2}"/>
+                <a16:creationId xmlns:a16="http://schemas.microsoft.com/office/drawing/2014/main" id="{19ADD565-B9CE-460C-B77D-DA698DBF0582}"/>
               </a:ext>
             </a:extLst>
           </p:cNvPr>
-          <p:cNvSpPr txBox="1"/>
+          <p:cNvGrpSpPr/>
           <p:nvPr/>
-        </p:nvSpPr>
-        <p:spPr>
+        </p:nvGrpSpPr>
+        <p:grpSpPr>
           <a:xfrm>
-            <a:off x="5730120" y="2239359"/>
-            <a:ext cx="2950970" cy="646331"/>
+            <a:off x="4415608" y="4461033"/>
+            <a:ext cx="4664513" cy="2247630"/>
+            <a:chOff x="4382457" y="4026594"/>
+            <a:chExt cx="4664513" cy="2247630"/>
           </a:xfrm>
-          <a:prstGeom prst="rect">
-            <a:avLst/>
-          </a:prstGeom>
-          <a:noFill/>
-        </p:spPr>
-        <p:txBody>
-          <a:bodyPr wrap="square" rtlCol="0">
-            <a:spAutoFit/>
-          </a:bodyPr>
-          <a:lstStyle/>
-          <a:p>
-            <a:pPr algn="ctr"/>
-            <a:r>
-              <a:rPr lang="en-US" dirty="0">
-                <a:solidFill>
-                  <a:srgbClr val="FF0000"/>
-                </a:solidFill>
-              </a:rPr>
-              <a:t>Thermally generated </a:t>
-            </a:r>
-          </a:p>
-          <a:p>
-            <a:pPr algn="ctr"/>
-            <a:r>
-              <a:rPr lang="en-US" dirty="0">
-                <a:solidFill>
-                  <a:srgbClr val="FF0000"/>
-                </a:solidFill>
-              </a:rPr>
-              <a:t>electrons</a:t>
-            </a:r>
-          </a:p>
-        </p:txBody>
-      </p:sp>
-      <p:pic>
-        <p:nvPicPr>
-          <p:cNvPr id="21" name="Picture 20">
+        </p:grpSpPr>
+        <p:pic>
+          <p:nvPicPr>
+            <p:cNvPr id="21" name="Picture 20">
+              <a:extLst>
+                <a:ext uri="{FF2B5EF4-FFF2-40B4-BE49-F238E27FC236}">
+                  <a16:creationId xmlns:a16="http://schemas.microsoft.com/office/drawing/2014/main" id="{2105700F-5A42-4A04-A8C9-2C9DE9ADDA48}"/>
+                </a:ext>
+              </a:extLst>
+            </p:cNvPr>
+            <p:cNvPicPr>
+              <a:picLocks noChangeAspect="1"/>
+            </p:cNvPicPr>
+            <p:nvPr/>
+          </p:nvPicPr>
+          <p:blipFill>
+            <a:blip r:embed="rId5"/>
+            <a:stretch>
+              <a:fillRect/>
+            </a:stretch>
+          </p:blipFill>
+          <p:spPr>
+            <a:xfrm>
+              <a:off x="4415608" y="4603161"/>
+              <a:ext cx="2302353" cy="1671063"/>
+            </a:xfrm>
+            <a:prstGeom prst="rect">
+              <a:avLst/>
+            </a:prstGeom>
+          </p:spPr>
+        </p:pic>
+        <p:sp>
+          <p:nvSpPr>
+            <p:cNvPr id="22" name="TextBox 21">
+              <a:extLst>
+                <a:ext uri="{FF2B5EF4-FFF2-40B4-BE49-F238E27FC236}">
+                  <a16:creationId xmlns:a16="http://schemas.microsoft.com/office/drawing/2014/main" id="{A24DED7B-3909-41DC-8A59-73F730E91267}"/>
+                </a:ext>
+              </a:extLst>
+            </p:cNvPr>
+            <p:cNvSpPr txBox="1"/>
+            <p:nvPr/>
+          </p:nvSpPr>
+          <p:spPr>
+            <a:xfrm>
+              <a:off x="4382457" y="4026594"/>
+              <a:ext cx="2476690" cy="369332"/>
+            </a:xfrm>
+            <a:prstGeom prst="rect">
+              <a:avLst/>
+            </a:prstGeom>
+            <a:noFill/>
+          </p:spPr>
+          <p:txBody>
+            <a:bodyPr wrap="square" rtlCol="0">
+              <a:spAutoFit/>
+            </a:bodyPr>
+            <a:lstStyle/>
+            <a:p>
+              <a:r>
+                <a:rPr lang="en-US" dirty="0"/>
+                <a:t>2. Full-well capacity</a:t>
+              </a:r>
+            </a:p>
+          </p:txBody>
+        </p:sp>
+        <p:sp>
+          <p:nvSpPr>
+            <p:cNvPr id="23" name="TextBox 22">
+              <a:extLst>
+                <a:ext uri="{FF2B5EF4-FFF2-40B4-BE49-F238E27FC236}">
+                  <a16:creationId xmlns:a16="http://schemas.microsoft.com/office/drawing/2014/main" id="{75FA7D8D-4F2B-400B-96F4-947B5EC211F6}"/>
+                </a:ext>
+              </a:extLst>
+            </p:cNvPr>
+            <p:cNvSpPr txBox="1"/>
+            <p:nvPr/>
+          </p:nvSpPr>
+          <p:spPr>
+            <a:xfrm>
+              <a:off x="6096000" y="5293963"/>
+              <a:ext cx="2950970" cy="369332"/>
+            </a:xfrm>
+            <a:prstGeom prst="rect">
+              <a:avLst/>
+            </a:prstGeom>
+            <a:noFill/>
+          </p:spPr>
+          <p:txBody>
+            <a:bodyPr wrap="square" rtlCol="0">
+              <a:spAutoFit/>
+            </a:bodyPr>
+            <a:lstStyle/>
+            <a:p>
+              <a:pPr algn="ctr"/>
+              <a:r>
+                <a:rPr lang="en-US" dirty="0">
+                  <a:solidFill>
+                    <a:srgbClr val="FF0000"/>
+                  </a:solidFill>
+                </a:rPr>
+                <a:t>Image saturation</a:t>
+              </a:r>
+            </a:p>
+          </p:txBody>
+        </p:sp>
+      </p:grpSp>
+      <p:grpSp>
+        <p:nvGrpSpPr>
+          <p:cNvPr id="28" name="Group 27">
             <a:extLst>
               <a:ext uri="{FF2B5EF4-FFF2-40B4-BE49-F238E27FC236}">
-                <a16:creationId xmlns:a16="http://schemas.microsoft.com/office/drawing/2014/main" id="{2105700F-5A42-4A04-A8C9-2C9DE9ADDA48}"/>
+                <a16:creationId xmlns:a16="http://schemas.microsoft.com/office/drawing/2014/main" id="{97E02A46-B06C-456F-ADC9-0F287DF18530}"/>
               </a:ext>
             </a:extLst>
           </p:cNvPr>
-          <p:cNvPicPr>
-            <a:picLocks noChangeAspect="1"/>
-          </p:cNvPicPr>
+          <p:cNvGrpSpPr/>
           <p:nvPr/>
-        </p:nvPicPr>
-        <p:blipFill>
-          <a:blip r:embed="rId5"/>
-          <a:stretch>
-            <a:fillRect/>
-          </a:stretch>
-        </p:blipFill>
-        <p:spPr>
+        </p:nvGrpSpPr>
+        <p:grpSpPr>
           <a:xfrm>
-            <a:off x="4415608" y="4603161"/>
-            <a:ext cx="2302353" cy="1671063"/>
+            <a:off x="8440693" y="1384889"/>
+            <a:ext cx="4776070" cy="2148778"/>
+            <a:chOff x="8410713" y="1128050"/>
+            <a:chExt cx="4776070" cy="2148778"/>
           </a:xfrm>
-          <a:prstGeom prst="rect">
-            <a:avLst/>
-          </a:prstGeom>
-        </p:spPr>
-      </p:pic>
-      <p:sp>
-        <p:nvSpPr>
-          <p:cNvPr id="22" name="TextBox 21">
+        </p:grpSpPr>
+        <p:sp>
+          <p:nvSpPr>
+            <p:cNvPr id="9" name="TextBox 8">
+              <a:extLst>
+                <a:ext uri="{FF2B5EF4-FFF2-40B4-BE49-F238E27FC236}">
+                  <a16:creationId xmlns:a16="http://schemas.microsoft.com/office/drawing/2014/main" id="{92A4289B-61C6-450A-B25B-44341D252376}"/>
+                </a:ext>
+              </a:extLst>
+            </p:cNvPr>
+            <p:cNvSpPr txBox="1"/>
+            <p:nvPr/>
+          </p:nvSpPr>
+          <p:spPr>
+            <a:xfrm>
+              <a:off x="9080313" y="1128050"/>
+              <a:ext cx="2255489" cy="369332"/>
+            </a:xfrm>
+            <a:prstGeom prst="rect">
+              <a:avLst/>
+            </a:prstGeom>
+            <a:noFill/>
+          </p:spPr>
+          <p:txBody>
+            <a:bodyPr wrap="none" rtlCol="0">
+              <a:spAutoFit/>
+            </a:bodyPr>
+            <a:lstStyle/>
+            <a:p>
+              <a:pPr algn="ctr"/>
+              <a:r>
+                <a:rPr lang="en-US" dirty="0">
+                  <a:solidFill>
+                    <a:schemeClr val="bg2"/>
+                  </a:solidFill>
+                </a:rPr>
+                <a:t>Voltages to gray levels</a:t>
+              </a:r>
+            </a:p>
+          </p:txBody>
+        </p:sp>
+        <p:sp>
+          <p:nvSpPr>
+            <p:cNvPr id="24" name="TextBox 23">
+              <a:extLst>
+                <a:ext uri="{FF2B5EF4-FFF2-40B4-BE49-F238E27FC236}">
+                  <a16:creationId xmlns:a16="http://schemas.microsoft.com/office/drawing/2014/main" id="{8DE4C98A-9D08-46EC-9324-B26B17FDBE37}"/>
+                </a:ext>
+              </a:extLst>
+            </p:cNvPr>
+            <p:cNvSpPr txBox="1"/>
+            <p:nvPr/>
+          </p:nvSpPr>
+          <p:spPr>
+            <a:xfrm>
+              <a:off x="8410713" y="1447789"/>
+              <a:ext cx="2476690" cy="369332"/>
+            </a:xfrm>
+            <a:prstGeom prst="rect">
+              <a:avLst/>
+            </a:prstGeom>
+            <a:noFill/>
+          </p:spPr>
+          <p:txBody>
+            <a:bodyPr wrap="square" rtlCol="0">
+              <a:spAutoFit/>
+            </a:bodyPr>
+            <a:lstStyle/>
+            <a:p>
+              <a:r>
+                <a:rPr lang="en-US" dirty="0"/>
+                <a:t>1. Read noise</a:t>
+              </a:r>
+            </a:p>
+          </p:txBody>
+        </p:sp>
+        <p:pic>
+          <p:nvPicPr>
+            <p:cNvPr id="29" name="Picture 28">
+              <a:extLst>
+                <a:ext uri="{FF2B5EF4-FFF2-40B4-BE49-F238E27FC236}">
+                  <a16:creationId xmlns:a16="http://schemas.microsoft.com/office/drawing/2014/main" id="{B2B25089-941A-4590-9DCF-3556779EC323}"/>
+                </a:ext>
+              </a:extLst>
+            </p:cNvPr>
+            <p:cNvPicPr>
+              <a:picLocks noChangeAspect="1"/>
+            </p:cNvPicPr>
+            <p:nvPr/>
+          </p:nvPicPr>
+          <p:blipFill>
+            <a:blip r:embed="rId6">
+              <a:extLst>
+                <a:ext uri="{BEBA8EAE-BF5A-486C-A8C5-ECC9F3942E4B}">
+                  <a14:imgProps xmlns:a14="http://schemas.microsoft.com/office/drawing/2010/main">
+                    <a14:imgLayer r:embed="rId7">
+                      <a14:imgEffect>
+                        <a14:saturation sat="0"/>
+                      </a14:imgEffect>
+                    </a14:imgLayer>
+                  </a14:imgProps>
+                </a:ext>
+                <a:ext uri="{28A0092B-C50C-407E-A947-70E740481C1C}">
+                  <a14:useLocalDpi xmlns:a14="http://schemas.microsoft.com/office/drawing/2010/main" val="0"/>
+                </a:ext>
+              </a:extLst>
+            </a:blip>
+            <a:stretch>
+              <a:fillRect/>
+            </a:stretch>
+          </p:blipFill>
+          <p:spPr>
+            <a:xfrm>
+              <a:off x="8423927" y="1925682"/>
+              <a:ext cx="2048991" cy="1351146"/>
+            </a:xfrm>
+            <a:prstGeom prst="rect">
+              <a:avLst/>
+            </a:prstGeom>
+          </p:spPr>
+        </p:pic>
+        <p:sp>
+          <p:nvSpPr>
+            <p:cNvPr id="30" name="TextBox 29">
+              <a:extLst>
+                <a:ext uri="{FF2B5EF4-FFF2-40B4-BE49-F238E27FC236}">
+                  <a16:creationId xmlns:a16="http://schemas.microsoft.com/office/drawing/2014/main" id="{37AC6101-4A23-43C8-A269-A599EB7388B5}"/>
+                </a:ext>
+              </a:extLst>
+            </p:cNvPr>
+            <p:cNvSpPr txBox="1"/>
+            <p:nvPr/>
+          </p:nvSpPr>
+          <p:spPr>
+            <a:xfrm>
+              <a:off x="9420490" y="2222700"/>
+              <a:ext cx="3766293" cy="646331"/>
+            </a:xfrm>
+            <a:prstGeom prst="rect">
+              <a:avLst/>
+            </a:prstGeom>
+            <a:noFill/>
+          </p:spPr>
+          <p:txBody>
+            <a:bodyPr wrap="square" rtlCol="0">
+              <a:spAutoFit/>
+            </a:bodyPr>
+            <a:lstStyle/>
+            <a:p>
+              <a:pPr algn="ctr"/>
+              <a:r>
+                <a:rPr lang="en-US" dirty="0">
+                  <a:solidFill>
+                    <a:srgbClr val="FF0000"/>
+                  </a:solidFill>
+                </a:rPr>
+                <a:t>Thermal noise in</a:t>
+              </a:r>
+            </a:p>
+            <a:p>
+              <a:pPr algn="ctr"/>
+              <a:r>
+                <a:rPr lang="en-US" dirty="0">
+                  <a:solidFill>
+                    <a:srgbClr val="FF0000"/>
+                  </a:solidFill>
+                </a:rPr>
+                <a:t>read-out circuitry</a:t>
+              </a:r>
+            </a:p>
+          </p:txBody>
+        </p:sp>
+      </p:grpSp>
+      <p:grpSp>
+        <p:nvGrpSpPr>
+          <p:cNvPr id="26" name="Group 25">
             <a:extLst>
               <a:ext uri="{FF2B5EF4-FFF2-40B4-BE49-F238E27FC236}">
-                <a16:creationId xmlns:a16="http://schemas.microsoft.com/office/drawing/2014/main" id="{A24DED7B-3909-41DC-8A59-73F730E91267}"/>
+                <a16:creationId xmlns:a16="http://schemas.microsoft.com/office/drawing/2014/main" id="{911F843E-C9FF-4724-A111-459A725087DA}"/>
               </a:ext>
             </a:extLst>
           </p:cNvPr>
-          <p:cNvSpPr txBox="1"/>
+          <p:cNvGrpSpPr/>
           <p:nvPr/>
-        </p:nvSpPr>
-        <p:spPr>
+        </p:nvGrpSpPr>
+        <p:grpSpPr>
           <a:xfrm>
-            <a:off x="4382457" y="4026594"/>
-            <a:ext cx="2476690" cy="369332"/>
+            <a:off x="8358730" y="4527449"/>
+            <a:ext cx="4828053" cy="1591539"/>
+            <a:chOff x="8358729" y="4024155"/>
+            <a:chExt cx="4828053" cy="1591539"/>
           </a:xfrm>
-          <a:prstGeom prst="rect">
-            <a:avLst/>
-          </a:prstGeom>
-          <a:noFill/>
-        </p:spPr>
-        <p:txBody>
-          <a:bodyPr wrap="square" rtlCol="0">
-            <a:spAutoFit/>
-          </a:bodyPr>
-          <a:lstStyle/>
-          <a:p>
-            <a:r>
-              <a:rPr lang="en-US" dirty="0"/>
-              <a:t>2. Full-well capacity</a:t>
-            </a:r>
-          </a:p>
-        </p:txBody>
-      </p:sp>
-      <p:sp>
-        <p:nvSpPr>
-          <p:cNvPr id="23" name="TextBox 22">
-            <a:extLst>
-              <a:ext uri="{FF2B5EF4-FFF2-40B4-BE49-F238E27FC236}">
-                <a16:creationId xmlns:a16="http://schemas.microsoft.com/office/drawing/2014/main" id="{75FA7D8D-4F2B-400B-96F4-947B5EC211F6}"/>
-              </a:ext>
-            </a:extLst>
-          </p:cNvPr>
-          <p:cNvSpPr txBox="1"/>
-          <p:nvPr/>
-        </p:nvSpPr>
-        <p:spPr>
-          <a:xfrm>
-            <a:off x="6096000" y="5293963"/>
-            <a:ext cx="2950970" cy="369332"/>
-          </a:xfrm>
-          <a:prstGeom prst="rect">
-            <a:avLst/>
-          </a:prstGeom>
-          <a:noFill/>
-        </p:spPr>
-        <p:txBody>
-          <a:bodyPr wrap="square" rtlCol="0">
-            <a:spAutoFit/>
-          </a:bodyPr>
-          <a:lstStyle/>
-          <a:p>
-            <a:pPr algn="ctr"/>
-            <a:r>
-              <a:rPr lang="en-US" dirty="0">
-                <a:solidFill>
-                  <a:srgbClr val="FF0000"/>
-                </a:solidFill>
-              </a:rPr>
-              <a:t>Image saturation</a:t>
-            </a:r>
-          </a:p>
-        </p:txBody>
-      </p:sp>
-      <p:sp>
-        <p:nvSpPr>
-          <p:cNvPr id="24" name="TextBox 23">
-            <a:extLst>
-              <a:ext uri="{FF2B5EF4-FFF2-40B4-BE49-F238E27FC236}">
-                <a16:creationId xmlns:a16="http://schemas.microsoft.com/office/drawing/2014/main" id="{8DE4C98A-9D08-46EC-9324-B26B17FDBE37}"/>
-              </a:ext>
-            </a:extLst>
-          </p:cNvPr>
-          <p:cNvSpPr txBox="1"/>
-          <p:nvPr/>
-        </p:nvSpPr>
-        <p:spPr>
-          <a:xfrm>
-            <a:off x="8410713" y="1447789"/>
-            <a:ext cx="2476690" cy="369332"/>
-          </a:xfrm>
-          <a:prstGeom prst="rect">
-            <a:avLst/>
-          </a:prstGeom>
-          <a:noFill/>
-        </p:spPr>
-        <p:txBody>
-          <a:bodyPr wrap="square" rtlCol="0">
-            <a:spAutoFit/>
-          </a:bodyPr>
-          <a:lstStyle/>
-          <a:p>
-            <a:r>
-              <a:rPr lang="en-US" dirty="0"/>
-              <a:t>1. Read noise</a:t>
-            </a:r>
-          </a:p>
-        </p:txBody>
-      </p:sp>
-      <p:pic>
-        <p:nvPicPr>
-          <p:cNvPr id="29" name="Picture 28">
-            <a:extLst>
-              <a:ext uri="{FF2B5EF4-FFF2-40B4-BE49-F238E27FC236}">
-                <a16:creationId xmlns:a16="http://schemas.microsoft.com/office/drawing/2014/main" id="{B2B25089-941A-4590-9DCF-3556779EC323}"/>
-              </a:ext>
-            </a:extLst>
-          </p:cNvPr>
-          <p:cNvPicPr>
-            <a:picLocks noChangeAspect="1"/>
-          </p:cNvPicPr>
-          <p:nvPr/>
-        </p:nvPicPr>
-        <p:blipFill>
-          <a:blip r:embed="rId6">
-            <a:extLst>
-              <a:ext uri="{BEBA8EAE-BF5A-486C-A8C5-ECC9F3942E4B}">
-                <a14:imgProps xmlns:a14="http://schemas.microsoft.com/office/drawing/2010/main">
-                  <a14:imgLayer r:embed="rId7">
-                    <a14:imgEffect>
-                      <a14:saturation sat="0"/>
-                    </a14:imgEffect>
-                  </a14:imgLayer>
-                </a14:imgProps>
-              </a:ext>
-              <a:ext uri="{28A0092B-C50C-407E-A947-70E740481C1C}">
-                <a14:useLocalDpi xmlns:a14="http://schemas.microsoft.com/office/drawing/2010/main" val="0"/>
-              </a:ext>
-            </a:extLst>
-          </a:blip>
-          <a:stretch>
-            <a:fillRect/>
-          </a:stretch>
-        </p:blipFill>
-        <p:spPr>
-          <a:xfrm>
-            <a:off x="8423927" y="1925682"/>
-            <a:ext cx="2048991" cy="1351146"/>
-          </a:xfrm>
-          <a:prstGeom prst="rect">
-            <a:avLst/>
-          </a:prstGeom>
-        </p:spPr>
-      </p:pic>
-      <p:sp>
-        <p:nvSpPr>
-          <p:cNvPr id="30" name="TextBox 29">
-            <a:extLst>
-              <a:ext uri="{FF2B5EF4-FFF2-40B4-BE49-F238E27FC236}">
-                <a16:creationId xmlns:a16="http://schemas.microsoft.com/office/drawing/2014/main" id="{37AC6101-4A23-43C8-A269-A599EB7388B5}"/>
-              </a:ext>
-            </a:extLst>
-          </p:cNvPr>
-          <p:cNvSpPr txBox="1"/>
-          <p:nvPr/>
-        </p:nvSpPr>
-        <p:spPr>
-          <a:xfrm>
-            <a:off x="9420490" y="2222700"/>
-            <a:ext cx="3766293" cy="646331"/>
-          </a:xfrm>
-          <a:prstGeom prst="rect">
-            <a:avLst/>
-          </a:prstGeom>
-          <a:noFill/>
-        </p:spPr>
-        <p:txBody>
-          <a:bodyPr wrap="square" rtlCol="0">
-            <a:spAutoFit/>
-          </a:bodyPr>
-          <a:lstStyle/>
-          <a:p>
-            <a:pPr algn="ctr"/>
-            <a:r>
-              <a:rPr lang="en-US" dirty="0">
-                <a:solidFill>
-                  <a:srgbClr val="FF0000"/>
-                </a:solidFill>
-              </a:rPr>
-              <a:t>Thermal noise in</a:t>
-            </a:r>
-          </a:p>
-          <a:p>
-            <a:pPr algn="ctr"/>
-            <a:r>
-              <a:rPr lang="en-US" dirty="0">
-                <a:solidFill>
-                  <a:srgbClr val="FF0000"/>
-                </a:solidFill>
-              </a:rPr>
-              <a:t>read-out circuitry</a:t>
-            </a:r>
-          </a:p>
-        </p:txBody>
-      </p:sp>
-      <p:sp>
-        <p:nvSpPr>
-          <p:cNvPr id="31" name="TextBox 30">
-            <a:extLst>
-              <a:ext uri="{FF2B5EF4-FFF2-40B4-BE49-F238E27FC236}">
-                <a16:creationId xmlns:a16="http://schemas.microsoft.com/office/drawing/2014/main" id="{50BCB3A6-64D1-472C-B0A6-2B30B0560958}"/>
-              </a:ext>
-            </a:extLst>
-          </p:cNvPr>
-          <p:cNvSpPr txBox="1"/>
-          <p:nvPr/>
-        </p:nvSpPr>
-        <p:spPr>
-          <a:xfrm>
-            <a:off x="8358729" y="4024155"/>
-            <a:ext cx="2476690" cy="369332"/>
-          </a:xfrm>
-          <a:prstGeom prst="rect">
-            <a:avLst/>
-          </a:prstGeom>
-          <a:noFill/>
-        </p:spPr>
-        <p:txBody>
-          <a:bodyPr wrap="square" rtlCol="0">
-            <a:spAutoFit/>
-          </a:bodyPr>
-          <a:lstStyle/>
-          <a:p>
-            <a:r>
-              <a:rPr lang="en-US" dirty="0"/>
-              <a:t>2. Systematic noise </a:t>
-            </a:r>
-          </a:p>
-        </p:txBody>
-      </p:sp>
-      <p:sp>
-        <p:nvSpPr>
-          <p:cNvPr id="32" name="TextBox 31">
-            <a:extLst>
-              <a:ext uri="{FF2B5EF4-FFF2-40B4-BE49-F238E27FC236}">
-                <a16:creationId xmlns:a16="http://schemas.microsoft.com/office/drawing/2014/main" id="{4C12F7A6-EC67-475C-8213-BFFE159D1C66}"/>
-              </a:ext>
-            </a:extLst>
-          </p:cNvPr>
-          <p:cNvSpPr txBox="1"/>
-          <p:nvPr/>
-        </p:nvSpPr>
-        <p:spPr>
-          <a:xfrm>
-            <a:off x="8372809" y="4547449"/>
-            <a:ext cx="3766293" cy="923330"/>
-          </a:xfrm>
-          <a:prstGeom prst="rect">
-            <a:avLst/>
-          </a:prstGeom>
-          <a:noFill/>
-        </p:spPr>
-        <p:txBody>
-          <a:bodyPr wrap="square" rtlCol="0">
-            <a:spAutoFit/>
-          </a:bodyPr>
-          <a:lstStyle/>
-          <a:p>
-            <a:pPr marL="285750" indent="-285750">
-              <a:buFont typeface="Arial" panose="020B0604020202020204" pitchFamily="34" charset="0"/>
-              <a:buChar char="•"/>
-            </a:pPr>
-            <a:r>
-              <a:rPr lang="en-US" dirty="0"/>
-              <a:t>Fixed-pattern noise</a:t>
-            </a:r>
-          </a:p>
-          <a:p>
-            <a:pPr marL="285750" indent="-285750">
-              <a:buFont typeface="Arial" panose="020B0604020202020204" pitchFamily="34" charset="0"/>
-              <a:buChar char="•"/>
-            </a:pPr>
-            <a:r>
-              <a:rPr lang="en-US" dirty="0"/>
-              <a:t>Pixel readout non-uniformity</a:t>
-            </a:r>
-          </a:p>
-          <a:p>
-            <a:pPr marL="285750" indent="-285750">
-              <a:buFont typeface="Arial" panose="020B0604020202020204" pitchFamily="34" charset="0"/>
-              <a:buChar char="•"/>
-            </a:pPr>
-            <a:r>
-              <a:rPr lang="en-US" dirty="0"/>
-              <a:t>Hot-pixels </a:t>
-            </a:r>
-          </a:p>
-        </p:txBody>
-      </p:sp>
-      <p:sp>
-        <p:nvSpPr>
-          <p:cNvPr id="33" name="TextBox 32">
-            <a:extLst>
-              <a:ext uri="{FF2B5EF4-FFF2-40B4-BE49-F238E27FC236}">
-                <a16:creationId xmlns:a16="http://schemas.microsoft.com/office/drawing/2014/main" id="{6DB8DE82-277C-4326-8143-AF89BEFA3223}"/>
-              </a:ext>
-            </a:extLst>
-          </p:cNvPr>
-          <p:cNvSpPr txBox="1"/>
-          <p:nvPr/>
-        </p:nvSpPr>
-        <p:spPr>
-          <a:xfrm>
-            <a:off x="9420489" y="5246362"/>
-            <a:ext cx="3766293" cy="369332"/>
-          </a:xfrm>
-          <a:prstGeom prst="rect">
-            <a:avLst/>
-          </a:prstGeom>
-          <a:noFill/>
-        </p:spPr>
-        <p:txBody>
-          <a:bodyPr wrap="square" rtlCol="0">
-            <a:spAutoFit/>
-          </a:bodyPr>
-          <a:lstStyle/>
-          <a:p>
-            <a:pPr algn="ctr"/>
-            <a:r>
-              <a:rPr lang="en-US" dirty="0">
-                <a:solidFill>
-                  <a:srgbClr val="92D050"/>
-                </a:solidFill>
-              </a:rPr>
-              <a:t>Ignore for now</a:t>
-            </a:r>
-          </a:p>
-        </p:txBody>
-      </p:sp>
+        </p:grpSpPr>
+        <p:sp>
+          <p:nvSpPr>
+            <p:cNvPr id="31" name="TextBox 30">
+              <a:extLst>
+                <a:ext uri="{FF2B5EF4-FFF2-40B4-BE49-F238E27FC236}">
+                  <a16:creationId xmlns:a16="http://schemas.microsoft.com/office/drawing/2014/main" id="{50BCB3A6-64D1-472C-B0A6-2B30B0560958}"/>
+                </a:ext>
+              </a:extLst>
+            </p:cNvPr>
+            <p:cNvSpPr txBox="1"/>
+            <p:nvPr/>
+          </p:nvSpPr>
+          <p:spPr>
+            <a:xfrm>
+              <a:off x="8358729" y="4024155"/>
+              <a:ext cx="2476690" cy="369332"/>
+            </a:xfrm>
+            <a:prstGeom prst="rect">
+              <a:avLst/>
+            </a:prstGeom>
+            <a:noFill/>
+          </p:spPr>
+          <p:txBody>
+            <a:bodyPr wrap="square" rtlCol="0">
+              <a:spAutoFit/>
+            </a:bodyPr>
+            <a:lstStyle/>
+            <a:p>
+              <a:r>
+                <a:rPr lang="en-US" dirty="0"/>
+                <a:t>2. Systematic noise </a:t>
+              </a:r>
+            </a:p>
+          </p:txBody>
+        </p:sp>
+        <p:sp>
+          <p:nvSpPr>
+            <p:cNvPr id="32" name="TextBox 31">
+              <a:extLst>
+                <a:ext uri="{FF2B5EF4-FFF2-40B4-BE49-F238E27FC236}">
+                  <a16:creationId xmlns:a16="http://schemas.microsoft.com/office/drawing/2014/main" id="{4C12F7A6-EC67-475C-8213-BFFE159D1C66}"/>
+                </a:ext>
+              </a:extLst>
+            </p:cNvPr>
+            <p:cNvSpPr txBox="1"/>
+            <p:nvPr/>
+          </p:nvSpPr>
+          <p:spPr>
+            <a:xfrm>
+              <a:off x="8372809" y="4547449"/>
+              <a:ext cx="3766293" cy="923330"/>
+            </a:xfrm>
+            <a:prstGeom prst="rect">
+              <a:avLst/>
+            </a:prstGeom>
+            <a:noFill/>
+          </p:spPr>
+          <p:txBody>
+            <a:bodyPr wrap="square" rtlCol="0">
+              <a:spAutoFit/>
+            </a:bodyPr>
+            <a:lstStyle/>
+            <a:p>
+              <a:pPr marL="285750" indent="-285750">
+                <a:buFont typeface="Arial" panose="020B0604020202020204" pitchFamily="34" charset="0"/>
+                <a:buChar char="•"/>
+              </a:pPr>
+              <a:r>
+                <a:rPr lang="en-US" dirty="0"/>
+                <a:t>Fixed-pattern noise</a:t>
+              </a:r>
+            </a:p>
+            <a:p>
+              <a:pPr marL="285750" indent="-285750">
+                <a:buFont typeface="Arial" panose="020B0604020202020204" pitchFamily="34" charset="0"/>
+                <a:buChar char="•"/>
+              </a:pPr>
+              <a:r>
+                <a:rPr lang="en-US" dirty="0"/>
+                <a:t>Pixel readout non-uniformity</a:t>
+              </a:r>
+            </a:p>
+            <a:p>
+              <a:pPr marL="285750" indent="-285750">
+                <a:buFont typeface="Arial" panose="020B0604020202020204" pitchFamily="34" charset="0"/>
+                <a:buChar char="•"/>
+              </a:pPr>
+              <a:r>
+                <a:rPr lang="en-US" dirty="0"/>
+                <a:t>Hot-pixels </a:t>
+              </a:r>
+            </a:p>
+          </p:txBody>
+        </p:sp>
+        <p:sp>
+          <p:nvSpPr>
+            <p:cNvPr id="33" name="TextBox 32">
+              <a:extLst>
+                <a:ext uri="{FF2B5EF4-FFF2-40B4-BE49-F238E27FC236}">
+                  <a16:creationId xmlns:a16="http://schemas.microsoft.com/office/drawing/2014/main" id="{6DB8DE82-277C-4326-8143-AF89BEFA3223}"/>
+                </a:ext>
+              </a:extLst>
+            </p:cNvPr>
+            <p:cNvSpPr txBox="1"/>
+            <p:nvPr/>
+          </p:nvSpPr>
+          <p:spPr>
+            <a:xfrm>
+              <a:off x="9420489" y="5246362"/>
+              <a:ext cx="3766293" cy="369332"/>
+            </a:xfrm>
+            <a:prstGeom prst="rect">
+              <a:avLst/>
+            </a:prstGeom>
+            <a:noFill/>
+          </p:spPr>
+          <p:txBody>
+            <a:bodyPr wrap="square" rtlCol="0">
+              <a:spAutoFit/>
+            </a:bodyPr>
+            <a:lstStyle/>
+            <a:p>
+              <a:pPr algn="ctr"/>
+              <a:r>
+                <a:rPr lang="en-US" dirty="0">
+                  <a:solidFill>
+                    <a:srgbClr val="92D050"/>
+                  </a:solidFill>
+                </a:rPr>
+                <a:t>Ignore for now</a:t>
+              </a:r>
+            </a:p>
+          </p:txBody>
+        </p:sp>
+      </p:grpSp>
       <p:grpSp>
         <p:nvGrpSpPr>
           <p:cNvPr id="4" name="Group 3">
@@ -22711,7 +22800,7 @@
         </p:nvGrpSpPr>
         <p:grpSpPr>
           <a:xfrm>
-            <a:off x="71997" y="1370583"/>
+            <a:off x="156476" y="1925283"/>
             <a:ext cx="4263172" cy="2392568"/>
             <a:chOff x="132322" y="3408034"/>
             <a:chExt cx="4263172" cy="2392568"/>
@@ -22897,6 +22986,3054 @@
           </p:txBody>
         </p:sp>
       </p:grpSp>
+      <p:grpSp>
+        <p:nvGrpSpPr>
+          <p:cNvPr id="98" name="Group 97">
+            <a:extLst>
+              <a:ext uri="{FF2B5EF4-FFF2-40B4-BE49-F238E27FC236}">
+                <a16:creationId xmlns:a16="http://schemas.microsoft.com/office/drawing/2014/main" id="{1F6ABF4A-29F1-42C7-98D9-B460F7E256FB}"/>
+              </a:ext>
+            </a:extLst>
+          </p:cNvPr>
+          <p:cNvGrpSpPr/>
+          <p:nvPr/>
+        </p:nvGrpSpPr>
+        <p:grpSpPr>
+          <a:xfrm>
+            <a:off x="4661776" y="149337"/>
+            <a:ext cx="821919" cy="839134"/>
+            <a:chOff x="4897967" y="97367"/>
+            <a:chExt cx="821919" cy="839134"/>
+          </a:xfrm>
+        </p:grpSpPr>
+        <p:sp>
+          <p:nvSpPr>
+            <p:cNvPr id="34" name="Arc 33">
+              <a:extLst>
+                <a:ext uri="{FF2B5EF4-FFF2-40B4-BE49-F238E27FC236}">
+                  <a16:creationId xmlns:a16="http://schemas.microsoft.com/office/drawing/2014/main" id="{CDEA1197-1240-446E-9FD0-8BFE9D23229F}"/>
+                </a:ext>
+              </a:extLst>
+            </p:cNvPr>
+            <p:cNvSpPr/>
+            <p:nvPr/>
+          </p:nvSpPr>
+          <p:spPr>
+            <a:xfrm flipV="1">
+              <a:off x="4897967" y="97367"/>
+              <a:ext cx="821919" cy="839134"/>
+            </a:xfrm>
+            <a:prstGeom prst="arc">
+              <a:avLst>
+                <a:gd name="adj1" fmla="val 10925727"/>
+                <a:gd name="adj2" fmla="val 0"/>
+              </a:avLst>
+            </a:prstGeom>
+          </p:spPr>
+          <p:style>
+            <a:lnRef idx="1">
+              <a:schemeClr val="accent1"/>
+            </a:lnRef>
+            <a:fillRef idx="0">
+              <a:schemeClr val="accent1"/>
+            </a:fillRef>
+            <a:effectRef idx="0">
+              <a:schemeClr val="accent1"/>
+            </a:effectRef>
+            <a:fontRef idx="minor">
+              <a:schemeClr val="tx1"/>
+            </a:fontRef>
+          </p:style>
+          <p:txBody>
+            <a:bodyPr rtlCol="0" anchor="ctr"/>
+            <a:lstStyle/>
+            <a:p>
+              <a:pPr algn="ctr"/>
+              <a:endParaRPr lang="en-US"/>
+            </a:p>
+          </p:txBody>
+        </p:sp>
+        <p:sp>
+          <p:nvSpPr>
+            <p:cNvPr id="36" name="Oval 35">
+              <a:extLst>
+                <a:ext uri="{FF2B5EF4-FFF2-40B4-BE49-F238E27FC236}">
+                  <a16:creationId xmlns:a16="http://schemas.microsoft.com/office/drawing/2014/main" id="{23D3B51E-C4AC-419A-A021-E794457651CB}"/>
+                </a:ext>
+              </a:extLst>
+            </p:cNvPr>
+            <p:cNvSpPr/>
+            <p:nvPr/>
+          </p:nvSpPr>
+          <p:spPr>
+            <a:xfrm>
+              <a:off x="5194300" y="799572"/>
+              <a:ext cx="84667" cy="112566"/>
+            </a:xfrm>
+            <a:prstGeom prst="ellipse">
+              <a:avLst/>
+            </a:prstGeom>
+          </p:spPr>
+          <p:style>
+            <a:lnRef idx="2">
+              <a:schemeClr val="accent1">
+                <a:shade val="50000"/>
+              </a:schemeClr>
+            </a:lnRef>
+            <a:fillRef idx="1">
+              <a:schemeClr val="accent1"/>
+            </a:fillRef>
+            <a:effectRef idx="0">
+              <a:schemeClr val="accent1"/>
+            </a:effectRef>
+            <a:fontRef idx="minor">
+              <a:schemeClr val="lt1"/>
+            </a:fontRef>
+          </p:style>
+          <p:txBody>
+            <a:bodyPr rtlCol="0" anchor="ctr"/>
+            <a:lstStyle/>
+            <a:p>
+              <a:pPr algn="ctr"/>
+              <a:endParaRPr lang="en-US"/>
+            </a:p>
+          </p:txBody>
+        </p:sp>
+        <p:sp>
+          <p:nvSpPr>
+            <p:cNvPr id="37" name="Oval 36">
+              <a:extLst>
+                <a:ext uri="{FF2B5EF4-FFF2-40B4-BE49-F238E27FC236}">
+                  <a16:creationId xmlns:a16="http://schemas.microsoft.com/office/drawing/2014/main" id="{72221911-BBA1-4276-BC7F-5C408BF3EA02}"/>
+                </a:ext>
+              </a:extLst>
+            </p:cNvPr>
+            <p:cNvSpPr/>
+            <p:nvPr/>
+          </p:nvSpPr>
+          <p:spPr>
+            <a:xfrm>
+              <a:off x="5308926" y="812884"/>
+              <a:ext cx="84667" cy="112566"/>
+            </a:xfrm>
+            <a:prstGeom prst="ellipse">
+              <a:avLst/>
+            </a:prstGeom>
+          </p:spPr>
+          <p:style>
+            <a:lnRef idx="2">
+              <a:schemeClr val="accent1">
+                <a:shade val="50000"/>
+              </a:schemeClr>
+            </a:lnRef>
+            <a:fillRef idx="1">
+              <a:schemeClr val="accent1"/>
+            </a:fillRef>
+            <a:effectRef idx="0">
+              <a:schemeClr val="accent1"/>
+            </a:effectRef>
+            <a:fontRef idx="minor">
+              <a:schemeClr val="lt1"/>
+            </a:fontRef>
+          </p:style>
+          <p:txBody>
+            <a:bodyPr rtlCol="0" anchor="ctr"/>
+            <a:lstStyle/>
+            <a:p>
+              <a:pPr algn="ctr"/>
+              <a:endParaRPr lang="en-US"/>
+            </a:p>
+          </p:txBody>
+        </p:sp>
+        <p:sp>
+          <p:nvSpPr>
+            <p:cNvPr id="38" name="Oval 37">
+              <a:extLst>
+                <a:ext uri="{FF2B5EF4-FFF2-40B4-BE49-F238E27FC236}">
+                  <a16:creationId xmlns:a16="http://schemas.microsoft.com/office/drawing/2014/main" id="{16EE35BA-9626-458C-830C-E945FCA3F283}"/>
+                </a:ext>
+              </a:extLst>
+            </p:cNvPr>
+            <p:cNvSpPr/>
+            <p:nvPr/>
+          </p:nvSpPr>
+          <p:spPr>
+            <a:xfrm>
+              <a:off x="5414759" y="773177"/>
+              <a:ext cx="84667" cy="112566"/>
+            </a:xfrm>
+            <a:prstGeom prst="ellipse">
+              <a:avLst/>
+            </a:prstGeom>
+          </p:spPr>
+          <p:style>
+            <a:lnRef idx="2">
+              <a:schemeClr val="accent1">
+                <a:shade val="50000"/>
+              </a:schemeClr>
+            </a:lnRef>
+            <a:fillRef idx="1">
+              <a:schemeClr val="accent1"/>
+            </a:fillRef>
+            <a:effectRef idx="0">
+              <a:schemeClr val="accent1"/>
+            </a:effectRef>
+            <a:fontRef idx="minor">
+              <a:schemeClr val="lt1"/>
+            </a:fontRef>
+          </p:style>
+          <p:txBody>
+            <a:bodyPr rtlCol="0" anchor="ctr"/>
+            <a:lstStyle/>
+            <a:p>
+              <a:pPr algn="ctr"/>
+              <a:endParaRPr lang="en-US"/>
+            </a:p>
+          </p:txBody>
+        </p:sp>
+        <p:sp>
+          <p:nvSpPr>
+            <p:cNvPr id="39" name="Oval 38">
+              <a:extLst>
+                <a:ext uri="{FF2B5EF4-FFF2-40B4-BE49-F238E27FC236}">
+                  <a16:creationId xmlns:a16="http://schemas.microsoft.com/office/drawing/2014/main" id="{097C8732-7D57-4DB0-AA50-85E1073A1C2C}"/>
+                </a:ext>
+              </a:extLst>
+            </p:cNvPr>
+            <p:cNvSpPr/>
+            <p:nvPr/>
+          </p:nvSpPr>
+          <p:spPr>
+            <a:xfrm>
+              <a:off x="5499588" y="707313"/>
+              <a:ext cx="84667" cy="112566"/>
+            </a:xfrm>
+            <a:prstGeom prst="ellipse">
+              <a:avLst/>
+            </a:prstGeom>
+          </p:spPr>
+          <p:style>
+            <a:lnRef idx="2">
+              <a:schemeClr val="accent1">
+                <a:shade val="50000"/>
+              </a:schemeClr>
+            </a:lnRef>
+            <a:fillRef idx="1">
+              <a:schemeClr val="accent1"/>
+            </a:fillRef>
+            <a:effectRef idx="0">
+              <a:schemeClr val="accent1"/>
+            </a:effectRef>
+            <a:fontRef idx="minor">
+              <a:schemeClr val="lt1"/>
+            </a:fontRef>
+          </p:style>
+          <p:txBody>
+            <a:bodyPr rtlCol="0" anchor="ctr"/>
+            <a:lstStyle/>
+            <a:p>
+              <a:pPr algn="ctr"/>
+              <a:endParaRPr lang="en-US"/>
+            </a:p>
+          </p:txBody>
+        </p:sp>
+        <p:sp>
+          <p:nvSpPr>
+            <p:cNvPr id="40" name="Oval 39">
+              <a:extLst>
+                <a:ext uri="{FF2B5EF4-FFF2-40B4-BE49-F238E27FC236}">
+                  <a16:creationId xmlns:a16="http://schemas.microsoft.com/office/drawing/2014/main" id="{CF3C9506-51F6-44D4-9E27-342F2B41376A}"/>
+                </a:ext>
+              </a:extLst>
+            </p:cNvPr>
+            <p:cNvSpPr/>
+            <p:nvPr/>
+          </p:nvSpPr>
+          <p:spPr>
+            <a:xfrm>
+              <a:off x="5094653" y="757428"/>
+              <a:ext cx="84667" cy="112566"/>
+            </a:xfrm>
+            <a:prstGeom prst="ellipse">
+              <a:avLst/>
+            </a:prstGeom>
+          </p:spPr>
+          <p:style>
+            <a:lnRef idx="2">
+              <a:schemeClr val="accent1">
+                <a:shade val="50000"/>
+              </a:schemeClr>
+            </a:lnRef>
+            <a:fillRef idx="1">
+              <a:schemeClr val="accent1"/>
+            </a:fillRef>
+            <a:effectRef idx="0">
+              <a:schemeClr val="accent1"/>
+            </a:effectRef>
+            <a:fontRef idx="minor">
+              <a:schemeClr val="lt1"/>
+            </a:fontRef>
+          </p:style>
+          <p:txBody>
+            <a:bodyPr rtlCol="0" anchor="ctr"/>
+            <a:lstStyle/>
+            <a:p>
+              <a:pPr algn="ctr"/>
+              <a:endParaRPr lang="en-US"/>
+            </a:p>
+          </p:txBody>
+        </p:sp>
+        <p:sp>
+          <p:nvSpPr>
+            <p:cNvPr id="41" name="Oval 40">
+              <a:extLst>
+                <a:ext uri="{FF2B5EF4-FFF2-40B4-BE49-F238E27FC236}">
+                  <a16:creationId xmlns:a16="http://schemas.microsoft.com/office/drawing/2014/main" id="{B361B44F-C14B-4D0C-82D0-E00510AACDE8}"/>
+                </a:ext>
+              </a:extLst>
+            </p:cNvPr>
+            <p:cNvSpPr/>
+            <p:nvPr/>
+          </p:nvSpPr>
+          <p:spPr>
+            <a:xfrm>
+              <a:off x="4999403" y="698115"/>
+              <a:ext cx="84667" cy="112566"/>
+            </a:xfrm>
+            <a:prstGeom prst="ellipse">
+              <a:avLst/>
+            </a:prstGeom>
+          </p:spPr>
+          <p:style>
+            <a:lnRef idx="2">
+              <a:schemeClr val="accent1">
+                <a:shade val="50000"/>
+              </a:schemeClr>
+            </a:lnRef>
+            <a:fillRef idx="1">
+              <a:schemeClr val="accent1"/>
+            </a:fillRef>
+            <a:effectRef idx="0">
+              <a:schemeClr val="accent1"/>
+            </a:effectRef>
+            <a:fontRef idx="minor">
+              <a:schemeClr val="lt1"/>
+            </a:fontRef>
+          </p:style>
+          <p:txBody>
+            <a:bodyPr rtlCol="0" anchor="ctr"/>
+            <a:lstStyle/>
+            <a:p>
+              <a:pPr algn="ctr"/>
+              <a:endParaRPr lang="en-US"/>
+            </a:p>
+          </p:txBody>
+        </p:sp>
+        <p:sp>
+          <p:nvSpPr>
+            <p:cNvPr id="42" name="Oval 41">
+              <a:extLst>
+                <a:ext uri="{FF2B5EF4-FFF2-40B4-BE49-F238E27FC236}">
+                  <a16:creationId xmlns:a16="http://schemas.microsoft.com/office/drawing/2014/main" id="{17EBF3DC-4482-4755-86AF-013D8F47E3CF}"/>
+                </a:ext>
+              </a:extLst>
+            </p:cNvPr>
+            <p:cNvSpPr/>
+            <p:nvPr/>
+          </p:nvSpPr>
+          <p:spPr>
+            <a:xfrm>
+              <a:off x="4946648" y="595595"/>
+              <a:ext cx="84667" cy="112566"/>
+            </a:xfrm>
+            <a:prstGeom prst="ellipse">
+              <a:avLst/>
+            </a:prstGeom>
+          </p:spPr>
+          <p:style>
+            <a:lnRef idx="2">
+              <a:schemeClr val="accent1">
+                <a:shade val="50000"/>
+              </a:schemeClr>
+            </a:lnRef>
+            <a:fillRef idx="1">
+              <a:schemeClr val="accent1"/>
+            </a:fillRef>
+            <a:effectRef idx="0">
+              <a:schemeClr val="accent1"/>
+            </a:effectRef>
+            <a:fontRef idx="minor">
+              <a:schemeClr val="lt1"/>
+            </a:fontRef>
+          </p:style>
+          <p:txBody>
+            <a:bodyPr rtlCol="0" anchor="ctr"/>
+            <a:lstStyle/>
+            <a:p>
+              <a:pPr algn="ctr"/>
+              <a:endParaRPr lang="en-US"/>
+            </a:p>
+          </p:txBody>
+        </p:sp>
+        <p:sp>
+          <p:nvSpPr>
+            <p:cNvPr id="43" name="Oval 42">
+              <a:extLst>
+                <a:ext uri="{FF2B5EF4-FFF2-40B4-BE49-F238E27FC236}">
+                  <a16:creationId xmlns:a16="http://schemas.microsoft.com/office/drawing/2014/main" id="{E80AB0E2-0A00-4B83-B225-71E18E6656CA}"/>
+                </a:ext>
+              </a:extLst>
+            </p:cNvPr>
+            <p:cNvSpPr/>
+            <p:nvPr/>
+          </p:nvSpPr>
+          <p:spPr>
+            <a:xfrm>
+              <a:off x="4914736" y="493075"/>
+              <a:ext cx="84667" cy="112566"/>
+            </a:xfrm>
+            <a:prstGeom prst="ellipse">
+              <a:avLst/>
+            </a:prstGeom>
+          </p:spPr>
+          <p:style>
+            <a:lnRef idx="2">
+              <a:schemeClr val="accent1">
+                <a:shade val="50000"/>
+              </a:schemeClr>
+            </a:lnRef>
+            <a:fillRef idx="1">
+              <a:schemeClr val="accent1"/>
+            </a:fillRef>
+            <a:effectRef idx="0">
+              <a:schemeClr val="accent1"/>
+            </a:effectRef>
+            <a:fontRef idx="minor">
+              <a:schemeClr val="lt1"/>
+            </a:fontRef>
+          </p:style>
+          <p:txBody>
+            <a:bodyPr rtlCol="0" anchor="ctr"/>
+            <a:lstStyle/>
+            <a:p>
+              <a:pPr algn="ctr"/>
+              <a:endParaRPr lang="en-US"/>
+            </a:p>
+          </p:txBody>
+        </p:sp>
+        <p:sp>
+          <p:nvSpPr>
+            <p:cNvPr id="44" name="Oval 43">
+              <a:extLst>
+                <a:ext uri="{FF2B5EF4-FFF2-40B4-BE49-F238E27FC236}">
+                  <a16:creationId xmlns:a16="http://schemas.microsoft.com/office/drawing/2014/main" id="{9492EB8F-962F-4414-8D1C-35FC265F95DA}"/>
+                </a:ext>
+              </a:extLst>
+            </p:cNvPr>
+            <p:cNvSpPr/>
+            <p:nvPr/>
+          </p:nvSpPr>
+          <p:spPr>
+            <a:xfrm>
+              <a:off x="5586372" y="613642"/>
+              <a:ext cx="84667" cy="112566"/>
+            </a:xfrm>
+            <a:prstGeom prst="ellipse">
+              <a:avLst/>
+            </a:prstGeom>
+          </p:spPr>
+          <p:style>
+            <a:lnRef idx="2">
+              <a:schemeClr val="accent1">
+                <a:shade val="50000"/>
+              </a:schemeClr>
+            </a:lnRef>
+            <a:fillRef idx="1">
+              <a:schemeClr val="accent1"/>
+            </a:fillRef>
+            <a:effectRef idx="0">
+              <a:schemeClr val="accent1"/>
+            </a:effectRef>
+            <a:fontRef idx="minor">
+              <a:schemeClr val="lt1"/>
+            </a:fontRef>
+          </p:style>
+          <p:txBody>
+            <a:bodyPr rtlCol="0" anchor="ctr"/>
+            <a:lstStyle/>
+            <a:p>
+              <a:pPr algn="ctr"/>
+              <a:endParaRPr lang="en-US"/>
+            </a:p>
+          </p:txBody>
+        </p:sp>
+        <p:sp>
+          <p:nvSpPr>
+            <p:cNvPr id="45" name="Oval 44">
+              <a:extLst>
+                <a:ext uri="{FF2B5EF4-FFF2-40B4-BE49-F238E27FC236}">
+                  <a16:creationId xmlns:a16="http://schemas.microsoft.com/office/drawing/2014/main" id="{6B688808-E083-4441-B742-4BA063DD54AC}"/>
+                </a:ext>
+              </a:extLst>
+            </p:cNvPr>
+            <p:cNvSpPr/>
+            <p:nvPr/>
+          </p:nvSpPr>
+          <p:spPr>
+            <a:xfrm>
+              <a:off x="5620399" y="501212"/>
+              <a:ext cx="84667" cy="112566"/>
+            </a:xfrm>
+            <a:prstGeom prst="ellipse">
+              <a:avLst/>
+            </a:prstGeom>
+          </p:spPr>
+          <p:style>
+            <a:lnRef idx="2">
+              <a:schemeClr val="accent1">
+                <a:shade val="50000"/>
+              </a:schemeClr>
+            </a:lnRef>
+            <a:fillRef idx="1">
+              <a:schemeClr val="accent1"/>
+            </a:fillRef>
+            <a:effectRef idx="0">
+              <a:schemeClr val="accent1"/>
+            </a:effectRef>
+            <a:fontRef idx="minor">
+              <a:schemeClr val="lt1"/>
+            </a:fontRef>
+          </p:style>
+          <p:txBody>
+            <a:bodyPr rtlCol="0" anchor="ctr"/>
+            <a:lstStyle/>
+            <a:p>
+              <a:pPr algn="ctr"/>
+              <a:endParaRPr lang="en-US"/>
+            </a:p>
+          </p:txBody>
+        </p:sp>
+        <p:sp>
+          <p:nvSpPr>
+            <p:cNvPr id="46" name="Oval 45">
+              <a:extLst>
+                <a:ext uri="{FF2B5EF4-FFF2-40B4-BE49-F238E27FC236}">
+                  <a16:creationId xmlns:a16="http://schemas.microsoft.com/office/drawing/2014/main" id="{9C1DA1FE-8D78-4D3C-AFB2-FBDD20FDB18E}"/>
+                </a:ext>
+              </a:extLst>
+            </p:cNvPr>
+            <p:cNvSpPr/>
+            <p:nvPr/>
+          </p:nvSpPr>
+          <p:spPr>
+            <a:xfrm>
+              <a:off x="5142850" y="698212"/>
+              <a:ext cx="84667" cy="112566"/>
+            </a:xfrm>
+            <a:prstGeom prst="ellipse">
+              <a:avLst/>
+            </a:prstGeom>
+          </p:spPr>
+          <p:style>
+            <a:lnRef idx="2">
+              <a:schemeClr val="accent1">
+                <a:shade val="50000"/>
+              </a:schemeClr>
+            </a:lnRef>
+            <a:fillRef idx="1">
+              <a:schemeClr val="accent1"/>
+            </a:fillRef>
+            <a:effectRef idx="0">
+              <a:schemeClr val="accent1"/>
+            </a:effectRef>
+            <a:fontRef idx="minor">
+              <a:schemeClr val="lt1"/>
+            </a:fontRef>
+          </p:style>
+          <p:txBody>
+            <a:bodyPr rtlCol="0" anchor="ctr"/>
+            <a:lstStyle/>
+            <a:p>
+              <a:pPr algn="ctr"/>
+              <a:endParaRPr lang="en-US"/>
+            </a:p>
+          </p:txBody>
+        </p:sp>
+        <p:sp>
+          <p:nvSpPr>
+            <p:cNvPr id="47" name="Oval 46">
+              <a:extLst>
+                <a:ext uri="{FF2B5EF4-FFF2-40B4-BE49-F238E27FC236}">
+                  <a16:creationId xmlns:a16="http://schemas.microsoft.com/office/drawing/2014/main" id="{99D591F1-59E4-42E2-87EC-A6A3D30383C5}"/>
+                </a:ext>
+              </a:extLst>
+            </p:cNvPr>
+            <p:cNvSpPr/>
+            <p:nvPr/>
+          </p:nvSpPr>
+          <p:spPr>
+            <a:xfrm>
+              <a:off x="5363309" y="671817"/>
+              <a:ext cx="84667" cy="112566"/>
+            </a:xfrm>
+            <a:prstGeom prst="ellipse">
+              <a:avLst/>
+            </a:prstGeom>
+          </p:spPr>
+          <p:style>
+            <a:lnRef idx="2">
+              <a:schemeClr val="accent1">
+                <a:shade val="50000"/>
+              </a:schemeClr>
+            </a:lnRef>
+            <a:fillRef idx="1">
+              <a:schemeClr val="accent1"/>
+            </a:fillRef>
+            <a:effectRef idx="0">
+              <a:schemeClr val="accent1"/>
+            </a:effectRef>
+            <a:fontRef idx="minor">
+              <a:schemeClr val="lt1"/>
+            </a:fontRef>
+          </p:style>
+          <p:txBody>
+            <a:bodyPr rtlCol="0" anchor="ctr"/>
+            <a:lstStyle/>
+            <a:p>
+              <a:pPr algn="ctr"/>
+              <a:endParaRPr lang="en-US"/>
+            </a:p>
+          </p:txBody>
+        </p:sp>
+        <p:sp>
+          <p:nvSpPr>
+            <p:cNvPr id="48" name="Oval 47">
+              <a:extLst>
+                <a:ext uri="{FF2B5EF4-FFF2-40B4-BE49-F238E27FC236}">
+                  <a16:creationId xmlns:a16="http://schemas.microsoft.com/office/drawing/2014/main" id="{97E7B8A6-75A7-4A66-A607-06828337E1E1}"/>
+                </a:ext>
+              </a:extLst>
+            </p:cNvPr>
+            <p:cNvSpPr/>
+            <p:nvPr/>
+          </p:nvSpPr>
+          <p:spPr>
+            <a:xfrm>
+              <a:off x="5448138" y="605953"/>
+              <a:ext cx="84667" cy="112566"/>
+            </a:xfrm>
+            <a:prstGeom prst="ellipse">
+              <a:avLst/>
+            </a:prstGeom>
+          </p:spPr>
+          <p:style>
+            <a:lnRef idx="2">
+              <a:schemeClr val="accent1">
+                <a:shade val="50000"/>
+              </a:schemeClr>
+            </a:lnRef>
+            <a:fillRef idx="1">
+              <a:schemeClr val="accent1"/>
+            </a:fillRef>
+            <a:effectRef idx="0">
+              <a:schemeClr val="accent1"/>
+            </a:effectRef>
+            <a:fontRef idx="minor">
+              <a:schemeClr val="lt1"/>
+            </a:fontRef>
+          </p:style>
+          <p:txBody>
+            <a:bodyPr rtlCol="0" anchor="ctr"/>
+            <a:lstStyle/>
+            <a:p>
+              <a:pPr algn="ctr"/>
+              <a:endParaRPr lang="en-US"/>
+            </a:p>
+          </p:txBody>
+        </p:sp>
+        <p:sp>
+          <p:nvSpPr>
+            <p:cNvPr id="49" name="Oval 48">
+              <a:extLst>
+                <a:ext uri="{FF2B5EF4-FFF2-40B4-BE49-F238E27FC236}">
+                  <a16:creationId xmlns:a16="http://schemas.microsoft.com/office/drawing/2014/main" id="{B0F84E95-C1EB-4A90-BB15-F235F25EF56D}"/>
+                </a:ext>
+              </a:extLst>
+            </p:cNvPr>
+            <p:cNvSpPr/>
+            <p:nvPr/>
+          </p:nvSpPr>
+          <p:spPr>
+            <a:xfrm>
+              <a:off x="5043203" y="596805"/>
+              <a:ext cx="84667" cy="112566"/>
+            </a:xfrm>
+            <a:prstGeom prst="ellipse">
+              <a:avLst/>
+            </a:prstGeom>
+          </p:spPr>
+          <p:style>
+            <a:lnRef idx="2">
+              <a:schemeClr val="accent1">
+                <a:shade val="50000"/>
+              </a:schemeClr>
+            </a:lnRef>
+            <a:fillRef idx="1">
+              <a:schemeClr val="accent1"/>
+            </a:fillRef>
+            <a:effectRef idx="0">
+              <a:schemeClr val="accent1"/>
+            </a:effectRef>
+            <a:fontRef idx="minor">
+              <a:schemeClr val="lt1"/>
+            </a:fontRef>
+          </p:style>
+          <p:txBody>
+            <a:bodyPr rtlCol="0" anchor="ctr"/>
+            <a:lstStyle/>
+            <a:p>
+              <a:pPr algn="ctr"/>
+              <a:endParaRPr lang="en-US"/>
+            </a:p>
+          </p:txBody>
+        </p:sp>
+        <p:sp>
+          <p:nvSpPr>
+            <p:cNvPr id="50" name="Oval 49">
+              <a:extLst>
+                <a:ext uri="{FF2B5EF4-FFF2-40B4-BE49-F238E27FC236}">
+                  <a16:creationId xmlns:a16="http://schemas.microsoft.com/office/drawing/2014/main" id="{8BBA9358-4FBC-4C48-8573-8E16BF20EAE2}"/>
+                </a:ext>
+              </a:extLst>
+            </p:cNvPr>
+            <p:cNvSpPr/>
+            <p:nvPr/>
+          </p:nvSpPr>
+          <p:spPr>
+            <a:xfrm>
+              <a:off x="5424362" y="511168"/>
+              <a:ext cx="84667" cy="112566"/>
+            </a:xfrm>
+            <a:prstGeom prst="ellipse">
+              <a:avLst/>
+            </a:prstGeom>
+          </p:spPr>
+          <p:style>
+            <a:lnRef idx="2">
+              <a:schemeClr val="accent1">
+                <a:shade val="50000"/>
+              </a:schemeClr>
+            </a:lnRef>
+            <a:fillRef idx="1">
+              <a:schemeClr val="accent1"/>
+            </a:fillRef>
+            <a:effectRef idx="0">
+              <a:schemeClr val="accent1"/>
+            </a:effectRef>
+            <a:fontRef idx="minor">
+              <a:schemeClr val="lt1"/>
+            </a:fontRef>
+          </p:style>
+          <p:txBody>
+            <a:bodyPr rtlCol="0" anchor="ctr"/>
+            <a:lstStyle/>
+            <a:p>
+              <a:pPr algn="ctr"/>
+              <a:endParaRPr lang="en-US"/>
+            </a:p>
+          </p:txBody>
+        </p:sp>
+        <p:sp>
+          <p:nvSpPr>
+            <p:cNvPr id="51" name="Oval 50">
+              <a:extLst>
+                <a:ext uri="{FF2B5EF4-FFF2-40B4-BE49-F238E27FC236}">
+                  <a16:creationId xmlns:a16="http://schemas.microsoft.com/office/drawing/2014/main" id="{E25BE0DA-DBA1-408E-B5E3-4D15A419896C}"/>
+                </a:ext>
+              </a:extLst>
+            </p:cNvPr>
+            <p:cNvSpPr/>
+            <p:nvPr/>
+          </p:nvSpPr>
+          <p:spPr>
+            <a:xfrm>
+              <a:off x="5249167" y="675399"/>
+              <a:ext cx="84667" cy="112566"/>
+            </a:xfrm>
+            <a:prstGeom prst="ellipse">
+              <a:avLst/>
+            </a:prstGeom>
+          </p:spPr>
+          <p:style>
+            <a:lnRef idx="2">
+              <a:schemeClr val="accent1">
+                <a:shade val="50000"/>
+              </a:schemeClr>
+            </a:lnRef>
+            <a:fillRef idx="1">
+              <a:schemeClr val="accent1"/>
+            </a:fillRef>
+            <a:effectRef idx="0">
+              <a:schemeClr val="accent1"/>
+            </a:effectRef>
+            <a:fontRef idx="minor">
+              <a:schemeClr val="lt1"/>
+            </a:fontRef>
+          </p:style>
+          <p:txBody>
+            <a:bodyPr rtlCol="0" anchor="ctr"/>
+            <a:lstStyle/>
+            <a:p>
+              <a:pPr algn="ctr"/>
+              <a:endParaRPr lang="en-US"/>
+            </a:p>
+          </p:txBody>
+        </p:sp>
+        <p:sp>
+          <p:nvSpPr>
+            <p:cNvPr id="52" name="Oval 51">
+              <a:extLst>
+                <a:ext uri="{FF2B5EF4-FFF2-40B4-BE49-F238E27FC236}">
+                  <a16:creationId xmlns:a16="http://schemas.microsoft.com/office/drawing/2014/main" id="{8857A47A-F5A3-4365-8218-F75DA8248B32}"/>
+                </a:ext>
+              </a:extLst>
+            </p:cNvPr>
+            <p:cNvSpPr/>
+            <p:nvPr/>
+          </p:nvSpPr>
+          <p:spPr>
+            <a:xfrm>
+              <a:off x="5534922" y="512282"/>
+              <a:ext cx="84667" cy="112566"/>
+            </a:xfrm>
+            <a:prstGeom prst="ellipse">
+              <a:avLst/>
+            </a:prstGeom>
+          </p:spPr>
+          <p:style>
+            <a:lnRef idx="2">
+              <a:schemeClr val="accent1">
+                <a:shade val="50000"/>
+              </a:schemeClr>
+            </a:lnRef>
+            <a:fillRef idx="1">
+              <a:schemeClr val="accent1"/>
+            </a:fillRef>
+            <a:effectRef idx="0">
+              <a:schemeClr val="accent1"/>
+            </a:effectRef>
+            <a:fontRef idx="minor">
+              <a:schemeClr val="lt1"/>
+            </a:fontRef>
+          </p:style>
+          <p:txBody>
+            <a:bodyPr rtlCol="0" anchor="ctr"/>
+            <a:lstStyle/>
+            <a:p>
+              <a:pPr algn="ctr"/>
+              <a:endParaRPr lang="en-US"/>
+            </a:p>
+          </p:txBody>
+        </p:sp>
+        <p:sp>
+          <p:nvSpPr>
+            <p:cNvPr id="53" name="Oval 52">
+              <a:extLst>
+                <a:ext uri="{FF2B5EF4-FFF2-40B4-BE49-F238E27FC236}">
+                  <a16:creationId xmlns:a16="http://schemas.microsoft.com/office/drawing/2014/main" id="{5869F57D-B709-4BB6-AB3E-D4042AFD3CB5}"/>
+                </a:ext>
+              </a:extLst>
+            </p:cNvPr>
+            <p:cNvSpPr/>
+            <p:nvPr/>
+          </p:nvSpPr>
+          <p:spPr>
+            <a:xfrm>
+              <a:off x="5115986" y="573415"/>
+              <a:ext cx="84667" cy="112566"/>
+            </a:xfrm>
+            <a:prstGeom prst="ellipse">
+              <a:avLst/>
+            </a:prstGeom>
+          </p:spPr>
+          <p:style>
+            <a:lnRef idx="2">
+              <a:schemeClr val="accent1">
+                <a:shade val="50000"/>
+              </a:schemeClr>
+            </a:lnRef>
+            <a:fillRef idx="1">
+              <a:schemeClr val="accent1"/>
+            </a:fillRef>
+            <a:effectRef idx="0">
+              <a:schemeClr val="accent1"/>
+            </a:effectRef>
+            <a:fontRef idx="minor">
+              <a:schemeClr val="lt1"/>
+            </a:fontRef>
+          </p:style>
+          <p:txBody>
+            <a:bodyPr rtlCol="0" anchor="ctr"/>
+            <a:lstStyle/>
+            <a:p>
+              <a:pPr algn="ctr"/>
+              <a:endParaRPr lang="en-US"/>
+            </a:p>
+          </p:txBody>
+        </p:sp>
+        <p:sp>
+          <p:nvSpPr>
+            <p:cNvPr id="54" name="Oval 53">
+              <a:extLst>
+                <a:ext uri="{FF2B5EF4-FFF2-40B4-BE49-F238E27FC236}">
+                  <a16:creationId xmlns:a16="http://schemas.microsoft.com/office/drawing/2014/main" id="{BA1A364E-DA37-47E6-B092-A868EB48EDF8}"/>
+                </a:ext>
+              </a:extLst>
+            </p:cNvPr>
+            <p:cNvSpPr/>
+            <p:nvPr/>
+          </p:nvSpPr>
+          <p:spPr>
+            <a:xfrm>
+              <a:off x="5215873" y="586850"/>
+              <a:ext cx="84667" cy="112566"/>
+            </a:xfrm>
+            <a:prstGeom prst="ellipse">
+              <a:avLst/>
+            </a:prstGeom>
+          </p:spPr>
+          <p:style>
+            <a:lnRef idx="2">
+              <a:schemeClr val="accent1">
+                <a:shade val="50000"/>
+              </a:schemeClr>
+            </a:lnRef>
+            <a:fillRef idx="1">
+              <a:schemeClr val="accent1"/>
+            </a:fillRef>
+            <a:effectRef idx="0">
+              <a:schemeClr val="accent1"/>
+            </a:effectRef>
+            <a:fontRef idx="minor">
+              <a:schemeClr val="lt1"/>
+            </a:fontRef>
+          </p:style>
+          <p:txBody>
+            <a:bodyPr rtlCol="0" anchor="ctr"/>
+            <a:lstStyle/>
+            <a:p>
+              <a:pPr algn="ctr"/>
+              <a:endParaRPr lang="en-US"/>
+            </a:p>
+          </p:txBody>
+        </p:sp>
+        <p:sp>
+          <p:nvSpPr>
+            <p:cNvPr id="55" name="Oval 54">
+              <a:extLst>
+                <a:ext uri="{FF2B5EF4-FFF2-40B4-BE49-F238E27FC236}">
+                  <a16:creationId xmlns:a16="http://schemas.microsoft.com/office/drawing/2014/main" id="{02EC4F98-9000-41C1-9EF2-41503C67E144}"/>
+                </a:ext>
+              </a:extLst>
+            </p:cNvPr>
+            <p:cNvSpPr/>
+            <p:nvPr/>
+          </p:nvSpPr>
+          <p:spPr>
+            <a:xfrm>
+              <a:off x="5315922" y="586850"/>
+              <a:ext cx="84667" cy="112566"/>
+            </a:xfrm>
+            <a:prstGeom prst="ellipse">
+              <a:avLst/>
+            </a:prstGeom>
+          </p:spPr>
+          <p:style>
+            <a:lnRef idx="2">
+              <a:schemeClr val="accent1">
+                <a:shade val="50000"/>
+              </a:schemeClr>
+            </a:lnRef>
+            <a:fillRef idx="1">
+              <a:schemeClr val="accent1"/>
+            </a:fillRef>
+            <a:effectRef idx="0">
+              <a:schemeClr val="accent1"/>
+            </a:effectRef>
+            <a:fontRef idx="minor">
+              <a:schemeClr val="lt1"/>
+            </a:fontRef>
+          </p:style>
+          <p:txBody>
+            <a:bodyPr rtlCol="0" anchor="ctr"/>
+            <a:lstStyle/>
+            <a:p>
+              <a:pPr algn="ctr"/>
+              <a:endParaRPr lang="en-US"/>
+            </a:p>
+          </p:txBody>
+        </p:sp>
+        <p:sp>
+          <p:nvSpPr>
+            <p:cNvPr id="56" name="Oval 55">
+              <a:extLst>
+                <a:ext uri="{FF2B5EF4-FFF2-40B4-BE49-F238E27FC236}">
+                  <a16:creationId xmlns:a16="http://schemas.microsoft.com/office/drawing/2014/main" id="{EB2CB603-91E2-4B97-81BF-3FD75BF5CDB8}"/>
+                </a:ext>
+              </a:extLst>
+            </p:cNvPr>
+            <p:cNvSpPr/>
+            <p:nvPr/>
+          </p:nvSpPr>
+          <p:spPr>
+            <a:xfrm>
+              <a:off x="5315760" y="501212"/>
+              <a:ext cx="84667" cy="112566"/>
+            </a:xfrm>
+            <a:prstGeom prst="ellipse">
+              <a:avLst/>
+            </a:prstGeom>
+          </p:spPr>
+          <p:style>
+            <a:lnRef idx="2">
+              <a:schemeClr val="accent1">
+                <a:shade val="50000"/>
+              </a:schemeClr>
+            </a:lnRef>
+            <a:fillRef idx="1">
+              <a:schemeClr val="accent1"/>
+            </a:fillRef>
+            <a:effectRef idx="0">
+              <a:schemeClr val="accent1"/>
+            </a:effectRef>
+            <a:fontRef idx="minor">
+              <a:schemeClr val="lt1"/>
+            </a:fontRef>
+          </p:style>
+          <p:txBody>
+            <a:bodyPr rtlCol="0" anchor="ctr"/>
+            <a:lstStyle/>
+            <a:p>
+              <a:pPr algn="ctr"/>
+              <a:endParaRPr lang="en-US"/>
+            </a:p>
+          </p:txBody>
+        </p:sp>
+        <p:sp>
+          <p:nvSpPr>
+            <p:cNvPr id="57" name="Oval 56">
+              <a:extLst>
+                <a:ext uri="{FF2B5EF4-FFF2-40B4-BE49-F238E27FC236}">
+                  <a16:creationId xmlns:a16="http://schemas.microsoft.com/office/drawing/2014/main" id="{99D73B8A-F87B-499D-AC9F-3D8FE4257BA7}"/>
+                </a:ext>
+              </a:extLst>
+            </p:cNvPr>
+            <p:cNvSpPr/>
+            <p:nvPr/>
+          </p:nvSpPr>
+          <p:spPr>
+            <a:xfrm>
+              <a:off x="5213023" y="482029"/>
+              <a:ext cx="84667" cy="112566"/>
+            </a:xfrm>
+            <a:prstGeom prst="ellipse">
+              <a:avLst/>
+            </a:prstGeom>
+          </p:spPr>
+          <p:style>
+            <a:lnRef idx="2">
+              <a:schemeClr val="accent1">
+                <a:shade val="50000"/>
+              </a:schemeClr>
+            </a:lnRef>
+            <a:fillRef idx="1">
+              <a:schemeClr val="accent1"/>
+            </a:fillRef>
+            <a:effectRef idx="0">
+              <a:schemeClr val="accent1"/>
+            </a:effectRef>
+            <a:fontRef idx="minor">
+              <a:schemeClr val="lt1"/>
+            </a:fontRef>
+          </p:style>
+          <p:txBody>
+            <a:bodyPr rtlCol="0" anchor="ctr"/>
+            <a:lstStyle/>
+            <a:p>
+              <a:pPr algn="ctr"/>
+              <a:endParaRPr lang="en-US"/>
+            </a:p>
+          </p:txBody>
+        </p:sp>
+        <p:sp>
+          <p:nvSpPr>
+            <p:cNvPr id="58" name="Oval 57">
+              <a:extLst>
+                <a:ext uri="{FF2B5EF4-FFF2-40B4-BE49-F238E27FC236}">
+                  <a16:creationId xmlns:a16="http://schemas.microsoft.com/office/drawing/2014/main" id="{6886785D-93B0-4EFC-A0CC-67B6AD99CD6D}"/>
+                </a:ext>
+              </a:extLst>
+            </p:cNvPr>
+            <p:cNvSpPr/>
+            <p:nvPr/>
+          </p:nvSpPr>
+          <p:spPr>
+            <a:xfrm>
+              <a:off x="4998019" y="495495"/>
+              <a:ext cx="84667" cy="112566"/>
+            </a:xfrm>
+            <a:prstGeom prst="ellipse">
+              <a:avLst/>
+            </a:prstGeom>
+          </p:spPr>
+          <p:style>
+            <a:lnRef idx="2">
+              <a:schemeClr val="accent1">
+                <a:shade val="50000"/>
+              </a:schemeClr>
+            </a:lnRef>
+            <a:fillRef idx="1">
+              <a:schemeClr val="accent1"/>
+            </a:fillRef>
+            <a:effectRef idx="0">
+              <a:schemeClr val="accent1"/>
+            </a:effectRef>
+            <a:fontRef idx="minor">
+              <a:schemeClr val="lt1"/>
+            </a:fontRef>
+          </p:style>
+          <p:txBody>
+            <a:bodyPr rtlCol="0" anchor="ctr"/>
+            <a:lstStyle/>
+            <a:p>
+              <a:pPr algn="ctr"/>
+              <a:endParaRPr lang="en-US"/>
+            </a:p>
+          </p:txBody>
+        </p:sp>
+        <p:sp>
+          <p:nvSpPr>
+            <p:cNvPr id="59" name="Oval 58">
+              <a:extLst>
+                <a:ext uri="{FF2B5EF4-FFF2-40B4-BE49-F238E27FC236}">
+                  <a16:creationId xmlns:a16="http://schemas.microsoft.com/office/drawing/2014/main" id="{87E887AD-8C11-4B7D-A3EC-F842060D5C99}"/>
+                </a:ext>
+              </a:extLst>
+            </p:cNvPr>
+            <p:cNvSpPr/>
+            <p:nvPr/>
+          </p:nvSpPr>
+          <p:spPr>
+            <a:xfrm>
+              <a:off x="5100516" y="469694"/>
+              <a:ext cx="84667" cy="112566"/>
+            </a:xfrm>
+            <a:prstGeom prst="ellipse">
+              <a:avLst/>
+            </a:prstGeom>
+          </p:spPr>
+          <p:style>
+            <a:lnRef idx="2">
+              <a:schemeClr val="accent1">
+                <a:shade val="50000"/>
+              </a:schemeClr>
+            </a:lnRef>
+            <a:fillRef idx="1">
+              <a:schemeClr val="accent1"/>
+            </a:fillRef>
+            <a:effectRef idx="0">
+              <a:schemeClr val="accent1"/>
+            </a:effectRef>
+            <a:fontRef idx="minor">
+              <a:schemeClr val="lt1"/>
+            </a:fontRef>
+          </p:style>
+          <p:txBody>
+            <a:bodyPr rtlCol="0" anchor="ctr"/>
+            <a:lstStyle/>
+            <a:p>
+              <a:pPr algn="ctr"/>
+              <a:endParaRPr lang="en-US"/>
+            </a:p>
+          </p:txBody>
+        </p:sp>
+        <p:sp>
+          <p:nvSpPr>
+            <p:cNvPr id="85" name="Oval 84">
+              <a:extLst>
+                <a:ext uri="{FF2B5EF4-FFF2-40B4-BE49-F238E27FC236}">
+                  <a16:creationId xmlns:a16="http://schemas.microsoft.com/office/drawing/2014/main" id="{0E1080D8-FA15-400E-86A5-7AAA55D76612}"/>
+                </a:ext>
+              </a:extLst>
+            </p:cNvPr>
+            <p:cNvSpPr/>
+            <p:nvPr/>
+          </p:nvSpPr>
+          <p:spPr>
+            <a:xfrm>
+              <a:off x="5300296" y="133919"/>
+              <a:ext cx="84667" cy="112566"/>
+            </a:xfrm>
+            <a:prstGeom prst="ellipse">
+              <a:avLst/>
+            </a:prstGeom>
+          </p:spPr>
+          <p:style>
+            <a:lnRef idx="2">
+              <a:schemeClr val="accent1">
+                <a:shade val="50000"/>
+              </a:schemeClr>
+            </a:lnRef>
+            <a:fillRef idx="1">
+              <a:schemeClr val="accent1"/>
+            </a:fillRef>
+            <a:effectRef idx="0">
+              <a:schemeClr val="accent1"/>
+            </a:effectRef>
+            <a:fontRef idx="minor">
+              <a:schemeClr val="lt1"/>
+            </a:fontRef>
+          </p:style>
+          <p:txBody>
+            <a:bodyPr rtlCol="0" anchor="ctr"/>
+            <a:lstStyle/>
+            <a:p>
+              <a:pPr algn="ctr"/>
+              <a:endParaRPr lang="en-US"/>
+            </a:p>
+          </p:txBody>
+        </p:sp>
+        <p:grpSp>
+          <p:nvGrpSpPr>
+            <p:cNvPr id="93" name="Group 92">
+              <a:extLst>
+                <a:ext uri="{FF2B5EF4-FFF2-40B4-BE49-F238E27FC236}">
+                  <a16:creationId xmlns:a16="http://schemas.microsoft.com/office/drawing/2014/main" id="{5588119B-C7ED-4141-A1DF-928C23AE2A66}"/>
+                </a:ext>
+              </a:extLst>
+            </p:cNvPr>
+            <p:cNvGrpSpPr/>
+            <p:nvPr/>
+          </p:nvGrpSpPr>
+          <p:grpSpPr>
+            <a:xfrm>
+              <a:off x="5175562" y="204747"/>
+              <a:ext cx="294553" cy="258514"/>
+              <a:chOff x="5175562" y="251312"/>
+              <a:chExt cx="294553" cy="258514"/>
+            </a:xfrm>
+          </p:grpSpPr>
+          <p:cxnSp>
+            <p:nvCxnSpPr>
+              <p:cNvPr id="87" name="Straight Arrow Connector 86">
+                <a:extLst>
+                  <a:ext uri="{FF2B5EF4-FFF2-40B4-BE49-F238E27FC236}">
+                    <a16:creationId xmlns:a16="http://schemas.microsoft.com/office/drawing/2014/main" id="{53D4E619-C6CD-4FC6-9025-DFC4C74EFC0B}"/>
+                  </a:ext>
+                </a:extLst>
+              </p:cNvPr>
+              <p:cNvCxnSpPr>
+                <a:cxnSpLocks/>
+              </p:cNvCxnSpPr>
+              <p:nvPr/>
+            </p:nvCxnSpPr>
+            <p:spPr>
+              <a:xfrm flipH="1">
+                <a:off x="5175562" y="263781"/>
+                <a:ext cx="147209" cy="198388"/>
+              </a:xfrm>
+              <a:prstGeom prst="straightConnector1">
+                <a:avLst/>
+              </a:prstGeom>
+              <a:ln>
+                <a:tailEnd type="triangle"/>
+              </a:ln>
+            </p:spPr>
+            <p:style>
+              <a:lnRef idx="1">
+                <a:schemeClr val="accent1"/>
+              </a:lnRef>
+              <a:fillRef idx="0">
+                <a:schemeClr val="accent1"/>
+              </a:fillRef>
+              <a:effectRef idx="0">
+                <a:schemeClr val="accent1"/>
+              </a:effectRef>
+              <a:fontRef idx="minor">
+                <a:schemeClr val="tx1"/>
+              </a:fontRef>
+            </p:style>
+          </p:cxnSp>
+          <p:cxnSp>
+            <p:nvCxnSpPr>
+              <p:cNvPr id="89" name="Straight Arrow Connector 88">
+                <a:extLst>
+                  <a:ext uri="{FF2B5EF4-FFF2-40B4-BE49-F238E27FC236}">
+                    <a16:creationId xmlns:a16="http://schemas.microsoft.com/office/drawing/2014/main" id="{D50126A8-FF1F-414A-988A-EB314069F130}"/>
+                  </a:ext>
+                </a:extLst>
+              </p:cNvPr>
+              <p:cNvCxnSpPr>
+                <a:cxnSpLocks/>
+              </p:cNvCxnSpPr>
+              <p:nvPr/>
+            </p:nvCxnSpPr>
+            <p:spPr>
+              <a:xfrm flipH="1">
+                <a:off x="5334770" y="268013"/>
+                <a:ext cx="4988" cy="241813"/>
+              </a:xfrm>
+              <a:prstGeom prst="straightConnector1">
+                <a:avLst/>
+              </a:prstGeom>
+              <a:ln>
+                <a:tailEnd type="triangle"/>
+              </a:ln>
+            </p:spPr>
+            <p:style>
+              <a:lnRef idx="1">
+                <a:schemeClr val="accent1"/>
+              </a:lnRef>
+              <a:fillRef idx="0">
+                <a:schemeClr val="accent1"/>
+              </a:fillRef>
+              <a:effectRef idx="0">
+                <a:schemeClr val="accent1"/>
+              </a:effectRef>
+              <a:fontRef idx="minor">
+                <a:schemeClr val="tx1"/>
+              </a:fontRef>
+            </p:style>
+          </p:cxnSp>
+          <p:cxnSp>
+            <p:nvCxnSpPr>
+              <p:cNvPr id="91" name="Straight Arrow Connector 90">
+                <a:extLst>
+                  <a:ext uri="{FF2B5EF4-FFF2-40B4-BE49-F238E27FC236}">
+                    <a16:creationId xmlns:a16="http://schemas.microsoft.com/office/drawing/2014/main" id="{9F3B8403-A7A1-4184-9CB7-E3DDDCEE2DE7}"/>
+                  </a:ext>
+                </a:extLst>
+              </p:cNvPr>
+              <p:cNvCxnSpPr>
+                <a:cxnSpLocks/>
+              </p:cNvCxnSpPr>
+              <p:nvPr/>
+            </p:nvCxnSpPr>
+            <p:spPr>
+              <a:xfrm>
+                <a:off x="5327667" y="251312"/>
+                <a:ext cx="142448" cy="196714"/>
+              </a:xfrm>
+              <a:prstGeom prst="straightConnector1">
+                <a:avLst/>
+              </a:prstGeom>
+              <a:ln>
+                <a:tailEnd type="triangle"/>
+              </a:ln>
+            </p:spPr>
+            <p:style>
+              <a:lnRef idx="1">
+                <a:schemeClr val="accent1"/>
+              </a:lnRef>
+              <a:fillRef idx="0">
+                <a:schemeClr val="accent1"/>
+              </a:fillRef>
+              <a:effectRef idx="0">
+                <a:schemeClr val="accent1"/>
+              </a:effectRef>
+              <a:fontRef idx="minor">
+                <a:schemeClr val="tx1"/>
+              </a:fontRef>
+            </p:style>
+          </p:cxnSp>
+        </p:grpSp>
+      </p:grpSp>
+      <p:grpSp>
+        <p:nvGrpSpPr>
+          <p:cNvPr id="99" name="Group 98">
+            <a:extLst>
+              <a:ext uri="{FF2B5EF4-FFF2-40B4-BE49-F238E27FC236}">
+                <a16:creationId xmlns:a16="http://schemas.microsoft.com/office/drawing/2014/main" id="{3E4460FB-C296-46DC-A2EC-05EECDF5796F}"/>
+              </a:ext>
+            </a:extLst>
+          </p:cNvPr>
+          <p:cNvGrpSpPr/>
+          <p:nvPr/>
+        </p:nvGrpSpPr>
+        <p:grpSpPr>
+          <a:xfrm>
+            <a:off x="6604724" y="192026"/>
+            <a:ext cx="821919" cy="801056"/>
+            <a:chOff x="5966396" y="135444"/>
+            <a:chExt cx="821919" cy="801056"/>
+          </a:xfrm>
+        </p:grpSpPr>
+        <p:sp>
+          <p:nvSpPr>
+            <p:cNvPr id="35" name="Arc 34">
+              <a:extLst>
+                <a:ext uri="{FF2B5EF4-FFF2-40B4-BE49-F238E27FC236}">
+                  <a16:creationId xmlns:a16="http://schemas.microsoft.com/office/drawing/2014/main" id="{E7CA1AF9-798F-480D-B73A-0FD6E9ECCEA5}"/>
+                </a:ext>
+              </a:extLst>
+            </p:cNvPr>
+            <p:cNvSpPr/>
+            <p:nvPr/>
+          </p:nvSpPr>
+          <p:spPr>
+            <a:xfrm flipV="1">
+              <a:off x="5966396" y="153538"/>
+              <a:ext cx="821919" cy="782962"/>
+            </a:xfrm>
+            <a:prstGeom prst="arc">
+              <a:avLst>
+                <a:gd name="adj1" fmla="val 10925727"/>
+                <a:gd name="adj2" fmla="val 0"/>
+              </a:avLst>
+            </a:prstGeom>
+          </p:spPr>
+          <p:style>
+            <a:lnRef idx="1">
+              <a:schemeClr val="accent1"/>
+            </a:lnRef>
+            <a:fillRef idx="0">
+              <a:schemeClr val="accent1"/>
+            </a:fillRef>
+            <a:effectRef idx="0">
+              <a:schemeClr val="accent1"/>
+            </a:effectRef>
+            <a:fontRef idx="minor">
+              <a:schemeClr val="tx1"/>
+            </a:fontRef>
+          </p:style>
+          <p:txBody>
+            <a:bodyPr rtlCol="0" anchor="ctr"/>
+            <a:lstStyle/>
+            <a:p>
+              <a:pPr algn="ctr"/>
+              <a:endParaRPr lang="en-US"/>
+            </a:p>
+          </p:txBody>
+        </p:sp>
+        <p:sp>
+          <p:nvSpPr>
+            <p:cNvPr id="60" name="Oval 59">
+              <a:extLst>
+                <a:ext uri="{FF2B5EF4-FFF2-40B4-BE49-F238E27FC236}">
+                  <a16:creationId xmlns:a16="http://schemas.microsoft.com/office/drawing/2014/main" id="{76167055-C516-4728-A3A7-282BF44FFD66}"/>
+                </a:ext>
+              </a:extLst>
+            </p:cNvPr>
+            <p:cNvSpPr/>
+            <p:nvPr/>
+          </p:nvSpPr>
+          <p:spPr>
+            <a:xfrm>
+              <a:off x="6269320" y="808104"/>
+              <a:ext cx="84667" cy="112566"/>
+            </a:xfrm>
+            <a:prstGeom prst="ellipse">
+              <a:avLst/>
+            </a:prstGeom>
+          </p:spPr>
+          <p:style>
+            <a:lnRef idx="2">
+              <a:schemeClr val="accent1">
+                <a:shade val="50000"/>
+              </a:schemeClr>
+            </a:lnRef>
+            <a:fillRef idx="1">
+              <a:schemeClr val="accent1"/>
+            </a:fillRef>
+            <a:effectRef idx="0">
+              <a:schemeClr val="accent1"/>
+            </a:effectRef>
+            <a:fontRef idx="minor">
+              <a:schemeClr val="lt1"/>
+            </a:fontRef>
+          </p:style>
+          <p:txBody>
+            <a:bodyPr rtlCol="0" anchor="ctr"/>
+            <a:lstStyle/>
+            <a:p>
+              <a:pPr algn="ctr"/>
+              <a:endParaRPr lang="en-US"/>
+            </a:p>
+          </p:txBody>
+        </p:sp>
+        <p:sp>
+          <p:nvSpPr>
+            <p:cNvPr id="61" name="Oval 60">
+              <a:extLst>
+                <a:ext uri="{FF2B5EF4-FFF2-40B4-BE49-F238E27FC236}">
+                  <a16:creationId xmlns:a16="http://schemas.microsoft.com/office/drawing/2014/main" id="{6838059E-D935-4F9B-9EED-2E07A10B0367}"/>
+                </a:ext>
+              </a:extLst>
+            </p:cNvPr>
+            <p:cNvSpPr/>
+            <p:nvPr/>
+          </p:nvSpPr>
+          <p:spPr>
+            <a:xfrm>
+              <a:off x="6383946" y="821416"/>
+              <a:ext cx="84667" cy="112566"/>
+            </a:xfrm>
+            <a:prstGeom prst="ellipse">
+              <a:avLst/>
+            </a:prstGeom>
+          </p:spPr>
+          <p:style>
+            <a:lnRef idx="2">
+              <a:schemeClr val="accent1">
+                <a:shade val="50000"/>
+              </a:schemeClr>
+            </a:lnRef>
+            <a:fillRef idx="1">
+              <a:schemeClr val="accent1"/>
+            </a:fillRef>
+            <a:effectRef idx="0">
+              <a:schemeClr val="accent1"/>
+            </a:effectRef>
+            <a:fontRef idx="minor">
+              <a:schemeClr val="lt1"/>
+            </a:fontRef>
+          </p:style>
+          <p:txBody>
+            <a:bodyPr rtlCol="0" anchor="ctr"/>
+            <a:lstStyle/>
+            <a:p>
+              <a:pPr algn="ctr"/>
+              <a:endParaRPr lang="en-US"/>
+            </a:p>
+          </p:txBody>
+        </p:sp>
+        <p:sp>
+          <p:nvSpPr>
+            <p:cNvPr id="62" name="Oval 61">
+              <a:extLst>
+                <a:ext uri="{FF2B5EF4-FFF2-40B4-BE49-F238E27FC236}">
+                  <a16:creationId xmlns:a16="http://schemas.microsoft.com/office/drawing/2014/main" id="{CC062EE8-7248-4720-AFAA-D430F79FFB74}"/>
+                </a:ext>
+              </a:extLst>
+            </p:cNvPr>
+            <p:cNvSpPr/>
+            <p:nvPr/>
+          </p:nvSpPr>
+          <p:spPr>
+            <a:xfrm>
+              <a:off x="6489779" y="781709"/>
+              <a:ext cx="84667" cy="112566"/>
+            </a:xfrm>
+            <a:prstGeom prst="ellipse">
+              <a:avLst/>
+            </a:prstGeom>
+          </p:spPr>
+          <p:style>
+            <a:lnRef idx="2">
+              <a:schemeClr val="accent5">
+                <a:shade val="50000"/>
+              </a:schemeClr>
+            </a:lnRef>
+            <a:fillRef idx="1">
+              <a:schemeClr val="accent5"/>
+            </a:fillRef>
+            <a:effectRef idx="0">
+              <a:schemeClr val="accent5"/>
+            </a:effectRef>
+            <a:fontRef idx="minor">
+              <a:schemeClr val="lt1"/>
+            </a:fontRef>
+          </p:style>
+          <p:txBody>
+            <a:bodyPr rtlCol="0" anchor="ctr"/>
+            <a:lstStyle/>
+            <a:p>
+              <a:pPr algn="ctr"/>
+              <a:endParaRPr lang="en-US"/>
+            </a:p>
+          </p:txBody>
+        </p:sp>
+        <p:sp>
+          <p:nvSpPr>
+            <p:cNvPr id="63" name="Oval 62">
+              <a:extLst>
+                <a:ext uri="{FF2B5EF4-FFF2-40B4-BE49-F238E27FC236}">
+                  <a16:creationId xmlns:a16="http://schemas.microsoft.com/office/drawing/2014/main" id="{0724AFE8-E1FC-4C10-9495-211861DFB512}"/>
+                </a:ext>
+              </a:extLst>
+            </p:cNvPr>
+            <p:cNvSpPr/>
+            <p:nvPr/>
+          </p:nvSpPr>
+          <p:spPr>
+            <a:xfrm>
+              <a:off x="6574608" y="715845"/>
+              <a:ext cx="84667" cy="112566"/>
+            </a:xfrm>
+            <a:prstGeom prst="ellipse">
+              <a:avLst/>
+            </a:prstGeom>
+          </p:spPr>
+          <p:style>
+            <a:lnRef idx="2">
+              <a:schemeClr val="accent1">
+                <a:shade val="50000"/>
+              </a:schemeClr>
+            </a:lnRef>
+            <a:fillRef idx="1">
+              <a:schemeClr val="accent1"/>
+            </a:fillRef>
+            <a:effectRef idx="0">
+              <a:schemeClr val="accent1"/>
+            </a:effectRef>
+            <a:fontRef idx="minor">
+              <a:schemeClr val="lt1"/>
+            </a:fontRef>
+          </p:style>
+          <p:txBody>
+            <a:bodyPr rtlCol="0" anchor="ctr"/>
+            <a:lstStyle/>
+            <a:p>
+              <a:pPr algn="ctr"/>
+              <a:endParaRPr lang="en-US"/>
+            </a:p>
+          </p:txBody>
+        </p:sp>
+        <p:sp>
+          <p:nvSpPr>
+            <p:cNvPr id="64" name="Oval 63">
+              <a:extLst>
+                <a:ext uri="{FF2B5EF4-FFF2-40B4-BE49-F238E27FC236}">
+                  <a16:creationId xmlns:a16="http://schemas.microsoft.com/office/drawing/2014/main" id="{9356E4EE-FC1E-475C-9726-F3341F99A1E1}"/>
+                </a:ext>
+              </a:extLst>
+            </p:cNvPr>
+            <p:cNvSpPr/>
+            <p:nvPr/>
+          </p:nvSpPr>
+          <p:spPr>
+            <a:xfrm>
+              <a:off x="6169673" y="765960"/>
+              <a:ext cx="84667" cy="112566"/>
+            </a:xfrm>
+            <a:prstGeom prst="ellipse">
+              <a:avLst/>
+            </a:prstGeom>
+          </p:spPr>
+          <p:style>
+            <a:lnRef idx="2">
+              <a:schemeClr val="accent5">
+                <a:shade val="50000"/>
+              </a:schemeClr>
+            </a:lnRef>
+            <a:fillRef idx="1">
+              <a:schemeClr val="accent5"/>
+            </a:fillRef>
+            <a:effectRef idx="0">
+              <a:schemeClr val="accent5"/>
+            </a:effectRef>
+            <a:fontRef idx="minor">
+              <a:schemeClr val="lt1"/>
+            </a:fontRef>
+          </p:style>
+          <p:txBody>
+            <a:bodyPr rtlCol="0" anchor="ctr"/>
+            <a:lstStyle/>
+            <a:p>
+              <a:pPr algn="ctr"/>
+              <a:endParaRPr lang="en-US"/>
+            </a:p>
+          </p:txBody>
+        </p:sp>
+        <p:sp>
+          <p:nvSpPr>
+            <p:cNvPr id="65" name="Oval 64">
+              <a:extLst>
+                <a:ext uri="{FF2B5EF4-FFF2-40B4-BE49-F238E27FC236}">
+                  <a16:creationId xmlns:a16="http://schemas.microsoft.com/office/drawing/2014/main" id="{85ED4152-89E5-4446-A302-D69E944FE01F}"/>
+                </a:ext>
+              </a:extLst>
+            </p:cNvPr>
+            <p:cNvSpPr/>
+            <p:nvPr/>
+          </p:nvSpPr>
+          <p:spPr>
+            <a:xfrm>
+              <a:off x="6074423" y="706647"/>
+              <a:ext cx="84667" cy="112566"/>
+            </a:xfrm>
+            <a:prstGeom prst="ellipse">
+              <a:avLst/>
+            </a:prstGeom>
+          </p:spPr>
+          <p:style>
+            <a:lnRef idx="2">
+              <a:schemeClr val="accent1">
+                <a:shade val="50000"/>
+              </a:schemeClr>
+            </a:lnRef>
+            <a:fillRef idx="1">
+              <a:schemeClr val="accent1"/>
+            </a:fillRef>
+            <a:effectRef idx="0">
+              <a:schemeClr val="accent1"/>
+            </a:effectRef>
+            <a:fontRef idx="minor">
+              <a:schemeClr val="lt1"/>
+            </a:fontRef>
+          </p:style>
+          <p:txBody>
+            <a:bodyPr rtlCol="0" anchor="ctr"/>
+            <a:lstStyle/>
+            <a:p>
+              <a:pPr algn="ctr"/>
+              <a:endParaRPr lang="en-US"/>
+            </a:p>
+          </p:txBody>
+        </p:sp>
+        <p:sp>
+          <p:nvSpPr>
+            <p:cNvPr id="66" name="Oval 65">
+              <a:extLst>
+                <a:ext uri="{FF2B5EF4-FFF2-40B4-BE49-F238E27FC236}">
+                  <a16:creationId xmlns:a16="http://schemas.microsoft.com/office/drawing/2014/main" id="{9DDEA8B9-2F22-4B6A-BA53-4D8DB2C44289}"/>
+                </a:ext>
+              </a:extLst>
+            </p:cNvPr>
+            <p:cNvSpPr/>
+            <p:nvPr/>
+          </p:nvSpPr>
+          <p:spPr>
+            <a:xfrm>
+              <a:off x="6021668" y="604127"/>
+              <a:ext cx="84667" cy="112566"/>
+            </a:xfrm>
+            <a:prstGeom prst="ellipse">
+              <a:avLst/>
+            </a:prstGeom>
+          </p:spPr>
+          <p:style>
+            <a:lnRef idx="2">
+              <a:schemeClr val="accent1">
+                <a:shade val="50000"/>
+              </a:schemeClr>
+            </a:lnRef>
+            <a:fillRef idx="1">
+              <a:schemeClr val="accent1"/>
+            </a:fillRef>
+            <a:effectRef idx="0">
+              <a:schemeClr val="accent1"/>
+            </a:effectRef>
+            <a:fontRef idx="minor">
+              <a:schemeClr val="lt1"/>
+            </a:fontRef>
+          </p:style>
+          <p:txBody>
+            <a:bodyPr rtlCol="0" anchor="ctr"/>
+            <a:lstStyle/>
+            <a:p>
+              <a:pPr algn="ctr"/>
+              <a:endParaRPr lang="en-US"/>
+            </a:p>
+          </p:txBody>
+        </p:sp>
+        <p:sp>
+          <p:nvSpPr>
+            <p:cNvPr id="67" name="Oval 66">
+              <a:extLst>
+                <a:ext uri="{FF2B5EF4-FFF2-40B4-BE49-F238E27FC236}">
+                  <a16:creationId xmlns:a16="http://schemas.microsoft.com/office/drawing/2014/main" id="{08C0C62B-81B1-45B8-9C40-FE15876CDD62}"/>
+                </a:ext>
+              </a:extLst>
+            </p:cNvPr>
+            <p:cNvSpPr/>
+            <p:nvPr/>
+          </p:nvSpPr>
+          <p:spPr>
+            <a:xfrm>
+              <a:off x="5989756" y="501607"/>
+              <a:ext cx="84667" cy="112566"/>
+            </a:xfrm>
+            <a:prstGeom prst="ellipse">
+              <a:avLst/>
+            </a:prstGeom>
+          </p:spPr>
+          <p:style>
+            <a:lnRef idx="2">
+              <a:schemeClr val="accent1">
+                <a:shade val="50000"/>
+              </a:schemeClr>
+            </a:lnRef>
+            <a:fillRef idx="1">
+              <a:schemeClr val="accent1"/>
+            </a:fillRef>
+            <a:effectRef idx="0">
+              <a:schemeClr val="accent1"/>
+            </a:effectRef>
+            <a:fontRef idx="minor">
+              <a:schemeClr val="lt1"/>
+            </a:fontRef>
+          </p:style>
+          <p:txBody>
+            <a:bodyPr rtlCol="0" anchor="ctr"/>
+            <a:lstStyle/>
+            <a:p>
+              <a:pPr algn="ctr"/>
+              <a:endParaRPr lang="en-US"/>
+            </a:p>
+          </p:txBody>
+        </p:sp>
+        <p:sp>
+          <p:nvSpPr>
+            <p:cNvPr id="68" name="Oval 67">
+              <a:extLst>
+                <a:ext uri="{FF2B5EF4-FFF2-40B4-BE49-F238E27FC236}">
+                  <a16:creationId xmlns:a16="http://schemas.microsoft.com/office/drawing/2014/main" id="{CE5EFEC7-515B-48C1-A790-574D6F65686F}"/>
+                </a:ext>
+              </a:extLst>
+            </p:cNvPr>
+            <p:cNvSpPr/>
+            <p:nvPr/>
+          </p:nvSpPr>
+          <p:spPr>
+            <a:xfrm>
+              <a:off x="6661392" y="622174"/>
+              <a:ext cx="84667" cy="112566"/>
+            </a:xfrm>
+            <a:prstGeom prst="ellipse">
+              <a:avLst/>
+            </a:prstGeom>
+          </p:spPr>
+          <p:style>
+            <a:lnRef idx="2">
+              <a:schemeClr val="accent5">
+                <a:shade val="50000"/>
+              </a:schemeClr>
+            </a:lnRef>
+            <a:fillRef idx="1">
+              <a:schemeClr val="accent5"/>
+            </a:fillRef>
+            <a:effectRef idx="0">
+              <a:schemeClr val="accent5"/>
+            </a:effectRef>
+            <a:fontRef idx="minor">
+              <a:schemeClr val="lt1"/>
+            </a:fontRef>
+          </p:style>
+          <p:txBody>
+            <a:bodyPr rtlCol="0" anchor="ctr"/>
+            <a:lstStyle/>
+            <a:p>
+              <a:pPr algn="ctr"/>
+              <a:endParaRPr lang="en-US"/>
+            </a:p>
+          </p:txBody>
+        </p:sp>
+        <p:sp>
+          <p:nvSpPr>
+            <p:cNvPr id="69" name="Oval 68">
+              <a:extLst>
+                <a:ext uri="{FF2B5EF4-FFF2-40B4-BE49-F238E27FC236}">
+                  <a16:creationId xmlns:a16="http://schemas.microsoft.com/office/drawing/2014/main" id="{BEACA338-F226-4BEE-8211-5658EB73B668}"/>
+                </a:ext>
+              </a:extLst>
+            </p:cNvPr>
+            <p:cNvSpPr/>
+            <p:nvPr/>
+          </p:nvSpPr>
+          <p:spPr>
+            <a:xfrm>
+              <a:off x="6695419" y="509744"/>
+              <a:ext cx="84667" cy="112566"/>
+            </a:xfrm>
+            <a:prstGeom prst="ellipse">
+              <a:avLst/>
+            </a:prstGeom>
+          </p:spPr>
+          <p:style>
+            <a:lnRef idx="2">
+              <a:schemeClr val="accent1">
+                <a:shade val="50000"/>
+              </a:schemeClr>
+            </a:lnRef>
+            <a:fillRef idx="1">
+              <a:schemeClr val="accent1"/>
+            </a:fillRef>
+            <a:effectRef idx="0">
+              <a:schemeClr val="accent1"/>
+            </a:effectRef>
+            <a:fontRef idx="minor">
+              <a:schemeClr val="lt1"/>
+            </a:fontRef>
+          </p:style>
+          <p:txBody>
+            <a:bodyPr rtlCol="0" anchor="ctr"/>
+            <a:lstStyle/>
+            <a:p>
+              <a:pPr algn="ctr"/>
+              <a:endParaRPr lang="en-US"/>
+            </a:p>
+          </p:txBody>
+        </p:sp>
+        <p:sp>
+          <p:nvSpPr>
+            <p:cNvPr id="70" name="Oval 69">
+              <a:extLst>
+                <a:ext uri="{FF2B5EF4-FFF2-40B4-BE49-F238E27FC236}">
+                  <a16:creationId xmlns:a16="http://schemas.microsoft.com/office/drawing/2014/main" id="{7B9F2E0A-7E12-49BF-ACC5-77801BD5A802}"/>
+                </a:ext>
+              </a:extLst>
+            </p:cNvPr>
+            <p:cNvSpPr/>
+            <p:nvPr/>
+          </p:nvSpPr>
+          <p:spPr>
+            <a:xfrm>
+              <a:off x="6217870" y="706744"/>
+              <a:ext cx="84667" cy="112566"/>
+            </a:xfrm>
+            <a:prstGeom prst="ellipse">
+              <a:avLst/>
+            </a:prstGeom>
+          </p:spPr>
+          <p:style>
+            <a:lnRef idx="2">
+              <a:schemeClr val="accent1">
+                <a:shade val="50000"/>
+              </a:schemeClr>
+            </a:lnRef>
+            <a:fillRef idx="1">
+              <a:schemeClr val="accent1"/>
+            </a:fillRef>
+            <a:effectRef idx="0">
+              <a:schemeClr val="accent1"/>
+            </a:effectRef>
+            <a:fontRef idx="minor">
+              <a:schemeClr val="lt1"/>
+            </a:fontRef>
+          </p:style>
+          <p:txBody>
+            <a:bodyPr rtlCol="0" anchor="ctr"/>
+            <a:lstStyle/>
+            <a:p>
+              <a:pPr algn="ctr"/>
+              <a:endParaRPr lang="en-US"/>
+            </a:p>
+          </p:txBody>
+        </p:sp>
+        <p:sp>
+          <p:nvSpPr>
+            <p:cNvPr id="71" name="Oval 70">
+              <a:extLst>
+                <a:ext uri="{FF2B5EF4-FFF2-40B4-BE49-F238E27FC236}">
+                  <a16:creationId xmlns:a16="http://schemas.microsoft.com/office/drawing/2014/main" id="{3FA0EE88-5F87-45DF-9868-E3595A10FEB0}"/>
+                </a:ext>
+              </a:extLst>
+            </p:cNvPr>
+            <p:cNvSpPr/>
+            <p:nvPr/>
+          </p:nvSpPr>
+          <p:spPr>
+            <a:xfrm>
+              <a:off x="6438329" y="680349"/>
+              <a:ext cx="84667" cy="112566"/>
+            </a:xfrm>
+            <a:prstGeom prst="ellipse">
+              <a:avLst/>
+            </a:prstGeom>
+          </p:spPr>
+          <p:style>
+            <a:lnRef idx="2">
+              <a:schemeClr val="accent1">
+                <a:shade val="50000"/>
+              </a:schemeClr>
+            </a:lnRef>
+            <a:fillRef idx="1">
+              <a:schemeClr val="accent1"/>
+            </a:fillRef>
+            <a:effectRef idx="0">
+              <a:schemeClr val="accent1"/>
+            </a:effectRef>
+            <a:fontRef idx="minor">
+              <a:schemeClr val="lt1"/>
+            </a:fontRef>
+          </p:style>
+          <p:txBody>
+            <a:bodyPr rtlCol="0" anchor="ctr"/>
+            <a:lstStyle/>
+            <a:p>
+              <a:pPr algn="ctr"/>
+              <a:endParaRPr lang="en-US"/>
+            </a:p>
+          </p:txBody>
+        </p:sp>
+        <p:sp>
+          <p:nvSpPr>
+            <p:cNvPr id="72" name="Oval 71">
+              <a:extLst>
+                <a:ext uri="{FF2B5EF4-FFF2-40B4-BE49-F238E27FC236}">
+                  <a16:creationId xmlns:a16="http://schemas.microsoft.com/office/drawing/2014/main" id="{489796D3-E1A6-403E-A9C2-45C06572C28B}"/>
+                </a:ext>
+              </a:extLst>
+            </p:cNvPr>
+            <p:cNvSpPr/>
+            <p:nvPr/>
+          </p:nvSpPr>
+          <p:spPr>
+            <a:xfrm>
+              <a:off x="6523158" y="614485"/>
+              <a:ext cx="84667" cy="112566"/>
+            </a:xfrm>
+            <a:prstGeom prst="ellipse">
+              <a:avLst/>
+            </a:prstGeom>
+          </p:spPr>
+          <p:style>
+            <a:lnRef idx="2">
+              <a:schemeClr val="accent1">
+                <a:shade val="50000"/>
+              </a:schemeClr>
+            </a:lnRef>
+            <a:fillRef idx="1">
+              <a:schemeClr val="accent1"/>
+            </a:fillRef>
+            <a:effectRef idx="0">
+              <a:schemeClr val="accent1"/>
+            </a:effectRef>
+            <a:fontRef idx="minor">
+              <a:schemeClr val="lt1"/>
+            </a:fontRef>
+          </p:style>
+          <p:txBody>
+            <a:bodyPr rtlCol="0" anchor="ctr"/>
+            <a:lstStyle/>
+            <a:p>
+              <a:pPr algn="ctr"/>
+              <a:endParaRPr lang="en-US"/>
+            </a:p>
+          </p:txBody>
+        </p:sp>
+        <p:sp>
+          <p:nvSpPr>
+            <p:cNvPr id="73" name="Oval 72">
+              <a:extLst>
+                <a:ext uri="{FF2B5EF4-FFF2-40B4-BE49-F238E27FC236}">
+                  <a16:creationId xmlns:a16="http://schemas.microsoft.com/office/drawing/2014/main" id="{E0EE7CF3-8A3F-4571-97A7-492BCAC88F75}"/>
+                </a:ext>
+              </a:extLst>
+            </p:cNvPr>
+            <p:cNvSpPr/>
+            <p:nvPr/>
+          </p:nvSpPr>
+          <p:spPr>
+            <a:xfrm>
+              <a:off x="6118223" y="605337"/>
+              <a:ext cx="84667" cy="112566"/>
+            </a:xfrm>
+            <a:prstGeom prst="ellipse">
+              <a:avLst/>
+            </a:prstGeom>
+          </p:spPr>
+          <p:style>
+            <a:lnRef idx="2">
+              <a:schemeClr val="accent2">
+                <a:shade val="50000"/>
+              </a:schemeClr>
+            </a:lnRef>
+            <a:fillRef idx="1">
+              <a:schemeClr val="accent2"/>
+            </a:fillRef>
+            <a:effectRef idx="0">
+              <a:schemeClr val="accent2"/>
+            </a:effectRef>
+            <a:fontRef idx="minor">
+              <a:schemeClr val="lt1"/>
+            </a:fontRef>
+          </p:style>
+          <p:txBody>
+            <a:bodyPr rtlCol="0" anchor="ctr"/>
+            <a:lstStyle/>
+            <a:p>
+              <a:pPr algn="ctr"/>
+              <a:endParaRPr lang="en-US"/>
+            </a:p>
+          </p:txBody>
+        </p:sp>
+        <p:sp>
+          <p:nvSpPr>
+            <p:cNvPr id="74" name="Oval 73">
+              <a:extLst>
+                <a:ext uri="{FF2B5EF4-FFF2-40B4-BE49-F238E27FC236}">
+                  <a16:creationId xmlns:a16="http://schemas.microsoft.com/office/drawing/2014/main" id="{15B88504-E92A-4865-B1EE-9D435EF44326}"/>
+                </a:ext>
+              </a:extLst>
+            </p:cNvPr>
+            <p:cNvSpPr/>
+            <p:nvPr/>
+          </p:nvSpPr>
+          <p:spPr>
+            <a:xfrm>
+              <a:off x="6499382" y="519700"/>
+              <a:ext cx="84667" cy="112566"/>
+            </a:xfrm>
+            <a:prstGeom prst="ellipse">
+              <a:avLst/>
+            </a:prstGeom>
+          </p:spPr>
+          <p:style>
+            <a:lnRef idx="2">
+              <a:schemeClr val="accent5">
+                <a:shade val="50000"/>
+              </a:schemeClr>
+            </a:lnRef>
+            <a:fillRef idx="1">
+              <a:schemeClr val="accent5"/>
+            </a:fillRef>
+            <a:effectRef idx="0">
+              <a:schemeClr val="accent5"/>
+            </a:effectRef>
+            <a:fontRef idx="minor">
+              <a:schemeClr val="lt1"/>
+            </a:fontRef>
+          </p:style>
+          <p:txBody>
+            <a:bodyPr rtlCol="0" anchor="ctr"/>
+            <a:lstStyle/>
+            <a:p>
+              <a:pPr algn="ctr"/>
+              <a:endParaRPr lang="en-US"/>
+            </a:p>
+          </p:txBody>
+        </p:sp>
+        <p:sp>
+          <p:nvSpPr>
+            <p:cNvPr id="75" name="Oval 74">
+              <a:extLst>
+                <a:ext uri="{FF2B5EF4-FFF2-40B4-BE49-F238E27FC236}">
+                  <a16:creationId xmlns:a16="http://schemas.microsoft.com/office/drawing/2014/main" id="{DF711C92-A445-4C87-9A18-CE23E88278DC}"/>
+                </a:ext>
+              </a:extLst>
+            </p:cNvPr>
+            <p:cNvSpPr/>
+            <p:nvPr/>
+          </p:nvSpPr>
+          <p:spPr>
+            <a:xfrm>
+              <a:off x="6324187" y="683931"/>
+              <a:ext cx="84667" cy="112566"/>
+            </a:xfrm>
+            <a:prstGeom prst="ellipse">
+              <a:avLst/>
+            </a:prstGeom>
+          </p:spPr>
+          <p:style>
+            <a:lnRef idx="2">
+              <a:schemeClr val="accent2">
+                <a:shade val="50000"/>
+              </a:schemeClr>
+            </a:lnRef>
+            <a:fillRef idx="1">
+              <a:schemeClr val="accent2"/>
+            </a:fillRef>
+            <a:effectRef idx="0">
+              <a:schemeClr val="accent2"/>
+            </a:effectRef>
+            <a:fontRef idx="minor">
+              <a:schemeClr val="lt1"/>
+            </a:fontRef>
+          </p:style>
+          <p:txBody>
+            <a:bodyPr rtlCol="0" anchor="ctr"/>
+            <a:lstStyle/>
+            <a:p>
+              <a:pPr algn="ctr"/>
+              <a:endParaRPr lang="en-US"/>
+            </a:p>
+          </p:txBody>
+        </p:sp>
+        <p:sp>
+          <p:nvSpPr>
+            <p:cNvPr id="76" name="Oval 75">
+              <a:extLst>
+                <a:ext uri="{FF2B5EF4-FFF2-40B4-BE49-F238E27FC236}">
+                  <a16:creationId xmlns:a16="http://schemas.microsoft.com/office/drawing/2014/main" id="{D053354A-EF94-4BF0-B092-D53B23C944B7}"/>
+                </a:ext>
+              </a:extLst>
+            </p:cNvPr>
+            <p:cNvSpPr/>
+            <p:nvPr/>
+          </p:nvSpPr>
+          <p:spPr>
+            <a:xfrm>
+              <a:off x="6609942" y="520814"/>
+              <a:ext cx="84667" cy="112566"/>
+            </a:xfrm>
+            <a:prstGeom prst="ellipse">
+              <a:avLst/>
+            </a:prstGeom>
+          </p:spPr>
+          <p:style>
+            <a:lnRef idx="2">
+              <a:schemeClr val="accent1">
+                <a:shade val="50000"/>
+              </a:schemeClr>
+            </a:lnRef>
+            <a:fillRef idx="1">
+              <a:schemeClr val="accent1"/>
+            </a:fillRef>
+            <a:effectRef idx="0">
+              <a:schemeClr val="accent1"/>
+            </a:effectRef>
+            <a:fontRef idx="minor">
+              <a:schemeClr val="lt1"/>
+            </a:fontRef>
+          </p:style>
+          <p:txBody>
+            <a:bodyPr rtlCol="0" anchor="ctr"/>
+            <a:lstStyle/>
+            <a:p>
+              <a:pPr algn="ctr"/>
+              <a:endParaRPr lang="en-US"/>
+            </a:p>
+          </p:txBody>
+        </p:sp>
+        <p:sp>
+          <p:nvSpPr>
+            <p:cNvPr id="77" name="Oval 76">
+              <a:extLst>
+                <a:ext uri="{FF2B5EF4-FFF2-40B4-BE49-F238E27FC236}">
+                  <a16:creationId xmlns:a16="http://schemas.microsoft.com/office/drawing/2014/main" id="{EDED5AB9-4ABF-4329-B7F5-2DFBFF80CE93}"/>
+                </a:ext>
+              </a:extLst>
+            </p:cNvPr>
+            <p:cNvSpPr/>
+            <p:nvPr/>
+          </p:nvSpPr>
+          <p:spPr>
+            <a:xfrm>
+              <a:off x="6191006" y="581947"/>
+              <a:ext cx="84667" cy="112566"/>
+            </a:xfrm>
+            <a:prstGeom prst="ellipse">
+              <a:avLst/>
+            </a:prstGeom>
+          </p:spPr>
+          <p:style>
+            <a:lnRef idx="2">
+              <a:schemeClr val="accent1">
+                <a:shade val="50000"/>
+              </a:schemeClr>
+            </a:lnRef>
+            <a:fillRef idx="1">
+              <a:schemeClr val="accent1"/>
+            </a:fillRef>
+            <a:effectRef idx="0">
+              <a:schemeClr val="accent1"/>
+            </a:effectRef>
+            <a:fontRef idx="minor">
+              <a:schemeClr val="lt1"/>
+            </a:fontRef>
+          </p:style>
+          <p:txBody>
+            <a:bodyPr rtlCol="0" anchor="ctr"/>
+            <a:lstStyle/>
+            <a:p>
+              <a:pPr algn="ctr"/>
+              <a:endParaRPr lang="en-US"/>
+            </a:p>
+          </p:txBody>
+        </p:sp>
+        <p:sp>
+          <p:nvSpPr>
+            <p:cNvPr id="78" name="Oval 77">
+              <a:extLst>
+                <a:ext uri="{FF2B5EF4-FFF2-40B4-BE49-F238E27FC236}">
+                  <a16:creationId xmlns:a16="http://schemas.microsoft.com/office/drawing/2014/main" id="{4B29018C-74FC-4606-84E8-7926D1C1AE9F}"/>
+                </a:ext>
+              </a:extLst>
+            </p:cNvPr>
+            <p:cNvSpPr/>
+            <p:nvPr/>
+          </p:nvSpPr>
+          <p:spPr>
+            <a:xfrm>
+              <a:off x="6290893" y="595382"/>
+              <a:ext cx="84667" cy="112566"/>
+            </a:xfrm>
+            <a:prstGeom prst="ellipse">
+              <a:avLst/>
+            </a:prstGeom>
+          </p:spPr>
+          <p:style>
+            <a:lnRef idx="2">
+              <a:schemeClr val="accent1">
+                <a:shade val="50000"/>
+              </a:schemeClr>
+            </a:lnRef>
+            <a:fillRef idx="1">
+              <a:schemeClr val="accent1"/>
+            </a:fillRef>
+            <a:effectRef idx="0">
+              <a:schemeClr val="accent1"/>
+            </a:effectRef>
+            <a:fontRef idx="minor">
+              <a:schemeClr val="lt1"/>
+            </a:fontRef>
+          </p:style>
+          <p:txBody>
+            <a:bodyPr rtlCol="0" anchor="ctr"/>
+            <a:lstStyle/>
+            <a:p>
+              <a:pPr algn="ctr"/>
+              <a:endParaRPr lang="en-US"/>
+            </a:p>
+          </p:txBody>
+        </p:sp>
+        <p:sp>
+          <p:nvSpPr>
+            <p:cNvPr id="79" name="Oval 78">
+              <a:extLst>
+                <a:ext uri="{FF2B5EF4-FFF2-40B4-BE49-F238E27FC236}">
+                  <a16:creationId xmlns:a16="http://schemas.microsoft.com/office/drawing/2014/main" id="{BCF5FA9F-AB3C-45AB-A34E-4CD7CCA19702}"/>
+                </a:ext>
+              </a:extLst>
+            </p:cNvPr>
+            <p:cNvSpPr/>
+            <p:nvPr/>
+          </p:nvSpPr>
+          <p:spPr>
+            <a:xfrm>
+              <a:off x="6390942" y="595382"/>
+              <a:ext cx="84667" cy="112566"/>
+            </a:xfrm>
+            <a:prstGeom prst="ellipse">
+              <a:avLst/>
+            </a:prstGeom>
+          </p:spPr>
+          <p:style>
+            <a:lnRef idx="2">
+              <a:schemeClr val="accent1">
+                <a:shade val="50000"/>
+              </a:schemeClr>
+            </a:lnRef>
+            <a:fillRef idx="1">
+              <a:schemeClr val="accent1"/>
+            </a:fillRef>
+            <a:effectRef idx="0">
+              <a:schemeClr val="accent1"/>
+            </a:effectRef>
+            <a:fontRef idx="minor">
+              <a:schemeClr val="lt1"/>
+            </a:fontRef>
+          </p:style>
+          <p:txBody>
+            <a:bodyPr rtlCol="0" anchor="ctr"/>
+            <a:lstStyle/>
+            <a:p>
+              <a:pPr algn="ctr"/>
+              <a:endParaRPr lang="en-US"/>
+            </a:p>
+          </p:txBody>
+        </p:sp>
+        <p:sp>
+          <p:nvSpPr>
+            <p:cNvPr id="80" name="Oval 79">
+              <a:extLst>
+                <a:ext uri="{FF2B5EF4-FFF2-40B4-BE49-F238E27FC236}">
+                  <a16:creationId xmlns:a16="http://schemas.microsoft.com/office/drawing/2014/main" id="{0F2FDE2D-9B57-455E-9E05-1D9305C959A0}"/>
+                </a:ext>
+              </a:extLst>
+            </p:cNvPr>
+            <p:cNvSpPr/>
+            <p:nvPr/>
+          </p:nvSpPr>
+          <p:spPr>
+            <a:xfrm>
+              <a:off x="6390780" y="509744"/>
+              <a:ext cx="84667" cy="112566"/>
+            </a:xfrm>
+            <a:prstGeom prst="ellipse">
+              <a:avLst/>
+            </a:prstGeom>
+          </p:spPr>
+          <p:style>
+            <a:lnRef idx="2">
+              <a:schemeClr val="accent1">
+                <a:shade val="50000"/>
+              </a:schemeClr>
+            </a:lnRef>
+            <a:fillRef idx="1">
+              <a:schemeClr val="accent1"/>
+            </a:fillRef>
+            <a:effectRef idx="0">
+              <a:schemeClr val="accent1"/>
+            </a:effectRef>
+            <a:fontRef idx="minor">
+              <a:schemeClr val="lt1"/>
+            </a:fontRef>
+          </p:style>
+          <p:txBody>
+            <a:bodyPr rtlCol="0" anchor="ctr"/>
+            <a:lstStyle/>
+            <a:p>
+              <a:pPr algn="ctr"/>
+              <a:endParaRPr lang="en-US"/>
+            </a:p>
+          </p:txBody>
+        </p:sp>
+        <p:sp>
+          <p:nvSpPr>
+            <p:cNvPr id="81" name="Oval 80">
+              <a:extLst>
+                <a:ext uri="{FF2B5EF4-FFF2-40B4-BE49-F238E27FC236}">
+                  <a16:creationId xmlns:a16="http://schemas.microsoft.com/office/drawing/2014/main" id="{FB09A3D3-9367-4D01-A5EA-C6698B813D03}"/>
+                </a:ext>
+              </a:extLst>
+            </p:cNvPr>
+            <p:cNvSpPr/>
+            <p:nvPr/>
+          </p:nvSpPr>
+          <p:spPr>
+            <a:xfrm>
+              <a:off x="6288043" y="490561"/>
+              <a:ext cx="84667" cy="112566"/>
+            </a:xfrm>
+            <a:prstGeom prst="ellipse">
+              <a:avLst/>
+            </a:prstGeom>
+          </p:spPr>
+          <p:style>
+            <a:lnRef idx="2">
+              <a:schemeClr val="accent1">
+                <a:shade val="50000"/>
+              </a:schemeClr>
+            </a:lnRef>
+            <a:fillRef idx="1">
+              <a:schemeClr val="accent1"/>
+            </a:fillRef>
+            <a:effectRef idx="0">
+              <a:schemeClr val="accent1"/>
+            </a:effectRef>
+            <a:fontRef idx="minor">
+              <a:schemeClr val="lt1"/>
+            </a:fontRef>
+          </p:style>
+          <p:txBody>
+            <a:bodyPr rtlCol="0" anchor="ctr"/>
+            <a:lstStyle/>
+            <a:p>
+              <a:pPr algn="ctr"/>
+              <a:endParaRPr lang="en-US"/>
+            </a:p>
+          </p:txBody>
+        </p:sp>
+        <p:sp>
+          <p:nvSpPr>
+            <p:cNvPr id="82" name="Oval 81">
+              <a:extLst>
+                <a:ext uri="{FF2B5EF4-FFF2-40B4-BE49-F238E27FC236}">
+                  <a16:creationId xmlns:a16="http://schemas.microsoft.com/office/drawing/2014/main" id="{5441514D-4DFC-4633-B4DF-D9203B49AB0D}"/>
+                </a:ext>
+              </a:extLst>
+            </p:cNvPr>
+            <p:cNvSpPr/>
+            <p:nvPr/>
+          </p:nvSpPr>
+          <p:spPr>
+            <a:xfrm>
+              <a:off x="6073039" y="504027"/>
+              <a:ext cx="84667" cy="112566"/>
+            </a:xfrm>
+            <a:prstGeom prst="ellipse">
+              <a:avLst/>
+            </a:prstGeom>
+          </p:spPr>
+          <p:style>
+            <a:lnRef idx="2">
+              <a:schemeClr val="accent5">
+                <a:shade val="50000"/>
+              </a:schemeClr>
+            </a:lnRef>
+            <a:fillRef idx="1">
+              <a:schemeClr val="accent5"/>
+            </a:fillRef>
+            <a:effectRef idx="0">
+              <a:schemeClr val="accent5"/>
+            </a:effectRef>
+            <a:fontRef idx="minor">
+              <a:schemeClr val="lt1"/>
+            </a:fontRef>
+          </p:style>
+          <p:txBody>
+            <a:bodyPr rtlCol="0" anchor="ctr"/>
+            <a:lstStyle/>
+            <a:p>
+              <a:pPr algn="ctr"/>
+              <a:endParaRPr lang="en-US"/>
+            </a:p>
+          </p:txBody>
+        </p:sp>
+        <p:sp>
+          <p:nvSpPr>
+            <p:cNvPr id="83" name="Oval 82">
+              <a:extLst>
+                <a:ext uri="{FF2B5EF4-FFF2-40B4-BE49-F238E27FC236}">
+                  <a16:creationId xmlns:a16="http://schemas.microsoft.com/office/drawing/2014/main" id="{FE4ECACA-C0CE-4F14-AEC2-0D5C5BA93D91}"/>
+                </a:ext>
+              </a:extLst>
+            </p:cNvPr>
+            <p:cNvSpPr/>
+            <p:nvPr/>
+          </p:nvSpPr>
+          <p:spPr>
+            <a:xfrm>
+              <a:off x="6175536" y="478226"/>
+              <a:ext cx="84667" cy="112566"/>
+            </a:xfrm>
+            <a:prstGeom prst="ellipse">
+              <a:avLst/>
+            </a:prstGeom>
+          </p:spPr>
+          <p:style>
+            <a:lnRef idx="2">
+              <a:schemeClr val="accent1">
+                <a:shade val="50000"/>
+              </a:schemeClr>
+            </a:lnRef>
+            <a:fillRef idx="1">
+              <a:schemeClr val="accent1"/>
+            </a:fillRef>
+            <a:effectRef idx="0">
+              <a:schemeClr val="accent1"/>
+            </a:effectRef>
+            <a:fontRef idx="minor">
+              <a:schemeClr val="lt1"/>
+            </a:fontRef>
+          </p:style>
+          <p:txBody>
+            <a:bodyPr rtlCol="0" anchor="ctr"/>
+            <a:lstStyle/>
+            <a:p>
+              <a:pPr algn="ctr"/>
+              <a:endParaRPr lang="en-US"/>
+            </a:p>
+          </p:txBody>
+        </p:sp>
+        <p:sp>
+          <p:nvSpPr>
+            <p:cNvPr id="92" name="Oval 91">
+              <a:extLst>
+                <a:ext uri="{FF2B5EF4-FFF2-40B4-BE49-F238E27FC236}">
+                  <a16:creationId xmlns:a16="http://schemas.microsoft.com/office/drawing/2014/main" id="{BF1D29BD-910F-46F6-9045-F866240E3644}"/>
+                </a:ext>
+              </a:extLst>
+            </p:cNvPr>
+            <p:cNvSpPr/>
+            <p:nvPr/>
+          </p:nvSpPr>
+          <p:spPr>
+            <a:xfrm>
+              <a:off x="6355853" y="135444"/>
+              <a:ext cx="84667" cy="112566"/>
+            </a:xfrm>
+            <a:prstGeom prst="ellipse">
+              <a:avLst/>
+            </a:prstGeom>
+          </p:spPr>
+          <p:style>
+            <a:lnRef idx="2">
+              <a:schemeClr val="accent1">
+                <a:shade val="50000"/>
+              </a:schemeClr>
+            </a:lnRef>
+            <a:fillRef idx="1">
+              <a:schemeClr val="accent1"/>
+            </a:fillRef>
+            <a:effectRef idx="0">
+              <a:schemeClr val="accent1"/>
+            </a:effectRef>
+            <a:fontRef idx="minor">
+              <a:schemeClr val="lt1"/>
+            </a:fontRef>
+          </p:style>
+          <p:txBody>
+            <a:bodyPr rtlCol="0" anchor="ctr"/>
+            <a:lstStyle/>
+            <a:p>
+              <a:pPr algn="ctr"/>
+              <a:endParaRPr lang="en-US"/>
+            </a:p>
+          </p:txBody>
+        </p:sp>
+        <p:grpSp>
+          <p:nvGrpSpPr>
+            <p:cNvPr id="94" name="Group 93">
+              <a:extLst>
+                <a:ext uri="{FF2B5EF4-FFF2-40B4-BE49-F238E27FC236}">
+                  <a16:creationId xmlns:a16="http://schemas.microsoft.com/office/drawing/2014/main" id="{2407CBA7-4212-45A2-BAD6-5940A11B5AA1}"/>
+                </a:ext>
+              </a:extLst>
+            </p:cNvPr>
+            <p:cNvGrpSpPr/>
+            <p:nvPr/>
+          </p:nvGrpSpPr>
+          <p:grpSpPr>
+            <a:xfrm>
+              <a:off x="6233339" y="212699"/>
+              <a:ext cx="294553" cy="258514"/>
+              <a:chOff x="5175562" y="251312"/>
+              <a:chExt cx="294553" cy="258514"/>
+            </a:xfrm>
+          </p:grpSpPr>
+          <p:cxnSp>
+            <p:nvCxnSpPr>
+              <p:cNvPr id="95" name="Straight Arrow Connector 94">
+                <a:extLst>
+                  <a:ext uri="{FF2B5EF4-FFF2-40B4-BE49-F238E27FC236}">
+                    <a16:creationId xmlns:a16="http://schemas.microsoft.com/office/drawing/2014/main" id="{219FCC5B-2BD6-4067-B2C2-8257FFD7D589}"/>
+                  </a:ext>
+                </a:extLst>
+              </p:cNvPr>
+              <p:cNvCxnSpPr>
+                <a:cxnSpLocks/>
+              </p:cNvCxnSpPr>
+              <p:nvPr/>
+            </p:nvCxnSpPr>
+            <p:spPr>
+              <a:xfrm flipH="1">
+                <a:off x="5175562" y="263781"/>
+                <a:ext cx="147209" cy="198388"/>
+              </a:xfrm>
+              <a:prstGeom prst="straightConnector1">
+                <a:avLst/>
+              </a:prstGeom>
+              <a:ln>
+                <a:tailEnd type="triangle"/>
+              </a:ln>
+            </p:spPr>
+            <p:style>
+              <a:lnRef idx="1">
+                <a:schemeClr val="accent1"/>
+              </a:lnRef>
+              <a:fillRef idx="0">
+                <a:schemeClr val="accent1"/>
+              </a:fillRef>
+              <a:effectRef idx="0">
+                <a:schemeClr val="accent1"/>
+              </a:effectRef>
+              <a:fontRef idx="minor">
+                <a:schemeClr val="tx1"/>
+              </a:fontRef>
+            </p:style>
+          </p:cxnSp>
+          <p:cxnSp>
+            <p:nvCxnSpPr>
+              <p:cNvPr id="96" name="Straight Arrow Connector 95">
+                <a:extLst>
+                  <a:ext uri="{FF2B5EF4-FFF2-40B4-BE49-F238E27FC236}">
+                    <a16:creationId xmlns:a16="http://schemas.microsoft.com/office/drawing/2014/main" id="{5440D8AA-BDB0-446C-9803-0B6A84E3D72F}"/>
+                  </a:ext>
+                </a:extLst>
+              </p:cNvPr>
+              <p:cNvCxnSpPr>
+                <a:cxnSpLocks/>
+              </p:cNvCxnSpPr>
+              <p:nvPr/>
+            </p:nvCxnSpPr>
+            <p:spPr>
+              <a:xfrm flipH="1">
+                <a:off x="5334770" y="268013"/>
+                <a:ext cx="4988" cy="241813"/>
+              </a:xfrm>
+              <a:prstGeom prst="straightConnector1">
+                <a:avLst/>
+              </a:prstGeom>
+              <a:ln>
+                <a:tailEnd type="triangle"/>
+              </a:ln>
+            </p:spPr>
+            <p:style>
+              <a:lnRef idx="1">
+                <a:schemeClr val="accent1"/>
+              </a:lnRef>
+              <a:fillRef idx="0">
+                <a:schemeClr val="accent1"/>
+              </a:fillRef>
+              <a:effectRef idx="0">
+                <a:schemeClr val="accent1"/>
+              </a:effectRef>
+              <a:fontRef idx="minor">
+                <a:schemeClr val="tx1"/>
+              </a:fontRef>
+            </p:style>
+          </p:cxnSp>
+          <p:cxnSp>
+            <p:nvCxnSpPr>
+              <p:cNvPr id="97" name="Straight Arrow Connector 96">
+                <a:extLst>
+                  <a:ext uri="{FF2B5EF4-FFF2-40B4-BE49-F238E27FC236}">
+                    <a16:creationId xmlns:a16="http://schemas.microsoft.com/office/drawing/2014/main" id="{DA096986-D9FF-4117-B788-C5B9BA11FCA2}"/>
+                  </a:ext>
+                </a:extLst>
+              </p:cNvPr>
+              <p:cNvCxnSpPr>
+                <a:cxnSpLocks/>
+              </p:cNvCxnSpPr>
+              <p:nvPr/>
+            </p:nvCxnSpPr>
+            <p:spPr>
+              <a:xfrm>
+                <a:off x="5327667" y="251312"/>
+                <a:ext cx="142448" cy="196714"/>
+              </a:xfrm>
+              <a:prstGeom prst="straightConnector1">
+                <a:avLst/>
+              </a:prstGeom>
+              <a:ln>
+                <a:tailEnd type="triangle"/>
+              </a:ln>
+            </p:spPr>
+            <p:style>
+              <a:lnRef idx="1">
+                <a:schemeClr val="accent1"/>
+              </a:lnRef>
+              <a:fillRef idx="0">
+                <a:schemeClr val="accent1"/>
+              </a:fillRef>
+              <a:effectRef idx="0">
+                <a:schemeClr val="accent1"/>
+              </a:effectRef>
+              <a:fontRef idx="minor">
+                <a:schemeClr val="tx1"/>
+              </a:fontRef>
+            </p:style>
+          </p:cxnSp>
+        </p:grpSp>
+      </p:grpSp>
+      <p:cxnSp>
+        <p:nvCxnSpPr>
+          <p:cNvPr id="101" name="Straight Arrow Connector 100">
+            <a:extLst>
+              <a:ext uri="{FF2B5EF4-FFF2-40B4-BE49-F238E27FC236}">
+                <a16:creationId xmlns:a16="http://schemas.microsoft.com/office/drawing/2014/main" id="{3C342CD8-B52F-4950-851B-5D03DD5D27E2}"/>
+              </a:ext>
+            </a:extLst>
+          </p:cNvPr>
+          <p:cNvCxnSpPr/>
+          <p:nvPr/>
+        </p:nvCxnSpPr>
+        <p:spPr>
+          <a:xfrm>
+            <a:off x="5557603" y="568904"/>
+            <a:ext cx="0" cy="419015"/>
+          </a:xfrm>
+          <a:prstGeom prst="straightConnector1">
+            <a:avLst/>
+          </a:prstGeom>
+          <a:ln>
+            <a:solidFill>
+              <a:schemeClr val="tx1"/>
+            </a:solidFill>
+            <a:headEnd type="triangle"/>
+            <a:tailEnd type="triangle"/>
+          </a:ln>
+        </p:spPr>
+        <p:style>
+          <a:lnRef idx="1">
+            <a:schemeClr val="accent1"/>
+          </a:lnRef>
+          <a:fillRef idx="0">
+            <a:schemeClr val="accent1"/>
+          </a:fillRef>
+          <a:effectRef idx="0">
+            <a:schemeClr val="accent1"/>
+          </a:effectRef>
+          <a:fontRef idx="minor">
+            <a:schemeClr val="tx1"/>
+          </a:fontRef>
+        </p:style>
+      </p:cxnSp>
+      <p:sp>
+        <p:nvSpPr>
+          <p:cNvPr id="102" name="TextBox 101">
+            <a:extLst>
+              <a:ext uri="{FF2B5EF4-FFF2-40B4-BE49-F238E27FC236}">
+                <a16:creationId xmlns:a16="http://schemas.microsoft.com/office/drawing/2014/main" id="{4B6B2C6B-61E6-45F6-86ED-E94802077D3A}"/>
+              </a:ext>
+            </a:extLst>
+          </p:cNvPr>
+          <p:cNvSpPr txBox="1"/>
+          <p:nvPr/>
+        </p:nvSpPr>
+        <p:spPr>
+          <a:xfrm>
+            <a:off x="5504867" y="568904"/>
+            <a:ext cx="1108503" cy="369332"/>
+          </a:xfrm>
+          <a:prstGeom prst="rect">
+            <a:avLst/>
+          </a:prstGeom>
+          <a:noFill/>
+          <a:ln>
+            <a:noFill/>
+          </a:ln>
+        </p:spPr>
+        <p:txBody>
+          <a:bodyPr wrap="square" rtlCol="0">
+            <a:spAutoFit/>
+          </a:bodyPr>
+          <a:lstStyle/>
+          <a:p>
+            <a:r>
+              <a:rPr lang="en-US" dirty="0"/>
+              <a:t>Full-well</a:t>
+            </a:r>
+          </a:p>
+        </p:txBody>
+      </p:sp>
+      <p:sp>
+        <p:nvSpPr>
+          <p:cNvPr id="103" name="Oval 102">
+            <a:extLst>
+              <a:ext uri="{FF2B5EF4-FFF2-40B4-BE49-F238E27FC236}">
+                <a16:creationId xmlns:a16="http://schemas.microsoft.com/office/drawing/2014/main" id="{79603FCF-7D94-41AD-954E-81F587DB0C3C}"/>
+              </a:ext>
+            </a:extLst>
+          </p:cNvPr>
+          <p:cNvSpPr/>
+          <p:nvPr/>
+        </p:nvSpPr>
+        <p:spPr>
+          <a:xfrm>
+            <a:off x="7604636" y="156902"/>
+            <a:ext cx="84667" cy="112566"/>
+          </a:xfrm>
+          <a:prstGeom prst="ellipse">
+            <a:avLst/>
+          </a:prstGeom>
+        </p:spPr>
+        <p:style>
+          <a:lnRef idx="2">
+            <a:schemeClr val="accent1">
+              <a:shade val="50000"/>
+            </a:schemeClr>
+          </a:lnRef>
+          <a:fillRef idx="1">
+            <a:schemeClr val="accent1"/>
+          </a:fillRef>
+          <a:effectRef idx="0">
+            <a:schemeClr val="accent1"/>
+          </a:effectRef>
+          <a:fontRef idx="minor">
+            <a:schemeClr val="lt1"/>
+          </a:fontRef>
+        </p:style>
+        <p:txBody>
+          <a:bodyPr rtlCol="0" anchor="ctr"/>
+          <a:lstStyle/>
+          <a:p>
+            <a:pPr algn="ctr"/>
+            <a:endParaRPr lang="en-US"/>
+          </a:p>
+        </p:txBody>
+      </p:sp>
+      <p:sp>
+        <p:nvSpPr>
+          <p:cNvPr id="104" name="TextBox 103">
+            <a:extLst>
+              <a:ext uri="{FF2B5EF4-FFF2-40B4-BE49-F238E27FC236}">
+                <a16:creationId xmlns:a16="http://schemas.microsoft.com/office/drawing/2014/main" id="{BD4954EE-F9E7-45CD-BCCC-FC3AB3D30364}"/>
+              </a:ext>
+            </a:extLst>
+          </p:cNvPr>
+          <p:cNvSpPr txBox="1"/>
+          <p:nvPr/>
+        </p:nvSpPr>
+        <p:spPr>
+          <a:xfrm>
+            <a:off x="7717224" y="37556"/>
+            <a:ext cx="1108503" cy="369332"/>
+          </a:xfrm>
+          <a:prstGeom prst="rect">
+            <a:avLst/>
+          </a:prstGeom>
+          <a:noFill/>
+        </p:spPr>
+        <p:txBody>
+          <a:bodyPr wrap="square" rtlCol="0">
+            <a:spAutoFit/>
+          </a:bodyPr>
+          <a:lstStyle/>
+          <a:p>
+            <a:r>
+              <a:rPr lang="en-US" dirty="0"/>
+              <a:t>Photons</a:t>
+            </a:r>
+          </a:p>
+        </p:txBody>
+      </p:sp>
+      <p:sp>
+        <p:nvSpPr>
+          <p:cNvPr id="105" name="Oval 104">
+            <a:extLst>
+              <a:ext uri="{FF2B5EF4-FFF2-40B4-BE49-F238E27FC236}">
+                <a16:creationId xmlns:a16="http://schemas.microsoft.com/office/drawing/2014/main" id="{82CFE3E2-BEBA-4898-8EFC-CCD3F7666D57}"/>
+              </a:ext>
+            </a:extLst>
+          </p:cNvPr>
+          <p:cNvSpPr/>
+          <p:nvPr/>
+        </p:nvSpPr>
+        <p:spPr>
+          <a:xfrm>
+            <a:off x="7604636" y="394324"/>
+            <a:ext cx="84667" cy="112566"/>
+          </a:xfrm>
+          <a:prstGeom prst="ellipse">
+            <a:avLst/>
+          </a:prstGeom>
+        </p:spPr>
+        <p:style>
+          <a:lnRef idx="2">
+            <a:schemeClr val="accent5">
+              <a:shade val="50000"/>
+            </a:schemeClr>
+          </a:lnRef>
+          <a:fillRef idx="1">
+            <a:schemeClr val="accent5"/>
+          </a:fillRef>
+          <a:effectRef idx="0">
+            <a:schemeClr val="accent5"/>
+          </a:effectRef>
+          <a:fontRef idx="minor">
+            <a:schemeClr val="lt1"/>
+          </a:fontRef>
+        </p:style>
+        <p:txBody>
+          <a:bodyPr rtlCol="0" anchor="ctr"/>
+          <a:lstStyle/>
+          <a:p>
+            <a:pPr algn="ctr"/>
+            <a:endParaRPr lang="en-US"/>
+          </a:p>
+        </p:txBody>
+      </p:sp>
+      <p:sp>
+        <p:nvSpPr>
+          <p:cNvPr id="106" name="TextBox 105">
+            <a:extLst>
+              <a:ext uri="{FF2B5EF4-FFF2-40B4-BE49-F238E27FC236}">
+                <a16:creationId xmlns:a16="http://schemas.microsoft.com/office/drawing/2014/main" id="{B56D0E76-40EF-4E3C-BA62-64DA99CDDBD1}"/>
+              </a:ext>
+            </a:extLst>
+          </p:cNvPr>
+          <p:cNvSpPr txBox="1"/>
+          <p:nvPr/>
+        </p:nvSpPr>
+        <p:spPr>
+          <a:xfrm>
+            <a:off x="7717224" y="279758"/>
+            <a:ext cx="1312476" cy="369332"/>
+          </a:xfrm>
+          <a:prstGeom prst="rect">
+            <a:avLst/>
+          </a:prstGeom>
+          <a:noFill/>
+        </p:spPr>
+        <p:txBody>
+          <a:bodyPr wrap="square" rtlCol="0">
+            <a:spAutoFit/>
+          </a:bodyPr>
+          <a:lstStyle/>
+          <a:p>
+            <a:r>
+              <a:rPr lang="en-US" dirty="0"/>
+              <a:t>Read-noise</a:t>
+            </a:r>
+          </a:p>
+        </p:txBody>
+      </p:sp>
+      <p:sp>
+        <p:nvSpPr>
+          <p:cNvPr id="107" name="Oval 106">
+            <a:extLst>
+              <a:ext uri="{FF2B5EF4-FFF2-40B4-BE49-F238E27FC236}">
+                <a16:creationId xmlns:a16="http://schemas.microsoft.com/office/drawing/2014/main" id="{35E16401-7AD9-4592-B5EA-A24B5C3A756A}"/>
+              </a:ext>
+            </a:extLst>
+          </p:cNvPr>
+          <p:cNvSpPr/>
+          <p:nvPr/>
+        </p:nvSpPr>
+        <p:spPr>
+          <a:xfrm>
+            <a:off x="7604359" y="645010"/>
+            <a:ext cx="84667" cy="112566"/>
+          </a:xfrm>
+          <a:prstGeom prst="ellipse">
+            <a:avLst/>
+          </a:prstGeom>
+        </p:spPr>
+        <p:style>
+          <a:lnRef idx="2">
+            <a:schemeClr val="accent2">
+              <a:shade val="50000"/>
+            </a:schemeClr>
+          </a:lnRef>
+          <a:fillRef idx="1">
+            <a:schemeClr val="accent2"/>
+          </a:fillRef>
+          <a:effectRef idx="0">
+            <a:schemeClr val="accent2"/>
+          </a:effectRef>
+          <a:fontRef idx="minor">
+            <a:schemeClr val="lt1"/>
+          </a:fontRef>
+        </p:style>
+        <p:txBody>
+          <a:bodyPr rtlCol="0" anchor="ctr"/>
+          <a:lstStyle/>
+          <a:p>
+            <a:pPr algn="ctr"/>
+            <a:endParaRPr lang="en-US"/>
+          </a:p>
+        </p:txBody>
+      </p:sp>
+      <p:sp>
+        <p:nvSpPr>
+          <p:cNvPr id="108" name="TextBox 107">
+            <a:extLst>
+              <a:ext uri="{FF2B5EF4-FFF2-40B4-BE49-F238E27FC236}">
+                <a16:creationId xmlns:a16="http://schemas.microsoft.com/office/drawing/2014/main" id="{6BA20351-0F7F-4DCC-BBF9-7EBD2169D534}"/>
+              </a:ext>
+            </a:extLst>
+          </p:cNvPr>
+          <p:cNvSpPr txBox="1"/>
+          <p:nvPr/>
+        </p:nvSpPr>
+        <p:spPr>
+          <a:xfrm>
+            <a:off x="7708994" y="534808"/>
+            <a:ext cx="1545069" cy="369332"/>
+          </a:xfrm>
+          <a:prstGeom prst="rect">
+            <a:avLst/>
+          </a:prstGeom>
+          <a:noFill/>
+        </p:spPr>
+        <p:txBody>
+          <a:bodyPr wrap="square" rtlCol="0">
+            <a:spAutoFit/>
+          </a:bodyPr>
+          <a:lstStyle/>
+          <a:p>
+            <a:r>
+              <a:rPr lang="en-US" dirty="0"/>
+              <a:t>Dark-current</a:t>
+            </a:r>
+          </a:p>
+        </p:txBody>
+      </p:sp>
     </p:spTree>
     <p:extLst>
       <p:ext uri="{BB962C8B-B14F-4D97-AF65-F5344CB8AC3E}">
@@ -28863,8 +32000,8 @@
           </a:p>
         </p:txBody>
       </p:sp>
-      <mc:AlternateContent xmlns:mc="http://schemas.openxmlformats.org/markup-compatibility/2006">
-        <mc:Choice xmlns:a14="http://schemas.microsoft.com/office/drawing/2010/main" Requires="a14">
+      <mc:AlternateContent xmlns:mc="http://schemas.openxmlformats.org/markup-compatibility/2006" xmlns:a14="http://schemas.microsoft.com/office/drawing/2010/main">
+        <mc:Choice Requires="a14">
           <p:sp>
             <p:nvSpPr>
               <p:cNvPr id="7" name="Content Placeholder 1">
@@ -29121,7 +32258,7 @@
             </p:txBody>
           </p:sp>
         </mc:Choice>
-        <mc:Fallback>
+        <mc:Fallback xmlns="">
           <p:sp>
             <p:nvSpPr>
               <p:cNvPr id="7" name="Content Placeholder 1">
@@ -30003,7 +33140,7 @@
           <a:p>
             <a:r>
               <a:rPr lang="en-US" dirty="0"/>
-              <a:t>Pseudocode: Example forward-model </a:t>
+              <a:t>Pseudocode: Forward-model </a:t>
             </a:r>
           </a:p>
         </p:txBody>
@@ -30299,8 +33436,8 @@
             <a:chExt cx="5398181" cy="1291364"/>
           </a:xfrm>
         </p:grpSpPr>
-        <mc:AlternateContent xmlns:mc="http://schemas.openxmlformats.org/markup-compatibility/2006" xmlns:a14="http://schemas.microsoft.com/office/drawing/2010/main">
-          <mc:Choice Requires="a14">
+        <mc:AlternateContent xmlns:mc="http://schemas.openxmlformats.org/markup-compatibility/2006">
+          <mc:Choice xmlns:a14="http://schemas.microsoft.com/office/drawing/2010/main" Requires="a14">
             <p:sp>
               <p:nvSpPr>
                 <p:cNvPr id="8" name="TextBox 7">
@@ -30363,7 +33500,7 @@
                   </a:r>
                   <a:r>
                     <a:rPr lang="en-US" dirty="0"/>
-                    <a:t>Point-spread function</a:t>
+                    <a:t>2D-Point-spread function</a:t>
                   </a:r>
                   <a:r>
                     <a:rPr lang="en-US" dirty="0">
@@ -30444,7 +33581,7 @@
               </p:txBody>
             </p:sp>
           </mc:Choice>
-          <mc:Fallback xmlns="">
+          <mc:Fallback>
             <p:sp>
               <p:nvSpPr>
                 <p:cNvPr id="8" name="TextBox 7">
@@ -30717,11 +33854,11 @@
                         <a:srgbClr val="FFFF00"/>
                       </a:solidFill>
                     </a:rPr>
-                    <a:t>  </a:t>
+                    <a:t> </a:t>
                   </a:r>
                   <a:r>
                     <a:rPr lang="en-US" dirty="0"/>
-                    <a:t>in</a:t>
+                    <a:t>in </a:t>
                   </a:r>
                   <a14:m>
                     <m:oMath xmlns:m="http://schemas.openxmlformats.org/officeDocument/2006/math">
@@ -30828,8 +33965,8 @@
           </mc:Fallback>
         </mc:AlternateContent>
       </p:grpSp>
-      <mc:AlternateContent xmlns:mc="http://schemas.openxmlformats.org/markup-compatibility/2006" xmlns:a14="http://schemas.microsoft.com/office/drawing/2010/main">
-        <mc:Choice Requires="a14">
+      <mc:AlternateContent xmlns:mc="http://schemas.openxmlformats.org/markup-compatibility/2006">
+        <mc:Choice xmlns:a14="http://schemas.microsoft.com/office/drawing/2010/main" Requires="a14">
           <p:sp>
             <p:nvSpPr>
               <p:cNvPr id="11" name="TextBox 10">
@@ -31009,7 +34146,7 @@
             </p:txBody>
           </p:sp>
         </mc:Choice>
-        <mc:Fallback xmlns="">
+        <mc:Fallback>
           <p:sp>
             <p:nvSpPr>
               <p:cNvPr id="11" name="TextBox 10">
@@ -31830,8 +34967,8 @@
             </p:sp>
           </mc:Fallback>
         </mc:AlternateContent>
-        <mc:AlternateContent xmlns:mc="http://schemas.openxmlformats.org/markup-compatibility/2006" xmlns:a14="http://schemas.microsoft.com/office/drawing/2010/main">
-          <mc:Choice Requires="a14">
+        <mc:AlternateContent xmlns:mc="http://schemas.openxmlformats.org/markup-compatibility/2006">
+          <mc:Choice xmlns:a14="http://schemas.microsoft.com/office/drawing/2010/main" Requires="a14">
             <p:sp>
               <p:nvSpPr>
                 <p:cNvPr id="21" name="TextBox 20">
@@ -31915,7 +35052,7 @@
                   </a:r>
                   <a:r>
                     <a:rPr lang="en-US" sz="1200" dirty="0"/>
-                    <a:t>phosphor-screen efficiency in </a:t>
+                    <a:t>Phosphor-screen efficiency in </a:t>
                   </a:r>
                   <a14:m>
                     <m:oMath xmlns:m="http://schemas.openxmlformats.org/officeDocument/2006/math">
@@ -31964,7 +35101,7 @@
               </p:txBody>
             </p:sp>
           </mc:Choice>
-          <mc:Fallback xmlns="">
+          <mc:Fallback>
             <p:sp>
               <p:nvSpPr>
                 <p:cNvPr id="21" name="TextBox 20">
@@ -32406,8 +35543,8 @@
           </p:sp>
         </mc:Fallback>
       </mc:AlternateContent>
-      <mc:AlternateContent xmlns:mc="http://schemas.openxmlformats.org/markup-compatibility/2006" xmlns:a14="http://schemas.microsoft.com/office/drawing/2010/main">
-        <mc:Choice Requires="a14">
+      <mc:AlternateContent xmlns:mc="http://schemas.openxmlformats.org/markup-compatibility/2006">
+        <mc:Choice xmlns:a14="http://schemas.microsoft.com/office/drawing/2010/main" Requires="a14">
           <p:sp>
             <p:nvSpPr>
               <p:cNvPr id="25" name="TextBox 24">
@@ -32422,8 +35559,8 @@
             </p:nvSpPr>
             <p:spPr>
               <a:xfrm>
-                <a:off x="306803" y="6268647"/>
-                <a:ext cx="5997744" cy="369332"/>
+                <a:off x="440150" y="6290975"/>
+                <a:ext cx="5997744" cy="307777"/>
               </a:xfrm>
               <a:prstGeom prst="rect">
                 <a:avLst/>
@@ -32437,7 +35574,7 @@
               <a:lstStyle/>
               <a:p>
                 <a:r>
-                  <a:rPr lang="en-US" dirty="0">
+                  <a:rPr lang="en-US" sz="1400" dirty="0">
                     <a:solidFill>
                       <a:srgbClr val="92D050"/>
                     </a:solidFill>
@@ -32450,7 +35587,7 @@
                       <m:rPr>
                         <m:sty m:val="p"/>
                       </m:rPr>
-                      <a:rPr lang="en-US" i="0" dirty="0" smtClean="0">
+                      <a:rPr lang="en-US" sz="1400" i="0" dirty="0" smtClean="0">
                         <a:solidFill>
                           <a:srgbClr val="92D050"/>
                         </a:solidFill>
@@ -32459,7 +35596,7 @@
                       <m:t>intensifiedOutput</m:t>
                     </m:r>
                     <m:r>
-                      <a:rPr lang="en-US" i="0" dirty="0" smtClean="0">
+                      <a:rPr lang="en-US" sz="1400" i="0" dirty="0" smtClean="0">
                         <a:solidFill>
                           <a:srgbClr val="92D050"/>
                         </a:solidFill>
@@ -32470,7 +35607,7 @@
                   </m:oMath>
                 </a14:m>
                 <a:r>
-                  <a:rPr lang="en-US" dirty="0">
+                  <a:rPr lang="en-US" sz="1400" dirty="0">
                     <a:solidFill>
                       <a:srgbClr val="FFFF00"/>
                     </a:solidFill>
@@ -32479,10 +35616,22 @@
                 </a:r>
                 <a14:m>
                   <m:oMath xmlns:m="http://schemas.openxmlformats.org/officeDocument/2006/math">
+                    <m:r>
+                      <m:rPr>
+                        <m:sty m:val="p"/>
+                      </m:rPr>
+                      <a:rPr lang="en-US" sz="1400" b="0" i="0" dirty="0" smtClean="0">
+                        <a:solidFill>
+                          <a:srgbClr val="FFFF00"/>
+                        </a:solidFill>
+                        <a:latin typeface="Cambria Math" panose="02040503050406030204" pitchFamily="18" charset="0"/>
+                      </a:rPr>
+                      <m:t>poisson</m:t>
+                    </m:r>
                     <m:d>
                       <m:dPr>
                         <m:ctrlPr>
-                          <a:rPr lang="en-US" b="0" i="1" dirty="0" smtClean="0">
+                          <a:rPr lang="en-US" sz="1400" b="0" i="1" dirty="0" smtClean="0">
                             <a:solidFill>
                               <a:srgbClr val="FFFF00"/>
                             </a:solidFill>
@@ -32495,7 +35644,7 @@
                           <m:rPr>
                             <m:sty m:val="p"/>
                           </m:rPr>
-                          <a:rPr lang="en-US" b="0" i="0" dirty="0" smtClean="0">
+                          <a:rPr lang="en-US" sz="1400" b="0" i="0" dirty="0" smtClean="0">
                             <a:solidFill>
                               <a:srgbClr val="FFFF00"/>
                             </a:solidFill>
@@ -32504,7 +35653,7 @@
                           <m:t>outputImage</m:t>
                         </m:r>
                         <m:r>
-                          <a:rPr lang="en-US" b="0" i="1" dirty="0" smtClean="0">
+                          <a:rPr lang="en-US" sz="1400" b="0" i="1" dirty="0" smtClean="0">
                             <a:solidFill>
                               <a:schemeClr val="tx1"/>
                             </a:solidFill>
@@ -32515,7 +35664,7 @@
                         <m:sSub>
                           <m:sSubPr>
                             <m:ctrlPr>
-                              <a:rPr lang="en-US" b="0" i="1" dirty="0" smtClean="0">
+                              <a:rPr lang="en-US" sz="1400" b="0" i="1" dirty="0" smtClean="0">
                                 <a:solidFill>
                                   <a:srgbClr val="00B0F0"/>
                                 </a:solidFill>
@@ -32525,7 +35674,7 @@
                           </m:sSubPr>
                           <m:e>
                             <m:r>
-                              <a:rPr lang="en-US" b="0" i="1" dirty="0" smtClean="0">
+                              <a:rPr lang="en-US" sz="1400" b="0" i="1" dirty="0" smtClean="0">
                                 <a:solidFill>
                                   <a:srgbClr val="00B0F0"/>
                                 </a:solidFill>
@@ -32536,7 +35685,7 @@
                           </m:e>
                           <m:sub>
                             <m:r>
-                              <a:rPr lang="en-US" b="0" i="1" dirty="0" smtClean="0">
+                              <a:rPr lang="en-US" sz="1400" b="0" i="1" dirty="0" smtClean="0">
                                 <a:solidFill>
                                   <a:srgbClr val="00B0F0"/>
                                 </a:solidFill>
@@ -32547,7 +35696,7 @@
                           </m:sub>
                         </m:sSub>
                         <m:r>
-                          <a:rPr lang="en-US" b="0" i="1" dirty="0" smtClean="0">
+                          <a:rPr lang="en-US" sz="1400" b="0" i="1" dirty="0" smtClean="0">
                             <a:solidFill>
                               <a:schemeClr val="tx1"/>
                             </a:solidFill>
@@ -32559,7 +35708,7 @@
                           <m:rPr>
                             <m:sty m:val="p"/>
                           </m:rPr>
-                          <a:rPr lang="en-US" b="0" i="0" dirty="0" smtClean="0">
+                          <a:rPr lang="en-US" sz="1400" b="0" i="0" dirty="0" smtClean="0">
                             <a:solidFill>
                               <a:srgbClr val="00B0F0"/>
                             </a:solidFill>
@@ -32567,12 +35716,33 @@
                           </a:rPr>
                           <m:t>dc</m:t>
                         </m:r>
+                        <m:r>
+                          <a:rPr lang="en-US" sz="1400" b="0" i="1" dirty="0" smtClean="0">
+                            <a:solidFill>
+                              <a:srgbClr val="00B0F0"/>
+                            </a:solidFill>
+                            <a:latin typeface="Cambria Math" panose="02040503050406030204" pitchFamily="18" charset="0"/>
+                          </a:rPr>
+                          <m:t>×</m:t>
+                        </m:r>
+                        <m:r>
+                          <m:rPr>
+                            <m:sty m:val="p"/>
+                          </m:rPr>
+                          <a:rPr lang="en-US" sz="1400" b="0" i="0" dirty="0" smtClean="0">
+                            <a:solidFill>
+                              <a:srgbClr val="00B0F0"/>
+                            </a:solidFill>
+                            <a:latin typeface="Cambria Math" panose="02040503050406030204" pitchFamily="18" charset="0"/>
+                          </a:rPr>
+                          <m:t>Δt</m:t>
+                        </m:r>
                       </m:e>
                     </m:d>
                     <m:r>
-                      <a:rPr lang="en-US" b="0" i="1" dirty="0" smtClean="0">
+                      <a:rPr lang="en-US" sz="1400" b="0" i="1" dirty="0" smtClean="0">
                         <a:solidFill>
-                          <a:srgbClr val="00B0F0"/>
+                          <a:schemeClr val="tx1"/>
                         </a:solidFill>
                         <a:latin typeface="Cambria Math" panose="02040503050406030204" pitchFamily="18" charset="0"/>
                       </a:rPr>
@@ -32582,7 +35752,7 @@
                       <m:rPr>
                         <m:sty m:val="p"/>
                       </m:rPr>
-                      <a:rPr lang="en-US" b="0" i="0" dirty="0" smtClean="0">
+                      <a:rPr lang="en-US" sz="1400" b="0" i="0" dirty="0" smtClean="0">
                         <a:solidFill>
                           <a:srgbClr val="00B0F0"/>
                         </a:solidFill>
@@ -32591,9 +35761,9 @@
                       <m:t>mcp</m:t>
                     </m:r>
                     <m:r>
-                      <a:rPr lang="en-US" b="0" i="1" dirty="0" smtClean="0">
+                      <a:rPr lang="en-US" sz="1400" b="0" i="1" dirty="0" smtClean="0">
                         <a:solidFill>
-                          <a:srgbClr val="00B0F0"/>
+                          <a:schemeClr val="tx1"/>
                         </a:solidFill>
                         <a:latin typeface="Cambria Math" panose="02040503050406030204" pitchFamily="18" charset="0"/>
                       </a:rPr>
@@ -32603,7 +35773,7 @@
                       <m:rPr>
                         <m:sty m:val="p"/>
                       </m:rPr>
-                      <a:rPr lang="en-US" b="0" i="0" dirty="0" smtClean="0">
+                      <a:rPr lang="en-US" sz="1400" b="0" i="0" dirty="0" smtClean="0">
                         <a:solidFill>
                           <a:srgbClr val="00B0F0"/>
                         </a:solidFill>
@@ -32613,7 +35783,7 @@
                     </m:r>
                   </m:oMath>
                 </a14:m>
-                <a:endParaRPr lang="en-US" dirty="0">
+                <a:endParaRPr lang="en-US" sz="1400" dirty="0">
                   <a:solidFill>
                     <a:srgbClr val="FFFF00"/>
                   </a:solidFill>
@@ -32622,7 +35792,7 @@
             </p:txBody>
           </p:sp>
         </mc:Choice>
-        <mc:Fallback xmlns="">
+        <mc:Fallback>
           <p:sp>
             <p:nvSpPr>
               <p:cNvPr id="25" name="TextBox 24">
@@ -32639,8 +35809,8 @@
             </p:nvSpPr>
             <p:spPr>
               <a:xfrm>
-                <a:off x="306803" y="6268647"/>
-                <a:ext cx="5997744" cy="369332"/>
+                <a:off x="440150" y="6290975"/>
+                <a:ext cx="5997744" cy="307777"/>
               </a:xfrm>
               <a:prstGeom prst="rect">
                 <a:avLst/>
@@ -32648,7 +35818,7 @@
               <a:blipFill>
                 <a:blip r:embed="rId14"/>
                 <a:stretch>
-                  <a:fillRect b="-13115"/>
+                  <a:fillRect b="-8000"/>
                 </a:stretch>
               </a:blipFill>
             </p:spPr>
@@ -32682,9 +35852,9 @@
         <p:grpSpPr>
           <a:xfrm>
             <a:off x="6485018" y="1571413"/>
-            <a:ext cx="6146139" cy="4507937"/>
+            <a:ext cx="6232361" cy="4579527"/>
             <a:chOff x="6304544" y="1358438"/>
-            <a:chExt cx="6146139" cy="4507937"/>
+            <a:chExt cx="6232361" cy="4579527"/>
           </a:xfrm>
         </p:grpSpPr>
         <mc:AlternateContent xmlns:mc="http://schemas.openxmlformats.org/markup-compatibility/2006">
@@ -32783,6 +35953,27 @@
                         </a:rPr>
                         <m:t>intensifiedOutput</m:t>
                       </m:r>
+                      <m:r>
+                        <a:rPr lang="en-US" b="0" i="0" dirty="0" smtClean="0">
+                          <a:solidFill>
+                            <a:srgbClr val="FFFF00"/>
+                          </a:solidFill>
+                          <a:latin typeface="Cambria Math" panose="02040503050406030204" pitchFamily="18" charset="0"/>
+                        </a:rPr>
+                        <m:t>,</m:t>
+                      </m:r>
+                      <m:r>
+                        <m:rPr>
+                          <m:sty m:val="p"/>
+                        </m:rPr>
+                        <a:rPr lang="en-US" b="0" i="0" dirty="0" smtClean="0">
+                          <a:solidFill>
+                            <a:srgbClr val="FFFF00"/>
+                          </a:solidFill>
+                          <a:latin typeface="Cambria Math" panose="02040503050406030204" pitchFamily="18" charset="0"/>
+                        </a:rPr>
+                        <m:t>x</m:t>
+                      </m:r>
                     </m:oMath>
                   </a14:m>
                   <a:r>
@@ -32853,9 +36044,9 @@
           <p:grpSpPr>
             <a:xfrm>
               <a:off x="6304544" y="1358438"/>
-              <a:ext cx="6146139" cy="4507937"/>
+              <a:ext cx="6232361" cy="4579527"/>
               <a:chOff x="6304544" y="1418978"/>
-              <a:chExt cx="6146139" cy="4507937"/>
+              <a:chExt cx="6232361" cy="4579527"/>
             </a:xfrm>
           </p:grpSpPr>
           <p:grpSp>
@@ -33056,8 +36247,8 @@
                 </p:sp>
               </mc:Fallback>
             </mc:AlternateContent>
-            <mc:AlternateContent xmlns:mc="http://schemas.openxmlformats.org/markup-compatibility/2006">
-              <mc:Choice xmlns:a14="http://schemas.microsoft.com/office/drawing/2010/main" Requires="a14">
+            <mc:AlternateContent xmlns:mc="http://schemas.openxmlformats.org/markup-compatibility/2006" xmlns:a14="http://schemas.microsoft.com/office/drawing/2010/main">
+              <mc:Choice Requires="a14">
                 <p:sp>
                   <p:nvSpPr>
                     <p:cNvPr id="30" name="TextBox 29">
@@ -33193,7 +36384,7 @@
                   </p:txBody>
                 </p:sp>
               </mc:Choice>
-              <mc:Fallback>
+              <mc:Fallback xmlns="">
                 <p:sp>
                   <p:nvSpPr>
                     <p:cNvPr id="30" name="TextBox 29">
@@ -33255,8 +36446,8 @@
                 </p:nvSpPr>
                 <p:spPr>
                   <a:xfrm>
-                    <a:off x="6304545" y="4604879"/>
-                    <a:ext cx="6146138" cy="1200329"/>
+                    <a:off x="6390767" y="4521177"/>
+                    <a:ext cx="6146138" cy="1477328"/>
                   </a:xfrm>
                   <a:prstGeom prst="rect">
                     <a:avLst/>
@@ -33283,7 +36474,7 @@
                           <m:rPr>
                             <m:sty m:val="p"/>
                           </m:rPr>
-                          <a:rPr lang="en-US" b="0" i="0" dirty="0" smtClean="0">
+                          <a:rPr lang="en-US" sz="1400" b="0" i="0" dirty="0" smtClean="0">
                             <a:solidFill>
                               <a:srgbClr val="FF0000"/>
                             </a:solidFill>
@@ -33292,7 +36483,7 @@
                           <m:t>imageInElectrons</m:t>
                         </m:r>
                         <m:r>
-                          <a:rPr lang="en-US" b="0" i="0" dirty="0" smtClean="0">
+                          <a:rPr lang="en-US" sz="1400" b="0" i="0" dirty="0" smtClean="0">
                             <a:solidFill>
                               <a:schemeClr val="tx1"/>
                             </a:solidFill>
@@ -33304,209 +36495,291 @@
                           <m:rPr>
                             <m:sty m:val="p"/>
                           </m:rPr>
-                          <a:rPr lang="en-US" b="0" i="0" dirty="0" smtClean="0">
-                            <a:solidFill>
-                              <a:srgbClr val="FFFF00"/>
-                            </a:solidFill>
-                            <a:latin typeface="Cambria Math" panose="02040503050406030204" pitchFamily="18" charset="0"/>
-                          </a:rPr>
-                          <m:t>intensifiedOutput</m:t>
-                        </m:r>
-                        <m:r>
-                          <a:rPr lang="en-US" b="0" i="1" dirty="0" smtClean="0">
+                          <a:rPr lang="en-US" sz="1400" b="0" i="0" dirty="0" smtClean="0">
                             <a:solidFill>
                               <a:schemeClr val="tx1"/>
                             </a:solidFill>
                             <a:latin typeface="Cambria Math" panose="02040503050406030204" pitchFamily="18" charset="0"/>
                           </a:rPr>
-                          <m:t>×</m:t>
+                          <m:t>poisson</m:t>
                         </m:r>
-                        <m:sSub>
-                          <m:sSubPr>
+                        <m:d>
+                          <m:dPr>
                             <m:ctrlPr>
-                              <a:rPr lang="en-US" b="0" i="1" dirty="0" smtClean="0">
+                              <a:rPr lang="en-US" sz="1400" b="0" i="0" dirty="0" smtClean="0">
+                                <a:solidFill>
+                                  <a:schemeClr val="tx1"/>
+                                </a:solidFill>
+                                <a:latin typeface="Cambria Math" panose="02040503050406030204" pitchFamily="18" charset="0"/>
+                              </a:rPr>
+                            </m:ctrlPr>
+                          </m:dPr>
+                          <m:e>
+                            <m:r>
+                              <m:rPr>
+                                <m:sty m:val="p"/>
+                              </m:rPr>
+                              <a:rPr lang="en-US" sz="1400" b="0" i="0" dirty="0" smtClean="0">
+                                <a:solidFill>
+                                  <a:srgbClr val="FFFF00"/>
+                                </a:solidFill>
+                                <a:latin typeface="Cambria Math" panose="02040503050406030204" pitchFamily="18" charset="0"/>
+                              </a:rPr>
+                              <m:t>intensifiedOutput</m:t>
+                            </m:r>
+                            <m:r>
+                              <a:rPr lang="en-US" sz="1400" b="0" i="1" dirty="0" smtClean="0">
+                                <a:solidFill>
+                                  <a:schemeClr val="tx1"/>
+                                </a:solidFill>
+                                <a:latin typeface="Cambria Math" panose="02040503050406030204" pitchFamily="18" charset="0"/>
+                              </a:rPr>
+                              <m:t>×</m:t>
+                            </m:r>
+                            <m:sSub>
+                              <m:sSubPr>
+                                <m:ctrlPr>
+                                  <a:rPr lang="en-US" sz="1400" b="0" i="1" dirty="0" smtClean="0">
+                                    <a:solidFill>
+                                      <a:srgbClr val="00B0F0"/>
+                                    </a:solidFill>
+                                    <a:latin typeface="Cambria Math" panose="02040503050406030204" pitchFamily="18" charset="0"/>
+                                  </a:rPr>
+                                </m:ctrlPr>
+                              </m:sSubPr>
+                              <m:e>
+                                <m:r>
+                                  <a:rPr lang="en-US" sz="1400" b="0" i="1" dirty="0" smtClean="0">
+                                    <a:solidFill>
+                                      <a:srgbClr val="00B0F0"/>
+                                    </a:solidFill>
+                                    <a:latin typeface="Cambria Math" panose="02040503050406030204" pitchFamily="18" charset="0"/>
+                                  </a:rPr>
+                                  <m:t>𝑞</m:t>
+                                </m:r>
+                              </m:e>
+                              <m:sub>
+                                <m:r>
+                                  <a:rPr lang="en-US" sz="1400" b="0" i="1" dirty="0" smtClean="0">
+                                    <a:solidFill>
+                                      <a:srgbClr val="00B0F0"/>
+                                    </a:solidFill>
+                                    <a:latin typeface="Cambria Math" panose="02040503050406030204" pitchFamily="18" charset="0"/>
+                                  </a:rPr>
+                                  <m:t>𝑒</m:t>
+                                </m:r>
+                              </m:sub>
+                            </m:sSub>
+                            <m:r>
+                              <a:rPr lang="en-US" sz="1400" b="0" i="1" dirty="0" smtClean="0">
+                                <a:solidFill>
+                                  <a:schemeClr val="tx1"/>
+                                </a:solidFill>
+                                <a:latin typeface="Cambria Math" panose="02040503050406030204" pitchFamily="18" charset="0"/>
+                              </a:rPr>
+                              <m:t>+</m:t>
+                            </m:r>
+                            <m:r>
+                              <m:rPr>
+                                <m:sty m:val="p"/>
+                              </m:rPr>
+                              <a:rPr lang="en-US" sz="1400" b="0" i="0" dirty="0" smtClean="0">
                                 <a:solidFill>
                                   <a:srgbClr val="00B0F0"/>
                                 </a:solidFill>
                                 <a:latin typeface="Cambria Math" panose="02040503050406030204" pitchFamily="18" charset="0"/>
                               </a:rPr>
-                            </m:ctrlPr>
-                          </m:sSubPr>
-                          <m:e>
+                              <m:t>dc</m:t>
+                            </m:r>
                             <m:r>
-                              <a:rPr lang="en-US" b="0" i="1" dirty="0" smtClean="0">
+                              <a:rPr lang="en-US" sz="1400" b="0" i="1" dirty="0" smtClean="0">
+                                <a:solidFill>
+                                  <a:schemeClr val="tx1"/>
+                                </a:solidFill>
+                                <a:latin typeface="Cambria Math" panose="02040503050406030204" pitchFamily="18" charset="0"/>
+                              </a:rPr>
+                              <m:t>×</m:t>
+                            </m:r>
+                            <m:r>
+                              <m:rPr>
+                                <m:sty m:val="p"/>
+                              </m:rPr>
+                              <a:rPr lang="en-US" sz="1400" b="0" i="0" dirty="0" smtClean="0">
                                 <a:solidFill>
                                   <a:srgbClr val="00B0F0"/>
                                 </a:solidFill>
                                 <a:latin typeface="Cambria Math" panose="02040503050406030204" pitchFamily="18" charset="0"/>
                               </a:rPr>
-                              <m:t>𝑞</m:t>
+                              <m:t>Δ</m:t>
                             </m:r>
-                          </m:e>
-                          <m:sub>
                             <m:r>
-                              <a:rPr lang="en-US" b="0" i="1" dirty="0" smtClean="0">
+                              <a:rPr lang="en-US" sz="1400" b="0" i="1" dirty="0" smtClean="0">
                                 <a:solidFill>
                                   <a:srgbClr val="00B0F0"/>
                                 </a:solidFill>
                                 <a:latin typeface="Cambria Math" panose="02040503050406030204" pitchFamily="18" charset="0"/>
                               </a:rPr>
-                              <m:t>𝑒</m:t>
+                              <m:t>𝑡</m:t>
                             </m:r>
-                          </m:sub>
-                        </m:sSub>
-                        <m:r>
-                          <a:rPr lang="en-US" b="0" i="1" dirty="0" smtClean="0">
-                            <a:solidFill>
-                              <a:schemeClr val="tx1"/>
-                            </a:solidFill>
-                            <a:latin typeface="Cambria Math" panose="02040503050406030204" pitchFamily="18" charset="0"/>
-                          </a:rPr>
-                          <m:t>+</m:t>
-                        </m:r>
-                        <m:r>
-                          <m:rPr>
-                            <m:sty m:val="p"/>
-                          </m:rPr>
-                          <a:rPr lang="en-US" b="0" i="0" dirty="0" smtClean="0">
-                            <a:solidFill>
-                              <a:srgbClr val="00B0F0"/>
-                            </a:solidFill>
-                            <a:latin typeface="Cambria Math" panose="02040503050406030204" pitchFamily="18" charset="0"/>
-                          </a:rPr>
-                          <m:t>dc</m:t>
-                        </m:r>
-                        <m:r>
-                          <a:rPr lang="en-US" b="0" i="0" dirty="0" smtClean="0">
-                            <a:solidFill>
-                              <a:schemeClr val="tx1"/>
-                            </a:solidFill>
-                            <a:latin typeface="Cambria Math" panose="02040503050406030204" pitchFamily="18" charset="0"/>
-                          </a:rPr>
-                          <m:t>+</m:t>
-                        </m:r>
-                        <m:r>
-                          <m:rPr>
-                            <m:sty m:val="p"/>
-                          </m:rPr>
-                          <a:rPr lang="en-US" b="0" i="0" dirty="0" smtClean="0">
-                            <a:solidFill>
-                              <a:srgbClr val="00B0F0"/>
-                            </a:solidFill>
-                            <a:latin typeface="Cambria Math" panose="02040503050406030204" pitchFamily="18" charset="0"/>
-                          </a:rPr>
-                          <m:t>rn</m:t>
-                        </m:r>
+                          </m:e>
+                        </m:d>
                       </m:oMath>
                     </a14:m>
-                    <a:r>
-                      <a:rPr lang="en-US" dirty="0">
-                        <a:solidFill>
-                          <a:srgbClr val="FFFF00"/>
-                        </a:solidFill>
-                      </a:rPr>
-                      <a:t>          :</a:t>
-                    </a:r>
+                    <a:endParaRPr lang="en-US" sz="1400" b="0" dirty="0">
+                      <a:solidFill>
+                        <a:schemeClr val="tx1"/>
+                      </a:solidFill>
+                    </a:endParaRPr>
+                  </a:p>
+                  <a:p>
+                    <a:pPr/>
+                    <a14:m>
+                      <m:oMathPara xmlns:m="http://schemas.openxmlformats.org/officeDocument/2006/math">
+                        <m:oMathParaPr>
+                          <m:jc m:val="left"/>
+                        </m:oMathParaPr>
+                        <m:oMath xmlns:m="http://schemas.openxmlformats.org/officeDocument/2006/math">
+                          <m:r>
+                            <a:rPr lang="en-US" b="0" i="0" dirty="0" smtClean="0">
+                              <a:solidFill>
+                                <a:srgbClr val="FFFF00"/>
+                              </a:solidFill>
+                              <a:latin typeface="Cambria Math" panose="02040503050406030204" pitchFamily="18" charset="0"/>
+                            </a:rPr>
+                            <m:t> </m:t>
+                          </m:r>
+                          <m:r>
+                            <m:rPr>
+                              <m:sty m:val="p"/>
+                            </m:rPr>
+                            <a:rPr lang="en-US" i="0" dirty="0" smtClean="0">
+                              <a:solidFill>
+                                <a:srgbClr val="FF0000"/>
+                              </a:solidFill>
+                              <a:latin typeface="Cambria Math" panose="02040503050406030204" pitchFamily="18" charset="0"/>
+                            </a:rPr>
+                            <m:t>imageInElectrons</m:t>
+                          </m:r>
+                          <m:r>
+                            <a:rPr lang="en-US" i="0" dirty="0" smtClean="0">
+                              <a:solidFill>
+                                <a:schemeClr val="tx1"/>
+                              </a:solidFill>
+                              <a:latin typeface="Cambria Math" panose="02040503050406030204" pitchFamily="18" charset="0"/>
+                            </a:rPr>
+                            <m:t>=</m:t>
+                          </m:r>
+                          <m:r>
+                            <a:rPr lang="en-US" i="0" dirty="0" smtClean="0">
+                              <a:solidFill>
+                                <a:srgbClr val="FFFF00"/>
+                              </a:solidFill>
+                              <a:latin typeface="Cambria Math" panose="02040503050406030204" pitchFamily="18" charset="0"/>
+                            </a:rPr>
+                            <m:t> </m:t>
+                          </m:r>
+                          <m:r>
+                            <m:rPr>
+                              <m:sty m:val="p"/>
+                            </m:rPr>
+                            <a:rPr lang="en-US" i="0" dirty="0" smtClean="0">
+                              <a:solidFill>
+                                <a:schemeClr val="tx1"/>
+                              </a:solidFill>
+                              <a:latin typeface="Cambria Math" panose="02040503050406030204" pitchFamily="18" charset="0"/>
+                            </a:rPr>
+                            <m:t>AWGN</m:t>
+                          </m:r>
+                          <m:r>
+                            <a:rPr lang="en-US" i="0" dirty="0" smtClean="0">
+                              <a:solidFill>
+                                <a:schemeClr val="tx1"/>
+                              </a:solidFill>
+                              <a:latin typeface="Cambria Math" panose="02040503050406030204" pitchFamily="18" charset="0"/>
+                            </a:rPr>
+                            <m:t>(</m:t>
+                          </m:r>
+                          <m:r>
+                            <m:rPr>
+                              <m:sty m:val="p"/>
+                            </m:rPr>
+                            <a:rPr lang="en-US" dirty="0">
+                              <a:solidFill>
+                                <a:srgbClr val="FF0000"/>
+                              </a:solidFill>
+                              <a:latin typeface="Cambria Math" panose="02040503050406030204" pitchFamily="18" charset="0"/>
+                            </a:rPr>
+                            <m:t>imageInElectrons</m:t>
+                          </m:r>
+                          <m:r>
+                            <a:rPr lang="en-US" i="0" dirty="0" smtClean="0">
+                              <a:solidFill>
+                                <a:schemeClr val="tx1"/>
+                              </a:solidFill>
+                              <a:latin typeface="Cambria Math" panose="02040503050406030204" pitchFamily="18" charset="0"/>
+                            </a:rPr>
+                            <m:t>,</m:t>
+                          </m:r>
+                          <m:sSup>
+                            <m:sSupPr>
+                              <m:ctrlPr>
+                                <a:rPr lang="en-US" b="0" i="0" dirty="0" smtClean="0">
+                                  <a:solidFill>
+                                    <a:srgbClr val="00B0F0"/>
+                                  </a:solidFill>
+                                  <a:latin typeface="Cambria Math" panose="02040503050406030204" pitchFamily="18" charset="0"/>
+                                </a:rPr>
+                              </m:ctrlPr>
+                            </m:sSupPr>
+                            <m:e>
+                              <m:r>
+                                <m:rPr>
+                                  <m:sty m:val="p"/>
+                                </m:rPr>
+                                <a:rPr lang="en-US" i="0" dirty="0" smtClean="0">
+                                  <a:solidFill>
+                                    <a:srgbClr val="00B0F0"/>
+                                  </a:solidFill>
+                                  <a:latin typeface="Cambria Math" panose="02040503050406030204" pitchFamily="18" charset="0"/>
+                                </a:rPr>
+                                <m:t>rn</m:t>
+                              </m:r>
+                            </m:e>
+                            <m:sup>
+                              <m:r>
+                                <a:rPr lang="en-US" b="0" i="0" dirty="0" smtClean="0">
+                                  <a:solidFill>
+                                    <a:srgbClr val="00B0F0"/>
+                                  </a:solidFill>
+                                  <a:latin typeface="Cambria Math" panose="02040503050406030204" pitchFamily="18" charset="0"/>
+                                </a:rPr>
+                                <m:t>2</m:t>
+                              </m:r>
+                            </m:sup>
+                          </m:sSup>
+                          <m:r>
+                            <a:rPr lang="en-US" i="0" dirty="0" smtClean="0">
+                              <a:solidFill>
+                                <a:schemeClr val="tx1"/>
+                              </a:solidFill>
+                              <a:latin typeface="Cambria Math" panose="02040503050406030204" pitchFamily="18" charset="0"/>
+                            </a:rPr>
+                            <m:t>)</m:t>
+                          </m:r>
+                        </m:oMath>
+                      </m:oMathPara>
+                    </a14:m>
+                    <a:endParaRPr lang="en-US" dirty="0">
+                      <a:solidFill>
+                        <a:srgbClr val="FFFF00"/>
+                      </a:solidFill>
+                    </a:endParaRPr>
                   </a:p>
                   <a:p>
                     <a:r>
                       <a:rPr lang="en-US" dirty="0">
                         <a:solidFill>
                           <a:srgbClr val="92D050"/>
-                        </a:solidFill>
-                      </a:rPr>
-                      <a:t> </a:t>
-                    </a:r>
-                    <a14:m>
-                      <m:oMath xmlns:m="http://schemas.openxmlformats.org/officeDocument/2006/math">
-                        <m:r>
-                          <m:rPr>
-                            <m:sty m:val="p"/>
-                          </m:rPr>
-                          <a:rPr lang="en-US" dirty="0" smtClean="0">
-                            <a:solidFill>
-                              <a:srgbClr val="FF0000"/>
-                            </a:solidFill>
-                            <a:latin typeface="Cambria Math" panose="02040503050406030204" pitchFamily="18" charset="0"/>
-                          </a:rPr>
-                          <m:t>imageInElectrons</m:t>
-                        </m:r>
-                        <m:r>
-                          <a:rPr lang="en-US" dirty="0">
-                            <a:latin typeface="Cambria Math" panose="02040503050406030204" pitchFamily="18" charset="0"/>
-                          </a:rPr>
-                          <m:t>=</m:t>
-                        </m:r>
-                        <m:r>
-                          <m:rPr>
-                            <m:sty m:val="p"/>
-                          </m:rPr>
-                          <a:rPr lang="en-US" b="0" i="0" dirty="0" smtClean="0">
-                            <a:latin typeface="Cambria Math" panose="02040503050406030204" pitchFamily="18" charset="0"/>
-                          </a:rPr>
-                          <m:t>min</m:t>
-                        </m:r>
-                        <m:r>
-                          <a:rPr lang="en-US" b="0" i="0" dirty="0" smtClean="0">
-                            <a:latin typeface="Cambria Math" panose="02040503050406030204" pitchFamily="18" charset="0"/>
-                          </a:rPr>
-                          <m:t>(</m:t>
-                        </m:r>
-                        <m:r>
-                          <m:rPr>
-                            <m:sty m:val="p"/>
-                          </m:rPr>
-                          <a:rPr lang="en-US" dirty="0" smtClean="0">
-                            <a:solidFill>
-                              <a:srgbClr val="FF0000"/>
-                            </a:solidFill>
-                            <a:latin typeface="Cambria Math" panose="02040503050406030204" pitchFamily="18" charset="0"/>
-                          </a:rPr>
-                          <m:t>imageInElectrons</m:t>
-                        </m:r>
-                        <m:r>
-                          <a:rPr lang="en-US" b="0" i="0" dirty="0" smtClean="0">
-                            <a:solidFill>
-                              <a:schemeClr val="tx1"/>
-                            </a:solidFill>
-                            <a:latin typeface="Cambria Math" panose="02040503050406030204" pitchFamily="18" charset="0"/>
-                          </a:rPr>
-                          <m:t>,</m:t>
-                        </m:r>
-                        <m:r>
-                          <m:rPr>
-                            <m:sty m:val="p"/>
-                          </m:rPr>
-                          <a:rPr lang="en-US" b="0" i="0" dirty="0" smtClean="0">
-                            <a:solidFill>
-                              <a:srgbClr val="00B0F0"/>
-                            </a:solidFill>
-                            <a:latin typeface="Cambria Math" panose="02040503050406030204" pitchFamily="18" charset="0"/>
-                          </a:rPr>
-                          <m:t>fw</m:t>
-                        </m:r>
-                        <m:r>
-                          <a:rPr lang="en-US" b="0" i="1" dirty="0" smtClean="0">
-                            <a:latin typeface="Cambria Math" panose="02040503050406030204" pitchFamily="18" charset="0"/>
-                          </a:rPr>
-                          <m:t>)</m:t>
-                        </m:r>
-                      </m:oMath>
-                    </a14:m>
-                    <a:r>
-                      <a:rPr lang="en-US" dirty="0">
-                        <a:solidFill>
-                          <a:srgbClr val="FFFF00"/>
-                        </a:solidFill>
-                      </a:rPr>
-                      <a:t> </a:t>
-                    </a:r>
-                  </a:p>
-                  <a:p>
-                    <a:r>
-                      <a:rPr lang="en-US" dirty="0">
-                        <a:solidFill>
-                          <a:srgbClr val="FFFF00"/>
                         </a:solidFill>
                       </a:rPr>
                       <a:t> </a:t>
@@ -33530,6 +36803,104 @@
                             <a:latin typeface="Cambria Math" panose="02040503050406030204" pitchFamily="18" charset="0"/>
                           </a:rPr>
                           <m:t>=</m:t>
+                        </m:r>
+                        <m:r>
+                          <m:rPr>
+                            <m:sty m:val="p"/>
+                          </m:rPr>
+                          <a:rPr lang="en-US" dirty="0">
+                            <a:latin typeface="Cambria Math" panose="02040503050406030204" pitchFamily="18" charset="0"/>
+                          </a:rPr>
+                          <m:t>min</m:t>
+                        </m:r>
+                        <m:r>
+                          <a:rPr lang="en-US" dirty="0">
+                            <a:latin typeface="Cambria Math" panose="02040503050406030204" pitchFamily="18" charset="0"/>
+                          </a:rPr>
+                          <m:t>(</m:t>
+                        </m:r>
+                        <m:r>
+                          <m:rPr>
+                            <m:sty m:val="p"/>
+                          </m:rPr>
+                          <a:rPr lang="en-US" dirty="0">
+                            <a:solidFill>
+                              <a:srgbClr val="FF0000"/>
+                            </a:solidFill>
+                            <a:latin typeface="Cambria Math" panose="02040503050406030204" pitchFamily="18" charset="0"/>
+                          </a:rPr>
+                          <m:t>imageInElectrons</m:t>
+                        </m:r>
+                        <m:r>
+                          <a:rPr lang="en-US" dirty="0">
+                            <a:latin typeface="Cambria Math" panose="02040503050406030204" pitchFamily="18" charset="0"/>
+                          </a:rPr>
+                          <m:t>,</m:t>
+                        </m:r>
+                        <m:r>
+                          <m:rPr>
+                            <m:sty m:val="p"/>
+                          </m:rPr>
+                          <a:rPr lang="en-US" dirty="0">
+                            <a:solidFill>
+                              <a:srgbClr val="00B0F0"/>
+                            </a:solidFill>
+                            <a:latin typeface="Cambria Math" panose="02040503050406030204" pitchFamily="18" charset="0"/>
+                          </a:rPr>
+                          <m:t>fw</m:t>
+                        </m:r>
+                        <m:r>
+                          <a:rPr lang="en-US" i="1" dirty="0">
+                            <a:latin typeface="Cambria Math" panose="02040503050406030204" pitchFamily="18" charset="0"/>
+                          </a:rPr>
+                          <m:t>)</m:t>
+                        </m:r>
+                      </m:oMath>
+                    </a14:m>
+                    <a:r>
+                      <a:rPr lang="en-US" dirty="0">
+                        <a:solidFill>
+                          <a:srgbClr val="FFFF00"/>
+                        </a:solidFill>
+                      </a:rPr>
+                      <a:t> </a:t>
+                    </a:r>
+                  </a:p>
+                  <a:p>
+                    <a14:m>
+                      <m:oMath xmlns:m="http://schemas.openxmlformats.org/officeDocument/2006/math">
+                        <m:r>
+                          <m:rPr>
+                            <m:sty m:val="p"/>
+                          </m:rPr>
+                          <a:rPr lang="en-US" dirty="0">
+                            <a:solidFill>
+                              <a:srgbClr val="FF0000"/>
+                            </a:solidFill>
+                            <a:latin typeface="Cambria Math" panose="02040503050406030204" pitchFamily="18" charset="0"/>
+                          </a:rPr>
+                          <m:t>imageIn</m:t>
+                        </m:r>
+                        <m:r>
+                          <m:rPr>
+                            <m:sty m:val="p"/>
+                          </m:rPr>
+                          <a:rPr lang="en-US" b="0" i="0" dirty="0" smtClean="0">
+                            <a:solidFill>
+                              <a:srgbClr val="FF0000"/>
+                            </a:solidFill>
+                            <a:latin typeface="Cambria Math" panose="02040503050406030204" pitchFamily="18" charset="0"/>
+                          </a:rPr>
+                          <m:t>Volts</m:t>
+                        </m:r>
+                        <m:r>
+                          <a:rPr lang="en-US" b="0" i="0" dirty="0" smtClean="0">
+                            <a:solidFill>
+                              <a:srgbClr val="FF0000"/>
+                            </a:solidFill>
+                            <a:latin typeface="Cambria Math" panose="02040503050406030204" pitchFamily="18" charset="0"/>
+                          </a:rPr>
+                          <m:t>         =</m:t>
                         </m:r>
                         <m:r>
                           <m:rPr>
@@ -33575,15 +36946,6 @@
                   <a:p>
                     <a14:m>
                       <m:oMath xmlns:m="http://schemas.openxmlformats.org/officeDocument/2006/math">
-                        <m:r>
-                          <a:rPr lang="en-US" b="0" i="0" dirty="0" smtClean="0">
-                            <a:solidFill>
-                              <a:srgbClr val="FF0000"/>
-                            </a:solidFill>
-                            <a:latin typeface="Cambria Math" panose="02040503050406030204" pitchFamily="18" charset="0"/>
-                          </a:rPr>
-                          <m:t> </m:t>
-                        </m:r>
                         <m:r>
                           <m:rPr>
                             <m:sty m:val="p"/>
@@ -33642,13 +37004,13 @@
                           <m:rPr>
                             <m:sty m:val="p"/>
                           </m:rPr>
-                          <a:rPr lang="en-US" dirty="0" smtClean="0">
+                          <a:rPr lang="en-US" dirty="0">
                             <a:solidFill>
                               <a:srgbClr val="FF0000"/>
                             </a:solidFill>
                             <a:latin typeface="Cambria Math" panose="02040503050406030204" pitchFamily="18" charset="0"/>
                           </a:rPr>
-                          <m:t>imageInElectrons</m:t>
+                          <m:t>imageInVolts</m:t>
                         </m:r>
                         <m:r>
                           <a:rPr lang="en-US" dirty="0">
@@ -33705,8 +37067,8 @@
                 </p:nvSpPr>
                 <p:spPr>
                   <a:xfrm>
-                    <a:off x="6304545" y="4604879"/>
-                    <a:ext cx="6146138" cy="1200329"/>
+                    <a:off x="6390767" y="4521177"/>
+                    <a:ext cx="6146138" cy="1477328"/>
                   </a:xfrm>
                   <a:prstGeom prst="rect">
                     <a:avLst/>
@@ -33714,7 +37076,7 @@
                   <a:blipFill>
                     <a:blip r:embed="rId18"/>
                     <a:stretch>
-                      <a:fillRect t="-2538" b="-3553"/>
+                      <a:fillRect l="-298" b="-2479"/>
                     </a:stretch>
                   </a:blipFill>
                 </p:spPr>
@@ -34695,8 +38057,8 @@
                   </mc:Fallback>
                 </mc:AlternateContent>
               </p:grpSp>
-              <mc:AlternateContent xmlns:mc="http://schemas.openxmlformats.org/markup-compatibility/2006">
-                <mc:Choice xmlns:a14="http://schemas.microsoft.com/office/drawing/2010/main" Requires="a14">
+              <mc:AlternateContent xmlns:mc="http://schemas.openxmlformats.org/markup-compatibility/2006" xmlns:a14="http://schemas.microsoft.com/office/drawing/2010/main">
+                <mc:Choice Requires="a14">
                   <p:sp>
                     <p:nvSpPr>
                       <p:cNvPr id="36" name="TextBox 35">
@@ -34816,7 +38178,7 @@
                     </p:txBody>
                   </p:sp>
                 </mc:Choice>
-                <mc:Fallback>
+                <mc:Fallback xmlns="">
                   <p:sp>
                     <p:nvSpPr>
                       <p:cNvPr id="36" name="TextBox 35">
@@ -34940,7 +38302,7 @@
                               </m:rPr>
                               <a:rPr lang="en-US" b="0" i="0" dirty="0" smtClean="0">
                                 <a:solidFill>
-                                  <a:srgbClr val="00B0F0"/>
+                                  <a:srgbClr val="FFFF00"/>
                                 </a:solidFill>
                                 <a:latin typeface="Cambria Math" panose="02040503050406030204" pitchFamily="18" charset="0"/>
                               </a:rPr>
@@ -35071,7 +38433,12 @@
             <p:ph type="title"/>
           </p:nvPr>
         </p:nvSpPr>
-        <p:spPr/>
+        <p:spPr>
+          <a:xfrm>
+            <a:off x="488049" y="116006"/>
+            <a:ext cx="10972800" cy="639762"/>
+          </a:xfrm>
+        </p:spPr>
         <p:txBody>
           <a:bodyPr/>
           <a:lstStyle/>
@@ -35083,210 +38450,114 @@
           </a:p>
         </p:txBody>
       </p:sp>
-      <p:grpSp>
-        <p:nvGrpSpPr>
-          <p:cNvPr id="7" name="Group 6">
+      <p:pic>
+        <p:nvPicPr>
+          <p:cNvPr id="10" name="Picture 9">
             <a:extLst>
               <a:ext uri="{FF2B5EF4-FFF2-40B4-BE49-F238E27FC236}">
-                <a16:creationId xmlns:a16="http://schemas.microsoft.com/office/drawing/2014/main" id="{07051C16-F396-437C-B6F7-58A183622B3E}"/>
+                <a16:creationId xmlns:a16="http://schemas.microsoft.com/office/drawing/2014/main" id="{8BFC50C9-CA4B-41F9-BC17-0CC8FB2EC4CB}"/>
               </a:ext>
             </a:extLst>
           </p:cNvPr>
-          <p:cNvGrpSpPr/>
+          <p:cNvPicPr>
+            <a:picLocks noChangeAspect="1"/>
+          </p:cNvPicPr>
           <p:nvPr/>
-        </p:nvGrpSpPr>
-        <p:grpSpPr>
+        </p:nvPicPr>
+        <p:blipFill>
+          <a:blip r:embed="rId2" cstate="print">
+            <a:extLst>
+              <a:ext uri="{28A0092B-C50C-407E-A947-70E740481C1C}">
+                <a14:useLocalDpi xmlns:a14="http://schemas.microsoft.com/office/drawing/2010/main" val="0"/>
+              </a:ext>
+            </a:extLst>
+          </a:blip>
+          <a:stretch>
+            <a:fillRect/>
+          </a:stretch>
+        </p:blipFill>
+        <p:spPr>
           <a:xfrm>
-            <a:off x="1752602" y="1543689"/>
-            <a:ext cx="4684294" cy="4411943"/>
-            <a:chOff x="489285" y="1218836"/>
-            <a:chExt cx="4684294" cy="4411943"/>
+            <a:off x="1119104" y="859809"/>
+            <a:ext cx="4155440" cy="2743200"/>
           </a:xfrm>
-        </p:grpSpPr>
-        <p:sp>
-          <p:nvSpPr>
-            <p:cNvPr id="4" name="Rectangle 3">
-              <a:extLst>
-                <a:ext uri="{FF2B5EF4-FFF2-40B4-BE49-F238E27FC236}">
-                  <a16:creationId xmlns:a16="http://schemas.microsoft.com/office/drawing/2014/main" id="{AF9CE911-1EA5-4107-85A1-F03E1A669584}"/>
-                </a:ext>
-              </a:extLst>
-            </p:cNvPr>
-            <p:cNvSpPr/>
-            <p:nvPr/>
-          </p:nvSpPr>
-          <p:spPr>
-            <a:xfrm>
-              <a:off x="489285" y="1588168"/>
-              <a:ext cx="3962400" cy="4042611"/>
-            </a:xfrm>
-            <a:prstGeom prst="rect">
-              <a:avLst/>
-            </a:prstGeom>
-          </p:spPr>
-          <p:style>
-            <a:lnRef idx="2">
-              <a:schemeClr val="accent1">
-                <a:shade val="50000"/>
-              </a:schemeClr>
-            </a:lnRef>
-            <a:fillRef idx="1">
-              <a:schemeClr val="accent1"/>
-            </a:fillRef>
-            <a:effectRef idx="0">
-              <a:schemeClr val="accent1"/>
-            </a:effectRef>
-            <a:fontRef idx="minor">
-              <a:schemeClr val="lt1"/>
-            </a:fontRef>
-          </p:style>
-          <p:txBody>
-            <a:bodyPr rtlCol="0" anchor="ctr"/>
-            <a:lstStyle/>
-            <a:p>
-              <a:pPr algn="ctr"/>
-              <a:endParaRPr lang="en-US"/>
-            </a:p>
-          </p:txBody>
-        </p:sp>
-        <p:sp>
-          <p:nvSpPr>
-            <p:cNvPr id="5" name="TextBox 4">
-              <a:extLst>
-                <a:ext uri="{FF2B5EF4-FFF2-40B4-BE49-F238E27FC236}">
-                  <a16:creationId xmlns:a16="http://schemas.microsoft.com/office/drawing/2014/main" id="{55614161-FDCA-4CE6-B3A8-43363449EB57}"/>
-                </a:ext>
-              </a:extLst>
-            </p:cNvPr>
-            <p:cNvSpPr txBox="1"/>
-            <p:nvPr/>
-          </p:nvSpPr>
-          <p:spPr>
-            <a:xfrm>
-              <a:off x="1925053" y="1218836"/>
-              <a:ext cx="3248526" cy="369332"/>
-            </a:xfrm>
-            <a:prstGeom prst="rect">
-              <a:avLst/>
-            </a:prstGeom>
-            <a:noFill/>
-          </p:spPr>
-          <p:txBody>
-            <a:bodyPr wrap="square" rtlCol="0">
-              <a:spAutoFit/>
-            </a:bodyPr>
-            <a:lstStyle/>
-            <a:p>
-              <a:r>
-                <a:rPr lang="en-US" dirty="0"/>
-                <a:t>3D-PSF</a:t>
-              </a:r>
-            </a:p>
-          </p:txBody>
-        </p:sp>
-      </p:grpSp>
-      <p:grpSp>
-        <p:nvGrpSpPr>
-          <p:cNvPr id="9" name="Group 8">
+          <a:prstGeom prst="rect">
+            <a:avLst/>
+          </a:prstGeom>
+        </p:spPr>
+      </p:pic>
+      <p:pic>
+        <p:nvPicPr>
+          <p:cNvPr id="12" name="Picture 11">
             <a:extLst>
               <a:ext uri="{FF2B5EF4-FFF2-40B4-BE49-F238E27FC236}">
-                <a16:creationId xmlns:a16="http://schemas.microsoft.com/office/drawing/2014/main" id="{71D62F28-E99A-484D-8791-4DF2790E0884}"/>
+                <a16:creationId xmlns:a16="http://schemas.microsoft.com/office/drawing/2014/main" id="{A6915A1E-F8D4-418D-90AF-D8D231E5ABD3}"/>
               </a:ext>
             </a:extLst>
           </p:cNvPr>
-          <p:cNvGrpSpPr/>
+          <p:cNvPicPr>
+            <a:picLocks noChangeAspect="1"/>
+          </p:cNvPicPr>
           <p:nvPr/>
-        </p:nvGrpSpPr>
-        <p:grpSpPr>
+        </p:nvPicPr>
+        <p:blipFill>
+          <a:blip r:embed="rId3" cstate="print">
+            <a:extLst>
+              <a:ext uri="{28A0092B-C50C-407E-A947-70E740481C1C}">
+                <a14:useLocalDpi xmlns:a14="http://schemas.microsoft.com/office/drawing/2010/main" val="0"/>
+              </a:ext>
+            </a:extLst>
+          </a:blip>
+          <a:stretch>
+            <a:fillRect/>
+          </a:stretch>
+        </p:blipFill>
+        <p:spPr>
           <a:xfrm>
-            <a:off x="7515728" y="2622521"/>
-            <a:ext cx="3505198" cy="2406680"/>
-            <a:chOff x="5410202" y="1022320"/>
-            <a:chExt cx="3505198" cy="2406680"/>
+            <a:off x="6096000" y="859809"/>
+            <a:ext cx="4223174" cy="2743200"/>
           </a:xfrm>
-        </p:grpSpPr>
-        <p:sp>
-          <p:nvSpPr>
-            <p:cNvPr id="6" name="Rectangle 5">
-              <a:extLst>
-                <a:ext uri="{FF2B5EF4-FFF2-40B4-BE49-F238E27FC236}">
-                  <a16:creationId xmlns:a16="http://schemas.microsoft.com/office/drawing/2014/main" id="{657CDBB8-A2D0-467E-9C43-8303B9AAFC16}"/>
-                </a:ext>
-              </a:extLst>
-            </p:cNvPr>
-            <p:cNvSpPr/>
-            <p:nvPr/>
-          </p:nvSpPr>
-          <p:spPr>
-            <a:xfrm>
-              <a:off x="5410202" y="1391652"/>
-              <a:ext cx="1796714" cy="2037348"/>
-            </a:xfrm>
-            <a:prstGeom prst="rect">
-              <a:avLst/>
-            </a:prstGeom>
-          </p:spPr>
-          <p:style>
-            <a:lnRef idx="2">
-              <a:schemeClr val="accent1">
-                <a:shade val="50000"/>
-              </a:schemeClr>
-            </a:lnRef>
-            <a:fillRef idx="1">
-              <a:schemeClr val="accent1"/>
-            </a:fillRef>
-            <a:effectRef idx="0">
-              <a:schemeClr val="accent1"/>
-            </a:effectRef>
-            <a:fontRef idx="minor">
-              <a:schemeClr val="lt1"/>
-            </a:fontRef>
-          </p:style>
-          <p:txBody>
-            <a:bodyPr rtlCol="0" anchor="ctr"/>
-            <a:lstStyle/>
-            <a:p>
-              <a:pPr algn="ctr"/>
-              <a:endParaRPr lang="en-US"/>
-            </a:p>
-          </p:txBody>
-        </p:sp>
-        <p:sp>
-          <p:nvSpPr>
-            <p:cNvPr id="8" name="TextBox 7">
-              <a:extLst>
-                <a:ext uri="{FF2B5EF4-FFF2-40B4-BE49-F238E27FC236}">
-                  <a16:creationId xmlns:a16="http://schemas.microsoft.com/office/drawing/2014/main" id="{143EFA76-E0D2-49E0-998C-519A5843EFD5}"/>
-                </a:ext>
-              </a:extLst>
-            </p:cNvPr>
-            <p:cNvSpPr txBox="1"/>
-            <p:nvPr/>
-          </p:nvSpPr>
-          <p:spPr>
-            <a:xfrm>
-              <a:off x="5666874" y="1022320"/>
-              <a:ext cx="3248526" cy="369332"/>
-            </a:xfrm>
-            <a:prstGeom prst="rect">
-              <a:avLst/>
-            </a:prstGeom>
-            <a:noFill/>
-          </p:spPr>
-          <p:txBody>
-            <a:bodyPr wrap="square" rtlCol="0">
-              <a:spAutoFit/>
-            </a:bodyPr>
-            <a:lstStyle/>
-            <a:p>
-              <a:r>
-                <a:rPr lang="en-US" dirty="0"/>
-                <a:t>Input-scene</a:t>
-              </a:r>
-            </a:p>
-          </p:txBody>
-        </p:sp>
-      </p:grpSp>
+          <a:prstGeom prst="rect">
+            <a:avLst/>
+          </a:prstGeom>
+        </p:spPr>
+      </p:pic>
+      <p:pic>
+        <p:nvPicPr>
+          <p:cNvPr id="14" name="Picture 13">
+            <a:extLst>
+              <a:ext uri="{FF2B5EF4-FFF2-40B4-BE49-F238E27FC236}">
+                <a16:creationId xmlns:a16="http://schemas.microsoft.com/office/drawing/2014/main" id="{2A88E530-4F28-4324-ADD4-F6181EF97EE9}"/>
+              </a:ext>
+            </a:extLst>
+          </p:cNvPr>
+          <p:cNvPicPr>
+            <a:picLocks noChangeAspect="1"/>
+          </p:cNvPicPr>
+          <p:nvPr/>
+        </p:nvPicPr>
+        <p:blipFill>
+          <a:blip r:embed="rId4" cstate="print">
+            <a:extLst>
+              <a:ext uri="{28A0092B-C50C-407E-A947-70E740481C1C}">
+                <a14:useLocalDpi xmlns:a14="http://schemas.microsoft.com/office/drawing/2010/main" val="0"/>
+              </a:ext>
+            </a:extLst>
+          </a:blip>
+          <a:stretch>
+            <a:fillRect/>
+          </a:stretch>
+        </p:blipFill>
+        <p:spPr>
+          <a:xfrm>
+            <a:off x="3917453" y="3998794"/>
+            <a:ext cx="4223174" cy="2743200"/>
+          </a:xfrm>
+          <a:prstGeom prst="rect">
+            <a:avLst/>
+          </a:prstGeom>
+        </p:spPr>
+      </p:pic>
     </p:spTree>
     <p:extLst>
       <p:ext uri="{BB962C8B-B14F-4D97-AF65-F5344CB8AC3E}">
